--- a/Prezentacija.pptx
+++ b/Prezentacija.pptx
@@ -12,6 +12,34 @@
     <p:sldId id="260" r:id="rId6"/>
     <p:sldId id="261" r:id="rId7"/>
     <p:sldId id="262" r:id="rId8"/>
+    <p:sldId id="263" r:id="rId9"/>
+    <p:sldId id="264" r:id="rId10"/>
+    <p:sldId id="265" r:id="rId11"/>
+    <p:sldId id="266" r:id="rId12"/>
+    <p:sldId id="267" r:id="rId13"/>
+    <p:sldId id="268" r:id="rId14"/>
+    <p:sldId id="269" r:id="rId15"/>
+    <p:sldId id="270" r:id="rId16"/>
+    <p:sldId id="271" r:id="rId17"/>
+    <p:sldId id="272" r:id="rId18"/>
+    <p:sldId id="273" r:id="rId19"/>
+    <p:sldId id="274" r:id="rId20"/>
+    <p:sldId id="275" r:id="rId21"/>
+    <p:sldId id="276" r:id="rId22"/>
+    <p:sldId id="277" r:id="rId23"/>
+    <p:sldId id="278" r:id="rId24"/>
+    <p:sldId id="279" r:id="rId25"/>
+    <p:sldId id="280" r:id="rId26"/>
+    <p:sldId id="281" r:id="rId27"/>
+    <p:sldId id="282" r:id="rId28"/>
+    <p:sldId id="283" r:id="rId29"/>
+    <p:sldId id="284" r:id="rId30"/>
+    <p:sldId id="285" r:id="rId31"/>
+    <p:sldId id="286" r:id="rId32"/>
+    <p:sldId id="287" r:id="rId33"/>
+    <p:sldId id="288" r:id="rId34"/>
+    <p:sldId id="289" r:id="rId35"/>
+    <p:sldId id="290" r:id="rId36"/>
   </p:sldIdLst>
   <p:sldSz cx="12192000" cy="6858000"/>
   <p:notesSz cx="6858000" cy="9144000"/>
@@ -3605,6 +3633,3356 @@
 </p:sld>
 </file>
 
+<file path=ppt/slides/slide10.xml><?xml version="1.0" encoding="utf-8"?>
+<p:sld xmlns:a="http://schemas.openxmlformats.org/drawingml/2006/main" xmlns:r="http://schemas.openxmlformats.org/officeDocument/2006/relationships" xmlns:p="http://schemas.openxmlformats.org/presentationml/2006/main">
+  <p:cSld>
+    <p:spTree>
+      <p:nvGrpSpPr>
+        <p:cNvPr id="1" name=""/>
+        <p:cNvGrpSpPr/>
+        <p:nvPr/>
+      </p:nvGrpSpPr>
+      <p:grpSpPr>
+        <a:xfrm>
+          <a:off x="0" y="0"/>
+          <a:ext cx="0" cy="0"/>
+          <a:chOff x="0" y="0"/>
+          <a:chExt cx="0" cy="0"/>
+        </a:xfrm>
+      </p:grpSpPr>
+      <p:sp>
+        <p:nvSpPr>
+          <p:cNvPr id="4" name="Title 1">
+            <a:extLst>
+              <a:ext uri="{FF2B5EF4-FFF2-40B4-BE49-F238E27FC236}">
+                <a16:creationId xmlns:a16="http://schemas.microsoft.com/office/drawing/2014/main" id="{5EC91DC5-4EFC-4758-B515-93FE7C500E58}"/>
+              </a:ext>
+            </a:extLst>
+          </p:cNvPr>
+          <p:cNvSpPr>
+            <a:spLocks noGrp="1"/>
+          </p:cNvSpPr>
+          <p:nvPr>
+            <p:ph idx="1"/>
+          </p:nvPr>
+        </p:nvSpPr>
+        <p:spPr>
+          <a:xfrm>
+            <a:off x="301625" y="122238"/>
+            <a:ext cx="11726863" cy="6599237"/>
+          </a:xfrm>
+        </p:spPr>
+        <p:txBody>
+          <a:bodyPr/>
+          <a:lstStyle/>
+          <a:p>
+            <a:pPr marL="0" indent="0">
+              <a:buNone/>
+            </a:pPr>
+            <a:r>
+              <a:rPr lang="en-US" dirty="0" err="1"/>
+              <a:t>Projekat</a:t>
+            </a:r>
+            <a:r>
+              <a:rPr lang="en-US" dirty="0"/>
+              <a:t> je </a:t>
+            </a:r>
+            <a:r>
+              <a:rPr lang="en-US" dirty="0" err="1"/>
+              <a:t>podijeljen</a:t>
+            </a:r>
+            <a:r>
+              <a:rPr lang="en-US" dirty="0"/>
+              <a:t> u </a:t>
+            </a:r>
+            <a:r>
+              <a:rPr lang="en-US" dirty="0" err="1"/>
+              <a:t>dva</a:t>
+            </a:r>
+            <a:r>
+              <a:rPr lang="en-US" dirty="0"/>
+              <a:t> </a:t>
+            </a:r>
+            <a:r>
+              <a:rPr lang="en-US" dirty="0" err="1"/>
+              <a:t>dijela</a:t>
+            </a:r>
+            <a:r>
+              <a:rPr lang="en-US" dirty="0"/>
+              <a:t>, </a:t>
+            </a:r>
+            <a:r>
+              <a:rPr lang="en-US" dirty="0" err="1"/>
+              <a:t>svaki</a:t>
+            </a:r>
+            <a:r>
+              <a:rPr lang="en-US" dirty="0"/>
+              <a:t> </a:t>
+            </a:r>
+            <a:r>
+              <a:rPr lang="en-US" dirty="0" err="1"/>
+              <a:t>sa</a:t>
+            </a:r>
+            <a:r>
+              <a:rPr lang="en-US" dirty="0"/>
+              <a:t> </a:t>
+            </a:r>
+            <a:r>
+              <a:rPr lang="en-US" dirty="0" err="1"/>
+              <a:t>specifičnim</a:t>
+            </a:r>
+            <a:r>
+              <a:rPr lang="en-US" dirty="0"/>
+              <a:t> </a:t>
+            </a:r>
+            <a:r>
+              <a:rPr lang="en-US" dirty="0" err="1"/>
+              <a:t>ciljevima</a:t>
+            </a:r>
+            <a:r>
+              <a:rPr lang="en-US" dirty="0"/>
+              <a:t> </a:t>
+            </a:r>
+            <a:r>
+              <a:rPr lang="en-US" dirty="0" err="1"/>
+              <a:t>i</a:t>
+            </a:r>
+            <a:r>
+              <a:rPr lang="en-US" dirty="0"/>
+              <a:t> </a:t>
+            </a:r>
+            <a:r>
+              <a:rPr lang="en-US" dirty="0" err="1"/>
+              <a:t>tehnikama</a:t>
+            </a:r>
+            <a:r>
+              <a:rPr lang="en-US" dirty="0"/>
+              <a:t> </a:t>
+            </a:r>
+            <a:r>
+              <a:rPr lang="en-US" dirty="0" err="1"/>
+              <a:t>klasifikacije</a:t>
+            </a:r>
+            <a:r>
+              <a:rPr lang="en-US" dirty="0"/>
+              <a:t>:</a:t>
+            </a:r>
+          </a:p>
+          <a:p>
+            <a:pPr lvl="1"/>
+            <a:r>
+              <a:rPr lang="en-US" dirty="0"/>
+              <a:t>U </a:t>
+            </a:r>
+            <a:r>
+              <a:rPr lang="en-US" dirty="0" err="1"/>
+              <a:t>prvom</a:t>
+            </a:r>
+            <a:r>
+              <a:rPr lang="en-US" dirty="0"/>
+              <a:t> </a:t>
+            </a:r>
+            <a:r>
+              <a:rPr lang="en-US" dirty="0" err="1"/>
+              <a:t>dijelu</a:t>
+            </a:r>
+            <a:r>
+              <a:rPr lang="en-US" dirty="0"/>
+              <a:t> </a:t>
+            </a:r>
+            <a:r>
+              <a:rPr lang="en-US" dirty="0" err="1"/>
+              <a:t>projekta</a:t>
+            </a:r>
+            <a:r>
+              <a:rPr lang="en-US" dirty="0"/>
+              <a:t>, </a:t>
+            </a:r>
+            <a:r>
+              <a:rPr lang="en-US" dirty="0" err="1"/>
+              <a:t>fokusirali</a:t>
+            </a:r>
+            <a:r>
+              <a:rPr lang="en-US" dirty="0"/>
+              <a:t> </a:t>
+            </a:r>
+            <a:r>
+              <a:rPr lang="en-US" dirty="0" err="1"/>
+              <a:t>smo</a:t>
+            </a:r>
+            <a:r>
+              <a:rPr lang="en-US" dirty="0"/>
+              <a:t> se </a:t>
+            </a:r>
+            <a:r>
+              <a:rPr lang="en-US" dirty="0" err="1"/>
+              <a:t>na</a:t>
+            </a:r>
+            <a:r>
+              <a:rPr lang="en-US" dirty="0"/>
+              <a:t> </a:t>
+            </a:r>
+            <a:r>
+              <a:rPr lang="en-US" dirty="0" err="1"/>
+              <a:t>primjenu</a:t>
+            </a:r>
+            <a:r>
+              <a:rPr lang="en-US" dirty="0"/>
+              <a:t> </a:t>
+            </a:r>
+            <a:r>
+              <a:rPr lang="en-US" dirty="0" err="1"/>
+              <a:t>tradicionalnih</a:t>
+            </a:r>
+            <a:r>
+              <a:rPr lang="en-US" dirty="0"/>
+              <a:t> </a:t>
+            </a:r>
+            <a:r>
+              <a:rPr lang="en-US" dirty="0" err="1"/>
+              <a:t>metoda</a:t>
+            </a:r>
+            <a:r>
+              <a:rPr lang="en-US" dirty="0"/>
+              <a:t> </a:t>
+            </a:r>
+            <a:r>
+              <a:rPr lang="en-US" dirty="0" err="1"/>
+              <a:t>mašinskog</a:t>
+            </a:r>
+            <a:r>
+              <a:rPr lang="en-US" dirty="0"/>
+              <a:t> </a:t>
+            </a:r>
+            <a:r>
+              <a:rPr lang="en-US" dirty="0" err="1"/>
+              <a:t>učenja</a:t>
+            </a:r>
+            <a:r>
+              <a:rPr lang="en-US" dirty="0"/>
+              <a:t> za </a:t>
+            </a:r>
+            <a:r>
+              <a:rPr lang="en-US" dirty="0" err="1"/>
+              <a:t>klasifikaciju</a:t>
+            </a:r>
+            <a:r>
+              <a:rPr lang="en-US" dirty="0"/>
+              <a:t> </a:t>
+            </a:r>
+            <a:r>
+              <a:rPr lang="en-US" dirty="0" err="1"/>
+              <a:t>kreditnih</a:t>
+            </a:r>
+            <a:r>
+              <a:rPr lang="en-US" dirty="0"/>
+              <a:t> </a:t>
+            </a:r>
+            <a:r>
+              <a:rPr lang="en-US" dirty="0" err="1"/>
+              <a:t>skorova</a:t>
+            </a:r>
+            <a:r>
+              <a:rPr lang="en-US" dirty="0"/>
+              <a:t>. </a:t>
+            </a:r>
+            <a:r>
+              <a:rPr lang="en-US" dirty="0" err="1"/>
+              <a:t>Koristili</a:t>
+            </a:r>
+            <a:r>
+              <a:rPr lang="en-US" dirty="0"/>
+              <a:t> </a:t>
+            </a:r>
+            <a:r>
+              <a:rPr lang="en-US" dirty="0" err="1"/>
+              <a:t>smo</a:t>
+            </a:r>
+            <a:r>
+              <a:rPr lang="en-US" dirty="0"/>
+              <a:t> </a:t>
+            </a:r>
+            <a:r>
+              <a:rPr lang="en-US" dirty="0" err="1"/>
+              <a:t>dva</a:t>
+            </a:r>
+            <a:r>
+              <a:rPr lang="en-US" dirty="0"/>
+              <a:t> </a:t>
+            </a:r>
+            <a:r>
+              <a:rPr lang="en-US" dirty="0" err="1"/>
+              <a:t>algoritma</a:t>
+            </a:r>
+            <a:r>
+              <a:rPr lang="en-US" dirty="0"/>
+              <a:t>:</a:t>
+            </a:r>
+          </a:p>
+          <a:p>
+            <a:pPr lvl="2">
+              <a:buFont typeface="Wingdings" panose="05000000000000000000" pitchFamily="2" charset="2"/>
+              <a:buChar char="§"/>
+            </a:pPr>
+            <a:r>
+              <a:rPr lang="en-US" b="1" dirty="0"/>
+              <a:t>Support Vector Machine (SVM)</a:t>
+            </a:r>
+            <a:endParaRPr lang="en-US" dirty="0"/>
+          </a:p>
+          <a:p>
+            <a:pPr lvl="2">
+              <a:buFont typeface="Wingdings" panose="05000000000000000000" pitchFamily="2" charset="2"/>
+              <a:buChar char="§"/>
+            </a:pPr>
+            <a:r>
+              <a:rPr lang="en-US" b="1" dirty="0"/>
+              <a:t>Gradient Boosting Machine (GBM)</a:t>
+            </a:r>
+            <a:br>
+              <a:rPr lang="en-US" b="1" dirty="0"/>
+            </a:br>
+            <a:endParaRPr lang="en-US" b="1" dirty="0"/>
+          </a:p>
+          <a:p>
+            <a:pPr lvl="1"/>
+            <a:r>
+              <a:rPr lang="en-US" dirty="0"/>
+              <a:t>U </a:t>
+            </a:r>
+            <a:r>
+              <a:rPr lang="en-US" dirty="0" err="1"/>
+              <a:t>drugom</a:t>
+            </a:r>
+            <a:r>
+              <a:rPr lang="en-US" dirty="0"/>
+              <a:t> </a:t>
+            </a:r>
+            <a:r>
+              <a:rPr lang="en-US" dirty="0" err="1"/>
+              <a:t>dijelu</a:t>
+            </a:r>
+            <a:r>
+              <a:rPr lang="en-US" dirty="0"/>
+              <a:t> </a:t>
+            </a:r>
+            <a:r>
+              <a:rPr lang="en-US" dirty="0" err="1"/>
+              <a:t>projekta</a:t>
+            </a:r>
+            <a:r>
+              <a:rPr lang="en-US" dirty="0"/>
+              <a:t>, </a:t>
+            </a:r>
+            <a:r>
+              <a:rPr lang="en-US" dirty="0" err="1"/>
+              <a:t>prešli</a:t>
+            </a:r>
+            <a:r>
+              <a:rPr lang="en-US" dirty="0"/>
+              <a:t> </a:t>
+            </a:r>
+            <a:r>
+              <a:rPr lang="en-US" dirty="0" err="1"/>
+              <a:t>smo</a:t>
+            </a:r>
+            <a:r>
+              <a:rPr lang="en-US" dirty="0"/>
+              <a:t> </a:t>
+            </a:r>
+            <a:r>
+              <a:rPr lang="en-US" dirty="0" err="1"/>
+              <a:t>na</a:t>
+            </a:r>
+            <a:r>
+              <a:rPr lang="en-US" dirty="0"/>
+              <a:t> </a:t>
+            </a:r>
+            <a:r>
+              <a:rPr lang="en-US" dirty="0" err="1"/>
+              <a:t>složeniji</a:t>
+            </a:r>
+            <a:r>
+              <a:rPr lang="en-US" dirty="0"/>
+              <a:t> </a:t>
+            </a:r>
+            <a:r>
+              <a:rPr lang="en-US" dirty="0" err="1"/>
+              <a:t>pristup</a:t>
+            </a:r>
+            <a:r>
+              <a:rPr lang="en-US" dirty="0"/>
+              <a:t> </a:t>
+            </a:r>
+            <a:r>
+              <a:rPr lang="en-US" dirty="0" err="1"/>
+              <a:t>koristeći</a:t>
+            </a:r>
+            <a:r>
+              <a:rPr lang="en-US" dirty="0"/>
+              <a:t> </a:t>
+            </a:r>
+            <a:r>
+              <a:rPr lang="en-US" dirty="0" err="1"/>
+              <a:t>duboko</a:t>
+            </a:r>
+            <a:r>
+              <a:rPr lang="en-US" dirty="0"/>
+              <a:t> </a:t>
+            </a:r>
+            <a:r>
+              <a:rPr lang="en-US" dirty="0" err="1"/>
+              <a:t>učenje</a:t>
+            </a:r>
+            <a:r>
+              <a:rPr lang="en-US" dirty="0"/>
+              <a:t>:</a:t>
+            </a:r>
+          </a:p>
+          <a:p>
+            <a:pPr lvl="2">
+              <a:buFont typeface="Wingdings" panose="05000000000000000000" pitchFamily="2" charset="2"/>
+              <a:buChar char="§"/>
+            </a:pPr>
+            <a:r>
+              <a:rPr lang="en-US" b="1" dirty="0"/>
+              <a:t>Fully Connected Neural Network (FCNN)</a:t>
+            </a:r>
+            <a:br>
+              <a:rPr lang="en-US" dirty="0"/>
+            </a:br>
+            <a:br>
+              <a:rPr lang="en-US" dirty="0"/>
+            </a:br>
+            <a:endParaRPr lang="en-US" dirty="0"/>
+          </a:p>
+        </p:txBody>
+      </p:sp>
+    </p:spTree>
+    <p:extLst>
+      <p:ext uri="{BB962C8B-B14F-4D97-AF65-F5344CB8AC3E}">
+        <p14:creationId xmlns:p14="http://schemas.microsoft.com/office/powerpoint/2010/main" val="288530712"/>
+      </p:ext>
+    </p:extLst>
+  </p:cSld>
+  <p:clrMapOvr>
+    <a:masterClrMapping/>
+  </p:clrMapOvr>
+</p:sld>
+</file>
+
+<file path=ppt/slides/slide11.xml><?xml version="1.0" encoding="utf-8"?>
+<p:sld xmlns:a="http://schemas.openxmlformats.org/drawingml/2006/main" xmlns:r="http://schemas.openxmlformats.org/officeDocument/2006/relationships" xmlns:p="http://schemas.openxmlformats.org/presentationml/2006/main">
+  <p:cSld>
+    <p:spTree>
+      <p:nvGrpSpPr>
+        <p:cNvPr id="1" name=""/>
+        <p:cNvGrpSpPr/>
+        <p:nvPr/>
+      </p:nvGrpSpPr>
+      <p:grpSpPr>
+        <a:xfrm>
+          <a:off x="0" y="0"/>
+          <a:ext cx="0" cy="0"/>
+          <a:chOff x="0" y="0"/>
+          <a:chExt cx="0" cy="0"/>
+        </a:xfrm>
+      </p:grpSpPr>
+      <p:sp>
+        <p:nvSpPr>
+          <p:cNvPr id="2" name="Title 1">
+            <a:extLst>
+              <a:ext uri="{FF2B5EF4-FFF2-40B4-BE49-F238E27FC236}">
+                <a16:creationId xmlns:a16="http://schemas.microsoft.com/office/drawing/2014/main" id="{FDE734C1-D1BA-4330-AF14-5FD59E5F1FDD}"/>
+              </a:ext>
+            </a:extLst>
+          </p:cNvPr>
+          <p:cNvSpPr>
+            <a:spLocks noGrp="1"/>
+          </p:cNvSpPr>
+          <p:nvPr>
+            <p:ph type="title"/>
+          </p:nvPr>
+        </p:nvSpPr>
+        <p:spPr>
+          <a:xfrm>
+            <a:off x="838200" y="2766218"/>
+            <a:ext cx="10515600" cy="1325563"/>
+          </a:xfrm>
+        </p:spPr>
+        <p:txBody>
+          <a:bodyPr/>
+          <a:lstStyle/>
+          <a:p>
+            <a:pPr algn="ctr"/>
+            <a:r>
+              <a:rPr lang="en-US" b="1" dirty="0"/>
+              <a:t>SVM</a:t>
+            </a:r>
+          </a:p>
+        </p:txBody>
+      </p:sp>
+    </p:spTree>
+    <p:extLst>
+      <p:ext uri="{BB962C8B-B14F-4D97-AF65-F5344CB8AC3E}">
+        <p14:creationId xmlns:p14="http://schemas.microsoft.com/office/powerpoint/2010/main" val="1897616654"/>
+      </p:ext>
+    </p:extLst>
+  </p:cSld>
+  <p:clrMapOvr>
+    <a:masterClrMapping/>
+  </p:clrMapOvr>
+</p:sld>
+</file>
+
+<file path=ppt/slides/slide12.xml><?xml version="1.0" encoding="utf-8"?>
+<p:sld xmlns:a="http://schemas.openxmlformats.org/drawingml/2006/main" xmlns:r="http://schemas.openxmlformats.org/officeDocument/2006/relationships" xmlns:p="http://schemas.openxmlformats.org/presentationml/2006/main">
+  <p:cSld>
+    <p:spTree>
+      <p:nvGrpSpPr>
+        <p:cNvPr id="1" name=""/>
+        <p:cNvGrpSpPr/>
+        <p:nvPr/>
+      </p:nvGrpSpPr>
+      <p:grpSpPr>
+        <a:xfrm>
+          <a:off x="0" y="0"/>
+          <a:ext cx="0" cy="0"/>
+          <a:chOff x="0" y="0"/>
+          <a:chExt cx="0" cy="0"/>
+        </a:xfrm>
+      </p:grpSpPr>
+      <p:sp>
+        <p:nvSpPr>
+          <p:cNvPr id="3" name="Content Placeholder 2">
+            <a:extLst>
+              <a:ext uri="{FF2B5EF4-FFF2-40B4-BE49-F238E27FC236}">
+                <a16:creationId xmlns:a16="http://schemas.microsoft.com/office/drawing/2014/main" id="{A0B95426-6DE8-410E-B0EA-B627D5A17602}"/>
+              </a:ext>
+            </a:extLst>
+          </p:cNvPr>
+          <p:cNvSpPr>
+            <a:spLocks noGrp="1"/>
+          </p:cNvSpPr>
+          <p:nvPr>
+            <p:ph idx="1"/>
+          </p:nvPr>
+        </p:nvSpPr>
+        <p:spPr>
+          <a:xfrm>
+            <a:off x="282804" y="216816"/>
+            <a:ext cx="11726944" cy="6381947"/>
+          </a:xfrm>
+        </p:spPr>
+        <p:txBody>
+          <a:bodyPr>
+            <a:normAutofit/>
+          </a:bodyPr>
+          <a:lstStyle/>
+          <a:p>
+            <a:r>
+              <a:rPr lang="en-US" sz="2400" dirty="0"/>
+              <a:t>Support Vector Machines (SVM) </a:t>
+            </a:r>
+            <a:r>
+              <a:rPr lang="en-US" sz="2400" dirty="0" err="1"/>
+              <a:t>su</a:t>
+            </a:r>
+            <a:r>
+              <a:rPr lang="en-US" sz="2400" dirty="0"/>
+              <a:t> </a:t>
+            </a:r>
+            <a:r>
+              <a:rPr lang="en-US" sz="2400" dirty="0" err="1"/>
+              <a:t>moćna</a:t>
+            </a:r>
+            <a:r>
+              <a:rPr lang="en-US" sz="2400" dirty="0"/>
+              <a:t> </a:t>
+            </a:r>
+            <a:r>
+              <a:rPr lang="en-US" sz="2400" dirty="0" err="1"/>
+              <a:t>i</a:t>
+            </a:r>
+            <a:r>
+              <a:rPr lang="en-US" sz="2400" dirty="0"/>
+              <a:t> </a:t>
+            </a:r>
+            <a:r>
+              <a:rPr lang="en-US" sz="2400" dirty="0" err="1"/>
+              <a:t>popularna</a:t>
+            </a:r>
+            <a:r>
+              <a:rPr lang="en-US" sz="2400" dirty="0"/>
+              <a:t> </a:t>
+            </a:r>
+            <a:r>
+              <a:rPr lang="en-US" sz="2400" dirty="0" err="1"/>
+              <a:t>metoda</a:t>
+            </a:r>
+            <a:r>
+              <a:rPr lang="en-US" sz="2400" dirty="0"/>
+              <a:t> </a:t>
+            </a:r>
+            <a:r>
+              <a:rPr lang="en-US" sz="2400" dirty="0" err="1"/>
+              <a:t>mašinskog</a:t>
+            </a:r>
+            <a:r>
+              <a:rPr lang="en-US" sz="2400" dirty="0"/>
+              <a:t> </a:t>
+            </a:r>
+            <a:r>
+              <a:rPr lang="en-US" sz="2400" dirty="0" err="1"/>
+              <a:t>učenja</a:t>
+            </a:r>
+            <a:r>
+              <a:rPr lang="en-US" sz="2400" dirty="0"/>
+              <a:t> </a:t>
+            </a:r>
+            <a:r>
+              <a:rPr lang="en-US" sz="2400" dirty="0" err="1"/>
+              <a:t>koja</a:t>
+            </a:r>
+            <a:r>
+              <a:rPr lang="en-US" sz="2400" dirty="0"/>
+              <a:t> se </a:t>
+            </a:r>
+            <a:r>
+              <a:rPr lang="en-US" sz="2400" dirty="0" err="1"/>
+              <a:t>koristi</a:t>
+            </a:r>
+            <a:r>
+              <a:rPr lang="en-US" sz="2400" dirty="0"/>
+              <a:t> za </a:t>
+            </a:r>
+            <a:r>
+              <a:rPr lang="en-US" sz="2400" dirty="0" err="1"/>
+              <a:t>klasifikaciju</a:t>
+            </a:r>
+            <a:r>
+              <a:rPr lang="en-US" sz="2400" dirty="0"/>
+              <a:t> </a:t>
+            </a:r>
+            <a:r>
+              <a:rPr lang="en-US" sz="2400" dirty="0" err="1"/>
+              <a:t>i</a:t>
+            </a:r>
+            <a:r>
+              <a:rPr lang="en-US" sz="2400" dirty="0"/>
+              <a:t> </a:t>
+            </a:r>
+            <a:r>
+              <a:rPr lang="en-US" sz="2400" dirty="0" err="1"/>
+              <a:t>regresiju</a:t>
+            </a:r>
+            <a:r>
+              <a:rPr lang="en-US" sz="2400" dirty="0"/>
+              <a:t>.</a:t>
+            </a:r>
+          </a:p>
+          <a:p>
+            <a:r>
+              <a:rPr lang="en-US" sz="2400" dirty="0"/>
+              <a:t>SVM </a:t>
+            </a:r>
+            <a:r>
+              <a:rPr lang="en-US" sz="2400" dirty="0" err="1"/>
+              <a:t>funkcioniše</a:t>
+            </a:r>
+            <a:r>
+              <a:rPr lang="en-US" sz="2400" dirty="0"/>
+              <a:t> </a:t>
+            </a:r>
+            <a:r>
+              <a:rPr lang="en-US" sz="2400" dirty="0" err="1"/>
+              <a:t>tako</a:t>
+            </a:r>
+            <a:r>
+              <a:rPr lang="en-US" sz="2400" dirty="0"/>
+              <a:t> </a:t>
+            </a:r>
+            <a:r>
+              <a:rPr lang="en-US" sz="2400" dirty="0" err="1"/>
+              <a:t>što</a:t>
+            </a:r>
+            <a:r>
+              <a:rPr lang="en-US" sz="2400" dirty="0"/>
+              <a:t> </a:t>
+            </a:r>
+            <a:r>
+              <a:rPr lang="en-US" sz="2400" dirty="0" err="1"/>
+              <a:t>traži</a:t>
+            </a:r>
+            <a:r>
+              <a:rPr lang="en-US" sz="2400" dirty="0"/>
+              <a:t> </a:t>
+            </a:r>
+            <a:r>
+              <a:rPr lang="en-US" sz="2400" dirty="0" err="1"/>
+              <a:t>optimalnu</a:t>
+            </a:r>
+            <a:r>
+              <a:rPr lang="en-US" sz="2400" dirty="0"/>
+              <a:t> </a:t>
+            </a:r>
+            <a:r>
+              <a:rPr lang="en-US" sz="2400" dirty="0" err="1"/>
+              <a:t>hiperravan</a:t>
+            </a:r>
+            <a:r>
+              <a:rPr lang="en-US" sz="2400" dirty="0"/>
+              <a:t> (decision boundary) </a:t>
+            </a:r>
+            <a:r>
+              <a:rPr lang="en-US" sz="2400" dirty="0" err="1"/>
+              <a:t>koja</a:t>
+            </a:r>
+            <a:r>
+              <a:rPr lang="en-US" sz="2400" dirty="0"/>
+              <a:t> </a:t>
+            </a:r>
+            <a:r>
+              <a:rPr lang="en-US" sz="2400" dirty="0" err="1"/>
+              <a:t>razdvaja</a:t>
+            </a:r>
+            <a:r>
+              <a:rPr lang="en-US" sz="2400" dirty="0"/>
+              <a:t> </a:t>
+            </a:r>
+            <a:r>
+              <a:rPr lang="en-US" sz="2400" dirty="0" err="1"/>
+              <a:t>podatke</a:t>
+            </a:r>
+            <a:r>
+              <a:rPr lang="en-US" sz="2400" dirty="0"/>
+              <a:t> u </a:t>
+            </a:r>
+            <a:r>
+              <a:rPr lang="en-US" sz="2400" dirty="0" err="1"/>
+              <a:t>dvije</a:t>
+            </a:r>
+            <a:r>
+              <a:rPr lang="en-US" sz="2400" dirty="0"/>
+              <a:t> </a:t>
+            </a:r>
+            <a:r>
+              <a:rPr lang="en-US" sz="2400" dirty="0" err="1"/>
+              <a:t>klase</a:t>
+            </a:r>
+            <a:r>
+              <a:rPr lang="en-US" sz="2400" dirty="0"/>
+              <a:t> s </a:t>
+            </a:r>
+            <a:r>
+              <a:rPr lang="en-US" sz="2400" dirty="0" err="1"/>
+              <a:t>maksimalnim</a:t>
+            </a:r>
+            <a:r>
+              <a:rPr lang="en-US" sz="2400" dirty="0"/>
+              <a:t> </a:t>
+            </a:r>
+            <a:r>
+              <a:rPr lang="en-US" sz="2400" dirty="0" err="1"/>
+              <a:t>marginama</a:t>
+            </a:r>
+            <a:r>
+              <a:rPr lang="en-US" sz="2400" dirty="0"/>
+              <a:t>. Margin je </a:t>
+            </a:r>
+            <a:r>
+              <a:rPr lang="en-US" sz="2400" dirty="0" err="1"/>
+              <a:t>rastojanje</a:t>
+            </a:r>
+            <a:r>
+              <a:rPr lang="en-US" sz="2400" dirty="0"/>
+              <a:t> </a:t>
+            </a:r>
+            <a:r>
+              <a:rPr lang="en-US" sz="2400" dirty="0" err="1"/>
+              <a:t>između</a:t>
+            </a:r>
+            <a:r>
+              <a:rPr lang="en-US" sz="2400" dirty="0"/>
+              <a:t> </a:t>
+            </a:r>
+            <a:r>
+              <a:rPr lang="en-US" sz="2400" dirty="0" err="1"/>
+              <a:t>hiperravne</a:t>
+            </a:r>
+            <a:r>
+              <a:rPr lang="en-US" sz="2400" dirty="0"/>
+              <a:t> </a:t>
+            </a:r>
+            <a:r>
+              <a:rPr lang="en-US" sz="2400" dirty="0" err="1"/>
+              <a:t>i</a:t>
+            </a:r>
+            <a:r>
+              <a:rPr lang="en-US" sz="2400" dirty="0"/>
+              <a:t> </a:t>
+            </a:r>
+            <a:r>
+              <a:rPr lang="en-US" sz="2400" dirty="0" err="1"/>
+              <a:t>najbližih</a:t>
+            </a:r>
+            <a:r>
+              <a:rPr lang="en-US" sz="2400" dirty="0"/>
+              <a:t> </a:t>
+            </a:r>
+            <a:r>
+              <a:rPr lang="en-US" sz="2400" dirty="0" err="1"/>
+              <a:t>tačaka</a:t>
+            </a:r>
+            <a:r>
+              <a:rPr lang="en-US" sz="2400" dirty="0"/>
+              <a:t> </a:t>
+            </a:r>
+            <a:r>
+              <a:rPr lang="en-US" sz="2400" dirty="0" err="1"/>
+              <a:t>iz</a:t>
+            </a:r>
+            <a:r>
+              <a:rPr lang="en-US" sz="2400" dirty="0"/>
+              <a:t> </a:t>
+            </a:r>
+            <a:r>
+              <a:rPr lang="en-US" sz="2400" dirty="0" err="1"/>
+              <a:t>svake</a:t>
+            </a:r>
+            <a:r>
+              <a:rPr lang="en-US" sz="2400" dirty="0"/>
+              <a:t> </a:t>
+            </a:r>
+            <a:r>
+              <a:rPr lang="en-US" sz="2400" dirty="0" err="1"/>
+              <a:t>klase</a:t>
+            </a:r>
+            <a:r>
+              <a:rPr lang="en-US" sz="2400" dirty="0"/>
+              <a:t>, </a:t>
+            </a:r>
+            <a:r>
+              <a:rPr lang="en-US" sz="2400" dirty="0" err="1"/>
+              <a:t>koje</a:t>
+            </a:r>
+            <a:r>
+              <a:rPr lang="en-US" sz="2400" dirty="0"/>
+              <a:t> se </a:t>
+            </a:r>
+            <a:r>
+              <a:rPr lang="en-US" sz="2400" dirty="0" err="1"/>
+              <a:t>nazivaju</a:t>
+            </a:r>
+            <a:r>
+              <a:rPr lang="en-US" sz="2400" dirty="0"/>
+              <a:t> </a:t>
+            </a:r>
+            <a:r>
+              <a:rPr lang="en-US" sz="2400" dirty="0" err="1"/>
+              <a:t>podupiračkim</a:t>
+            </a:r>
+            <a:r>
+              <a:rPr lang="en-US" sz="2400" dirty="0"/>
+              <a:t> </a:t>
+            </a:r>
+            <a:r>
+              <a:rPr lang="en-US" sz="2400" dirty="0" err="1"/>
+              <a:t>vektorima</a:t>
+            </a:r>
+            <a:r>
+              <a:rPr lang="en-US" sz="2400" dirty="0"/>
+              <a:t> (support vectors).</a:t>
+            </a:r>
+            <a:br>
+              <a:rPr lang="en-US" sz="2400" dirty="0"/>
+            </a:br>
+            <a:br>
+              <a:rPr lang="en-US" sz="2400" dirty="0"/>
+            </a:br>
+            <a:r>
+              <a:rPr lang="en-US" sz="2400" dirty="0"/>
+              <a:t>							</a:t>
+            </a:r>
+          </a:p>
+        </p:txBody>
+      </p:sp>
+      <p:pic>
+        <p:nvPicPr>
+          <p:cNvPr id="5" name="Picture 4">
+            <a:extLst>
+              <a:ext uri="{FF2B5EF4-FFF2-40B4-BE49-F238E27FC236}">
+                <a16:creationId xmlns:a16="http://schemas.microsoft.com/office/drawing/2014/main" id="{1C526990-B611-4A0A-A457-FD4583F5900D}"/>
+              </a:ext>
+            </a:extLst>
+          </p:cNvPr>
+          <p:cNvPicPr>
+            <a:picLocks noChangeAspect="1"/>
+          </p:cNvPicPr>
+          <p:nvPr/>
+        </p:nvPicPr>
+        <p:blipFill>
+          <a:blip r:embed="rId2"/>
+          <a:stretch>
+            <a:fillRect/>
+          </a:stretch>
+        </p:blipFill>
+        <p:spPr>
+          <a:xfrm>
+            <a:off x="603316" y="2195414"/>
+            <a:ext cx="5724525" cy="4314825"/>
+          </a:xfrm>
+          <a:prstGeom prst="rect">
+            <a:avLst/>
+          </a:prstGeom>
+        </p:spPr>
+      </p:pic>
+      <p:sp>
+        <p:nvSpPr>
+          <p:cNvPr id="6" name="TextBox 5">
+            <a:extLst>
+              <a:ext uri="{FF2B5EF4-FFF2-40B4-BE49-F238E27FC236}">
+                <a16:creationId xmlns:a16="http://schemas.microsoft.com/office/drawing/2014/main" id="{25524E7C-8703-4827-8D1B-32CE21B173DF}"/>
+              </a:ext>
+            </a:extLst>
+          </p:cNvPr>
+          <p:cNvSpPr txBox="1"/>
+          <p:nvPr/>
+        </p:nvSpPr>
+        <p:spPr>
+          <a:xfrm>
+            <a:off x="6648353" y="2195414"/>
+            <a:ext cx="4942788" cy="2185214"/>
+          </a:xfrm>
+          <a:prstGeom prst="rect">
+            <a:avLst/>
+          </a:prstGeom>
+          <a:noFill/>
+        </p:spPr>
+        <p:txBody>
+          <a:bodyPr wrap="square" rtlCol="0">
+            <a:spAutoFit/>
+          </a:bodyPr>
+          <a:lstStyle/>
+          <a:p>
+            <a:r>
+              <a:rPr lang="en-US" b="1" dirty="0" err="1"/>
+              <a:t>Hiperravan</a:t>
+            </a:r>
+            <a:r>
+              <a:rPr lang="en-US" b="1" dirty="0"/>
+              <a:t>:</a:t>
+            </a:r>
+            <a:r>
+              <a:rPr lang="en-US" dirty="0"/>
+              <a:t> </a:t>
+            </a:r>
+            <a:r>
+              <a:rPr lang="en-US" sz="1600" dirty="0"/>
+              <a:t>U n-</a:t>
+            </a:r>
+            <a:r>
+              <a:rPr lang="en-US" sz="1600" dirty="0" err="1"/>
+              <a:t>dimenzionalnom</a:t>
+            </a:r>
+            <a:r>
+              <a:rPr lang="en-US" sz="1600" dirty="0"/>
+              <a:t> </a:t>
+            </a:r>
+            <a:r>
+              <a:rPr lang="en-US" sz="1600" dirty="0" err="1"/>
+              <a:t>prostoru</a:t>
+            </a:r>
+            <a:r>
+              <a:rPr lang="en-US" sz="1600" dirty="0"/>
+              <a:t>, </a:t>
+            </a:r>
+            <a:r>
+              <a:rPr lang="en-US" sz="1600" dirty="0" err="1"/>
+              <a:t>hiperravan</a:t>
+            </a:r>
+            <a:r>
+              <a:rPr lang="en-US" sz="1600" dirty="0"/>
+              <a:t> je </a:t>
+            </a:r>
+            <a:r>
+              <a:rPr lang="en-US" sz="1600" dirty="0" err="1"/>
+              <a:t>površina</a:t>
+            </a:r>
+            <a:r>
+              <a:rPr lang="en-US" sz="1600" dirty="0"/>
+              <a:t> </a:t>
+            </a:r>
+            <a:r>
+              <a:rPr lang="en-US" sz="1600" dirty="0" err="1"/>
+              <a:t>koja</a:t>
+            </a:r>
+            <a:r>
+              <a:rPr lang="en-US" sz="1600" dirty="0"/>
+              <a:t> </a:t>
+            </a:r>
+            <a:r>
+              <a:rPr lang="en-US" sz="1600" dirty="0" err="1"/>
+              <a:t>razdvaja</a:t>
+            </a:r>
+            <a:r>
+              <a:rPr lang="en-US" sz="1600" dirty="0"/>
+              <a:t> </a:t>
+            </a:r>
+            <a:r>
+              <a:rPr lang="en-US" sz="1600" dirty="0" err="1"/>
+              <a:t>podatke</a:t>
+            </a:r>
+            <a:r>
+              <a:rPr lang="en-US" sz="1600" dirty="0"/>
+              <a:t> </a:t>
+            </a:r>
+            <a:r>
+              <a:rPr lang="en-US" sz="1600" dirty="0" err="1"/>
+              <a:t>na</a:t>
+            </a:r>
+            <a:r>
+              <a:rPr lang="en-US" sz="1600" dirty="0"/>
+              <a:t> </a:t>
+            </a:r>
+            <a:r>
+              <a:rPr lang="en-US" sz="1600" dirty="0" err="1"/>
+              <a:t>različite</a:t>
+            </a:r>
+            <a:r>
+              <a:rPr lang="en-US" sz="1600" dirty="0"/>
+              <a:t> </a:t>
+            </a:r>
+            <a:r>
+              <a:rPr lang="en-US" sz="1600" dirty="0" err="1"/>
+              <a:t>klase</a:t>
+            </a:r>
+            <a:r>
+              <a:rPr lang="en-US" sz="1600" dirty="0"/>
+              <a:t>.</a:t>
+            </a:r>
+            <a:br>
+              <a:rPr lang="en-US" sz="1600" dirty="0"/>
+            </a:br>
+            <a:br>
+              <a:rPr lang="en-US" sz="1600" dirty="0"/>
+            </a:br>
+            <a:r>
+              <a:rPr lang="en-US" b="1" dirty="0"/>
+              <a:t>Margin:</a:t>
+            </a:r>
+            <a:r>
+              <a:rPr lang="en-US" dirty="0"/>
+              <a:t> </a:t>
+            </a:r>
+            <a:r>
+              <a:rPr lang="en-US" sz="1600" dirty="0" err="1"/>
+              <a:t>Rastojanje</a:t>
+            </a:r>
+            <a:r>
+              <a:rPr lang="en-US" sz="1600" dirty="0"/>
+              <a:t> </a:t>
+            </a:r>
+            <a:r>
+              <a:rPr lang="en-US" sz="1600" dirty="0" err="1"/>
+              <a:t>između</a:t>
+            </a:r>
+            <a:r>
+              <a:rPr lang="en-US" sz="1600" dirty="0"/>
+              <a:t> </a:t>
+            </a:r>
+            <a:r>
+              <a:rPr lang="en-US" sz="1600" dirty="0" err="1"/>
+              <a:t>hiperravne</a:t>
+            </a:r>
+            <a:r>
+              <a:rPr lang="en-US" sz="1600" dirty="0"/>
+              <a:t> </a:t>
+            </a:r>
+            <a:r>
+              <a:rPr lang="en-US" sz="1600" dirty="0" err="1"/>
+              <a:t>i</a:t>
+            </a:r>
+            <a:r>
+              <a:rPr lang="en-US" sz="1600" dirty="0"/>
+              <a:t> </a:t>
+            </a:r>
+            <a:r>
+              <a:rPr lang="en-US" sz="1600" dirty="0" err="1"/>
+              <a:t>najbližih</a:t>
+            </a:r>
+            <a:r>
+              <a:rPr lang="en-US" sz="1600" dirty="0"/>
+              <a:t> </a:t>
+            </a:r>
+            <a:r>
+              <a:rPr lang="en-US" sz="1600" dirty="0" err="1"/>
+              <a:t>tačaka</a:t>
+            </a:r>
+            <a:r>
+              <a:rPr lang="en-US" sz="1600" dirty="0"/>
+              <a:t> </a:t>
+            </a:r>
+            <a:r>
+              <a:rPr lang="en-US" sz="1600" dirty="0" err="1"/>
+              <a:t>iz</a:t>
+            </a:r>
+            <a:r>
+              <a:rPr lang="en-US" sz="1600" dirty="0"/>
+              <a:t> </a:t>
+            </a:r>
+            <a:r>
+              <a:rPr lang="en-US" sz="1600" dirty="0" err="1"/>
+              <a:t>svake</a:t>
+            </a:r>
+            <a:r>
+              <a:rPr lang="en-US" sz="1600" dirty="0"/>
+              <a:t> </a:t>
+            </a:r>
+            <a:r>
+              <a:rPr lang="en-US" sz="1600" dirty="0" err="1"/>
+              <a:t>klase</a:t>
+            </a:r>
+            <a:r>
+              <a:rPr lang="en-US" sz="1600" dirty="0"/>
+              <a:t>. SVM </a:t>
+            </a:r>
+            <a:r>
+              <a:rPr lang="en-US" sz="1600" dirty="0" err="1"/>
+              <a:t>nastoji</a:t>
+            </a:r>
+            <a:r>
+              <a:rPr lang="en-US" sz="1600" dirty="0"/>
+              <a:t> </a:t>
+            </a:r>
+            <a:r>
+              <a:rPr lang="en-US" sz="1600" dirty="0" err="1"/>
+              <a:t>maksimizirati</a:t>
+            </a:r>
+            <a:r>
+              <a:rPr lang="en-US" sz="1600" dirty="0"/>
+              <a:t> margin.</a:t>
+            </a:r>
+          </a:p>
+          <a:p>
+            <a:endParaRPr lang="en-US" sz="1600" dirty="0"/>
+          </a:p>
+          <a:p>
+            <a:r>
+              <a:rPr lang="en-US" b="1" dirty="0" err="1"/>
+              <a:t>Podupirački</a:t>
+            </a:r>
+            <a:r>
+              <a:rPr lang="en-US" b="1" dirty="0"/>
+              <a:t> </a:t>
+            </a:r>
+            <a:r>
+              <a:rPr lang="en-US" b="1" dirty="0" err="1"/>
+              <a:t>vektori</a:t>
+            </a:r>
+            <a:r>
+              <a:rPr lang="en-US" b="1" dirty="0"/>
+              <a:t>:</a:t>
+            </a:r>
+            <a:r>
+              <a:rPr lang="en-US" dirty="0"/>
+              <a:t> </a:t>
+            </a:r>
+            <a:r>
+              <a:rPr lang="en-US" sz="1600" dirty="0" err="1"/>
+              <a:t>Tačke</a:t>
+            </a:r>
+            <a:r>
+              <a:rPr lang="en-US" sz="1600" dirty="0"/>
+              <a:t> </a:t>
+            </a:r>
+            <a:r>
+              <a:rPr lang="en-US" sz="1600" dirty="0" err="1"/>
+              <a:t>koje</a:t>
+            </a:r>
+            <a:r>
+              <a:rPr lang="en-US" sz="1600" dirty="0"/>
+              <a:t> </a:t>
+            </a:r>
+            <a:r>
+              <a:rPr lang="en-US" sz="1600" dirty="0" err="1"/>
+              <a:t>su</a:t>
+            </a:r>
+            <a:r>
+              <a:rPr lang="en-US" sz="1600" dirty="0"/>
+              <a:t> </a:t>
+            </a:r>
+            <a:r>
+              <a:rPr lang="en-US" sz="1600" dirty="0" err="1"/>
+              <a:t>najbliže</a:t>
+            </a:r>
+            <a:r>
+              <a:rPr lang="en-US" sz="1600" dirty="0"/>
+              <a:t> </a:t>
+            </a:r>
+            <a:r>
+              <a:rPr lang="en-US" sz="1600" dirty="0" err="1"/>
+              <a:t>hiperravni</a:t>
+            </a:r>
+            <a:r>
+              <a:rPr lang="en-US" sz="1600" dirty="0"/>
+              <a:t> </a:t>
+            </a:r>
+            <a:r>
+              <a:rPr lang="en-US" sz="1600" dirty="0" err="1"/>
+              <a:t>i</a:t>
+            </a:r>
+            <a:r>
+              <a:rPr lang="en-US" sz="1600" dirty="0"/>
+              <a:t> </a:t>
+            </a:r>
+            <a:r>
+              <a:rPr lang="en-US" sz="1600" dirty="0" err="1"/>
+              <a:t>koje</a:t>
+            </a:r>
+            <a:r>
+              <a:rPr lang="en-US" sz="1600" dirty="0"/>
+              <a:t> </a:t>
+            </a:r>
+            <a:r>
+              <a:rPr lang="en-US" sz="1600" dirty="0" err="1"/>
+              <a:t>utiču</a:t>
+            </a:r>
+            <a:r>
+              <a:rPr lang="en-US" sz="1600" dirty="0"/>
+              <a:t> </a:t>
+            </a:r>
+            <a:r>
+              <a:rPr lang="en-US" sz="1600" dirty="0" err="1"/>
+              <a:t>na</a:t>
+            </a:r>
+            <a:r>
+              <a:rPr lang="en-US" sz="1600" dirty="0"/>
+              <a:t> </a:t>
+            </a:r>
+            <a:r>
+              <a:rPr lang="en-US" sz="1600" dirty="0" err="1"/>
+              <a:t>njen</a:t>
+            </a:r>
+            <a:r>
+              <a:rPr lang="en-US" sz="1600" dirty="0"/>
+              <a:t> </a:t>
+            </a:r>
+            <a:r>
+              <a:rPr lang="en-US" sz="1600" dirty="0" err="1"/>
+              <a:t>položaj</a:t>
+            </a:r>
+            <a:r>
+              <a:rPr lang="en-US" sz="1600" dirty="0"/>
+              <a:t> </a:t>
+            </a:r>
+            <a:r>
+              <a:rPr lang="en-US" sz="1600" dirty="0" err="1"/>
+              <a:t>i</a:t>
+            </a:r>
+            <a:r>
+              <a:rPr lang="en-US" sz="1600" dirty="0"/>
+              <a:t> </a:t>
+            </a:r>
+            <a:r>
+              <a:rPr lang="en-US" sz="1600" dirty="0" err="1"/>
+              <a:t>orijentaciju</a:t>
+            </a:r>
+            <a:r>
+              <a:rPr lang="en-US" sz="1600" dirty="0"/>
+              <a:t>.</a:t>
+            </a:r>
+            <a:endParaRPr lang="en-US" dirty="0"/>
+          </a:p>
+        </p:txBody>
+      </p:sp>
+    </p:spTree>
+    <p:extLst>
+      <p:ext uri="{BB962C8B-B14F-4D97-AF65-F5344CB8AC3E}">
+        <p14:creationId xmlns:p14="http://schemas.microsoft.com/office/powerpoint/2010/main" val="1813507344"/>
+      </p:ext>
+    </p:extLst>
+  </p:cSld>
+  <p:clrMapOvr>
+    <a:masterClrMapping/>
+  </p:clrMapOvr>
+</p:sld>
+</file>
+
+<file path=ppt/slides/slide13.xml><?xml version="1.0" encoding="utf-8"?>
+<p:sld xmlns:a="http://schemas.openxmlformats.org/drawingml/2006/main" xmlns:r="http://schemas.openxmlformats.org/officeDocument/2006/relationships" xmlns:p="http://schemas.openxmlformats.org/presentationml/2006/main">
+  <p:cSld>
+    <p:spTree>
+      <p:nvGrpSpPr>
+        <p:cNvPr id="1" name=""/>
+        <p:cNvGrpSpPr/>
+        <p:nvPr/>
+      </p:nvGrpSpPr>
+      <p:grpSpPr>
+        <a:xfrm>
+          <a:off x="0" y="0"/>
+          <a:ext cx="0" cy="0"/>
+          <a:chOff x="0" y="0"/>
+          <a:chExt cx="0" cy="0"/>
+        </a:xfrm>
+      </p:grpSpPr>
+      <p:sp>
+        <p:nvSpPr>
+          <p:cNvPr id="3" name="Content Placeholder 2">
+            <a:extLst>
+              <a:ext uri="{FF2B5EF4-FFF2-40B4-BE49-F238E27FC236}">
+                <a16:creationId xmlns:a16="http://schemas.microsoft.com/office/drawing/2014/main" id="{3A073B5E-C47B-4DC1-B100-9CD08C7F5C28}"/>
+              </a:ext>
+            </a:extLst>
+          </p:cNvPr>
+          <p:cNvSpPr>
+            <a:spLocks noGrp="1"/>
+          </p:cNvSpPr>
+          <p:nvPr>
+            <p:ph idx="1"/>
+          </p:nvPr>
+        </p:nvSpPr>
+        <p:spPr>
+          <a:xfrm>
+            <a:off x="311085" y="197962"/>
+            <a:ext cx="11689237" cy="6457361"/>
+          </a:xfrm>
+        </p:spPr>
+        <p:txBody>
+          <a:bodyPr anchor="ctr"/>
+          <a:lstStyle/>
+          <a:p>
+            <a:pPr marL="0" indent="0" algn="ctr">
+              <a:buNone/>
+            </a:pPr>
+            <a:r>
+              <a:rPr lang="sr-Latn-RS" dirty="0"/>
+              <a:t>GBM</a:t>
+            </a:r>
+            <a:endParaRPr lang="en-US" dirty="0"/>
+          </a:p>
+        </p:txBody>
+      </p:sp>
+    </p:spTree>
+    <p:extLst>
+      <p:ext uri="{BB962C8B-B14F-4D97-AF65-F5344CB8AC3E}">
+        <p14:creationId xmlns:p14="http://schemas.microsoft.com/office/powerpoint/2010/main" val="1352861097"/>
+      </p:ext>
+    </p:extLst>
+  </p:cSld>
+  <p:clrMapOvr>
+    <a:masterClrMapping/>
+  </p:clrMapOvr>
+</p:sld>
+</file>
+
+<file path=ppt/slides/slide14.xml><?xml version="1.0" encoding="utf-8"?>
+<p:sld xmlns:a="http://schemas.openxmlformats.org/drawingml/2006/main" xmlns:r="http://schemas.openxmlformats.org/officeDocument/2006/relationships" xmlns:p="http://schemas.openxmlformats.org/presentationml/2006/main">
+  <p:cSld>
+    <p:spTree>
+      <p:nvGrpSpPr>
+        <p:cNvPr id="1" name=""/>
+        <p:cNvGrpSpPr/>
+        <p:nvPr/>
+      </p:nvGrpSpPr>
+      <p:grpSpPr>
+        <a:xfrm>
+          <a:off x="0" y="0"/>
+          <a:ext cx="0" cy="0"/>
+          <a:chOff x="0" y="0"/>
+          <a:chExt cx="0" cy="0"/>
+        </a:xfrm>
+      </p:grpSpPr>
+      <p:sp>
+        <p:nvSpPr>
+          <p:cNvPr id="4" name="Content Placeholder 2">
+            <a:extLst>
+              <a:ext uri="{FF2B5EF4-FFF2-40B4-BE49-F238E27FC236}">
+                <a16:creationId xmlns:a16="http://schemas.microsoft.com/office/drawing/2014/main" id="{C92EAEB6-AC07-45E2-ADA6-4E4051D8E25E}"/>
+              </a:ext>
+            </a:extLst>
+          </p:cNvPr>
+          <p:cNvSpPr>
+            <a:spLocks noGrp="1"/>
+          </p:cNvSpPr>
+          <p:nvPr>
+            <p:ph idx="1"/>
+          </p:nvPr>
+        </p:nvSpPr>
+        <p:spPr>
+          <a:xfrm>
+            <a:off x="282804" y="216816"/>
+            <a:ext cx="11726944" cy="6381947"/>
+          </a:xfrm>
+        </p:spPr>
+        <p:txBody>
+          <a:bodyPr>
+            <a:normAutofit/>
+          </a:bodyPr>
+          <a:lstStyle/>
+          <a:p>
+            <a:r>
+              <a:rPr lang="en-US" sz="2400" dirty="0"/>
+              <a:t>Gradient Boosting Machine (GBM) je </a:t>
+            </a:r>
+            <a:r>
+              <a:rPr lang="en-US" sz="2400" dirty="0" err="1"/>
+              <a:t>popularna</a:t>
+            </a:r>
+            <a:r>
+              <a:rPr lang="en-US" sz="2400" dirty="0"/>
+              <a:t> </a:t>
+            </a:r>
+            <a:r>
+              <a:rPr lang="en-US" sz="2400" dirty="0" err="1"/>
+              <a:t>metoda</a:t>
+            </a:r>
+            <a:r>
+              <a:rPr lang="en-US" sz="2400" dirty="0"/>
+              <a:t> </a:t>
+            </a:r>
+            <a:r>
+              <a:rPr lang="en-US" sz="2400" dirty="0" err="1"/>
+              <a:t>mašinskog</a:t>
+            </a:r>
+            <a:r>
+              <a:rPr lang="en-US" sz="2400" dirty="0"/>
+              <a:t> </a:t>
+            </a:r>
+            <a:r>
+              <a:rPr lang="en-US" sz="2400" dirty="0" err="1"/>
+              <a:t>učenja</a:t>
+            </a:r>
+            <a:r>
+              <a:rPr lang="en-US" sz="2400" dirty="0"/>
+              <a:t> </a:t>
+            </a:r>
+            <a:r>
+              <a:rPr lang="en-US" sz="2400" dirty="0" err="1"/>
+              <a:t>koja</a:t>
+            </a:r>
+            <a:r>
+              <a:rPr lang="en-US" sz="2400" dirty="0"/>
+              <a:t> </a:t>
+            </a:r>
+            <a:r>
+              <a:rPr lang="en-US" sz="2400" dirty="0" err="1"/>
+              <a:t>koristi</a:t>
+            </a:r>
+            <a:r>
+              <a:rPr lang="en-US" sz="2400" dirty="0"/>
+              <a:t> </a:t>
+            </a:r>
+            <a:r>
+              <a:rPr lang="en-US" sz="2400" dirty="0" err="1"/>
+              <a:t>ansamblno</a:t>
+            </a:r>
+            <a:r>
+              <a:rPr lang="en-US" sz="2400" dirty="0"/>
+              <a:t> </a:t>
+            </a:r>
+            <a:r>
+              <a:rPr lang="en-US" sz="2400" dirty="0" err="1"/>
+              <a:t>učenje</a:t>
+            </a:r>
+            <a:r>
+              <a:rPr lang="en-US" sz="2400" dirty="0"/>
+              <a:t> za </a:t>
+            </a:r>
+            <a:r>
+              <a:rPr lang="en-US" sz="2400" dirty="0" err="1"/>
+              <a:t>poboljšanje</a:t>
+            </a:r>
+            <a:r>
+              <a:rPr lang="en-US" sz="2400" dirty="0"/>
+              <a:t> </a:t>
+            </a:r>
+            <a:r>
+              <a:rPr lang="en-US" sz="2400" dirty="0" err="1"/>
+              <a:t>performansi</a:t>
+            </a:r>
+            <a:r>
+              <a:rPr lang="en-US" sz="2400" dirty="0"/>
+              <a:t> </a:t>
+            </a:r>
+            <a:r>
+              <a:rPr lang="en-US" sz="2400" dirty="0" err="1"/>
+              <a:t>predikcijskih</a:t>
+            </a:r>
+            <a:r>
+              <a:rPr lang="en-US" sz="2400" dirty="0"/>
+              <a:t> </a:t>
+            </a:r>
+            <a:r>
+              <a:rPr lang="en-US" sz="2400" dirty="0" err="1"/>
+              <a:t>modela</a:t>
+            </a:r>
+            <a:r>
+              <a:rPr lang="en-US" sz="2400" dirty="0"/>
+              <a:t>. GBM se </a:t>
+            </a:r>
+            <a:r>
+              <a:rPr lang="en-US" sz="2400" dirty="0" err="1"/>
+              <a:t>koristi</a:t>
+            </a:r>
+            <a:r>
+              <a:rPr lang="en-US" sz="2400" dirty="0"/>
+              <a:t> za </a:t>
+            </a:r>
+            <a:r>
+              <a:rPr lang="en-US" sz="2400" dirty="0" err="1"/>
+              <a:t>različite</a:t>
+            </a:r>
+            <a:r>
+              <a:rPr lang="en-US" sz="2400" dirty="0"/>
+              <a:t> </a:t>
+            </a:r>
+            <a:r>
+              <a:rPr lang="en-US" sz="2400" dirty="0" err="1"/>
+              <a:t>zadatke</a:t>
+            </a:r>
+            <a:r>
+              <a:rPr lang="en-US" sz="2400" dirty="0"/>
+              <a:t>, </a:t>
+            </a:r>
+            <a:r>
+              <a:rPr lang="en-US" sz="2400" dirty="0" err="1"/>
+              <a:t>uključujući</a:t>
+            </a:r>
+            <a:r>
+              <a:rPr lang="en-US" sz="2400" dirty="0"/>
+              <a:t> </a:t>
+            </a:r>
+            <a:r>
+              <a:rPr lang="en-US" sz="2400" dirty="0" err="1"/>
+              <a:t>regresiju</a:t>
+            </a:r>
+            <a:r>
+              <a:rPr lang="en-US" sz="2400" dirty="0"/>
+              <a:t> </a:t>
+            </a:r>
+            <a:r>
+              <a:rPr lang="en-US" sz="2400" dirty="0" err="1"/>
+              <a:t>i</a:t>
+            </a:r>
+            <a:r>
+              <a:rPr lang="en-US" sz="2400" dirty="0"/>
+              <a:t> </a:t>
+            </a:r>
+            <a:r>
+              <a:rPr lang="en-US" sz="2400" dirty="0" err="1"/>
+              <a:t>klasifikaciju</a:t>
+            </a:r>
+            <a:r>
+              <a:rPr lang="en-US" sz="2400" dirty="0"/>
+              <a:t>.</a:t>
+            </a:r>
+            <a:endParaRPr lang="sr-Latn-RS" sz="2400" dirty="0"/>
+          </a:p>
+          <a:p>
+            <a:r>
+              <a:rPr lang="en-US" sz="2400" dirty="0"/>
+              <a:t>Gradient Boosting Machine </a:t>
+            </a:r>
+            <a:r>
+              <a:rPr lang="en-US" sz="2400" dirty="0" err="1"/>
+              <a:t>funkcioniše</a:t>
+            </a:r>
+            <a:r>
+              <a:rPr lang="en-US" sz="2400" dirty="0"/>
+              <a:t> </a:t>
+            </a:r>
+            <a:r>
+              <a:rPr lang="en-US" sz="2400" dirty="0" err="1"/>
+              <a:t>tako</a:t>
+            </a:r>
+            <a:r>
+              <a:rPr lang="en-US" sz="2400" dirty="0"/>
+              <a:t> </a:t>
+            </a:r>
+            <a:r>
+              <a:rPr lang="en-US" sz="2400" dirty="0" err="1"/>
+              <a:t>što</a:t>
+            </a:r>
+            <a:r>
+              <a:rPr lang="en-US" sz="2400" dirty="0"/>
+              <a:t> </a:t>
+            </a:r>
+            <a:r>
+              <a:rPr lang="en-US" sz="2400" dirty="0" err="1"/>
+              <a:t>kombinuje</a:t>
+            </a:r>
+            <a:r>
+              <a:rPr lang="en-US" sz="2400" dirty="0"/>
+              <a:t> </a:t>
+            </a:r>
+            <a:r>
+              <a:rPr lang="en-US" sz="2400" dirty="0" err="1"/>
+              <a:t>više</a:t>
+            </a:r>
+            <a:r>
+              <a:rPr lang="en-US" sz="2400" dirty="0"/>
+              <a:t> </a:t>
+            </a:r>
+            <a:r>
+              <a:rPr lang="en-US" sz="2400" dirty="0" err="1"/>
+              <a:t>slabih</a:t>
+            </a:r>
+            <a:r>
+              <a:rPr lang="en-US" sz="2400" dirty="0"/>
+              <a:t> </a:t>
+            </a:r>
+            <a:r>
+              <a:rPr lang="en-US" sz="2400" dirty="0" err="1"/>
+              <a:t>modela</a:t>
+            </a:r>
+            <a:r>
+              <a:rPr lang="en-US" sz="2400" dirty="0"/>
+              <a:t>, </a:t>
+            </a:r>
+            <a:r>
+              <a:rPr lang="en-US" sz="2400" dirty="0" err="1"/>
+              <a:t>obično</a:t>
+            </a:r>
+            <a:r>
+              <a:rPr lang="en-US" sz="2400" dirty="0"/>
+              <a:t> </a:t>
+            </a:r>
+            <a:r>
+              <a:rPr lang="en-US" sz="2400" dirty="0" err="1"/>
+              <a:t>stabala</a:t>
+            </a:r>
+            <a:r>
+              <a:rPr lang="en-US" sz="2400" dirty="0"/>
+              <a:t> </a:t>
+            </a:r>
+            <a:r>
+              <a:rPr lang="en-US" sz="2400" dirty="0" err="1"/>
+              <a:t>odluke</a:t>
+            </a:r>
+            <a:r>
+              <a:rPr lang="en-US" sz="2400" dirty="0"/>
+              <a:t>, </a:t>
+            </a:r>
+            <a:r>
+              <a:rPr lang="en-US" sz="2400" dirty="0" err="1"/>
+              <a:t>kako</a:t>
+            </a:r>
+            <a:r>
+              <a:rPr lang="en-US" sz="2400" dirty="0"/>
+              <a:t> bi </a:t>
+            </a:r>
+            <a:r>
+              <a:rPr lang="en-US" sz="2400" dirty="0" err="1"/>
+              <a:t>formirao</a:t>
+            </a:r>
+            <a:r>
+              <a:rPr lang="en-US" sz="2400" dirty="0"/>
+              <a:t> </a:t>
+            </a:r>
+            <a:r>
+              <a:rPr lang="en-US" sz="2400" dirty="0" err="1"/>
+              <a:t>snažan</a:t>
+            </a:r>
+            <a:r>
+              <a:rPr lang="en-US" sz="2400" dirty="0"/>
+              <a:t> </a:t>
+            </a:r>
+            <a:r>
+              <a:rPr lang="en-US" sz="2400" dirty="0" err="1"/>
+              <a:t>prediktivni</a:t>
+            </a:r>
+            <a:r>
+              <a:rPr lang="en-US" sz="2400" dirty="0"/>
+              <a:t> model. </a:t>
+            </a:r>
+            <a:r>
+              <a:rPr lang="en-US" sz="2400" dirty="0" err="1"/>
+              <a:t>Ključna</a:t>
+            </a:r>
+            <a:r>
+              <a:rPr lang="en-US" sz="2400" dirty="0"/>
+              <a:t> </a:t>
+            </a:r>
+            <a:r>
+              <a:rPr lang="en-US" sz="2400" dirty="0" err="1"/>
+              <a:t>ideja</a:t>
+            </a:r>
+            <a:r>
+              <a:rPr lang="en-US" sz="2400" dirty="0"/>
+              <a:t> je </a:t>
+            </a:r>
+            <a:r>
+              <a:rPr lang="en-US" sz="2400" dirty="0" err="1"/>
+              <a:t>graditi</a:t>
+            </a:r>
+            <a:r>
+              <a:rPr lang="en-US" sz="2400" dirty="0"/>
+              <a:t> </a:t>
+            </a:r>
+            <a:r>
+              <a:rPr lang="en-US" sz="2400" dirty="0" err="1"/>
+              <a:t>modele</a:t>
+            </a:r>
+            <a:r>
+              <a:rPr lang="en-US" sz="2400" dirty="0"/>
+              <a:t> </a:t>
+            </a:r>
+            <a:r>
+              <a:rPr lang="en-US" sz="2400" dirty="0" err="1"/>
+              <a:t>sekvencijalno</a:t>
+            </a:r>
+            <a:r>
+              <a:rPr lang="en-US" sz="2400" dirty="0"/>
+              <a:t>, </a:t>
+            </a:r>
+            <a:r>
+              <a:rPr lang="en-US" sz="2400" dirty="0" err="1"/>
+              <a:t>pri</a:t>
+            </a:r>
+            <a:r>
+              <a:rPr lang="en-US" sz="2400" dirty="0"/>
+              <a:t> </a:t>
+            </a:r>
+            <a:r>
+              <a:rPr lang="en-US" sz="2400" dirty="0" err="1"/>
+              <a:t>čemu</a:t>
+            </a:r>
+            <a:r>
+              <a:rPr lang="en-US" sz="2400" dirty="0"/>
+              <a:t> </a:t>
+            </a:r>
+            <a:r>
+              <a:rPr lang="en-US" sz="2400" dirty="0" err="1"/>
+              <a:t>svaki</a:t>
+            </a:r>
+            <a:r>
+              <a:rPr lang="en-US" sz="2400" dirty="0"/>
+              <a:t> </a:t>
+            </a:r>
+            <a:r>
+              <a:rPr lang="en-US" sz="2400" dirty="0" err="1"/>
+              <a:t>novi</a:t>
+            </a:r>
+            <a:r>
+              <a:rPr lang="en-US" sz="2400" dirty="0"/>
+              <a:t> model </a:t>
+            </a:r>
+            <a:r>
+              <a:rPr lang="en-US" sz="2400" dirty="0" err="1"/>
+              <a:t>koriguje</a:t>
+            </a:r>
+            <a:r>
+              <a:rPr lang="en-US" sz="2400" dirty="0"/>
+              <a:t> </a:t>
+            </a:r>
+            <a:r>
+              <a:rPr lang="en-US" sz="2400" dirty="0" err="1"/>
+              <a:t>greške</a:t>
+            </a:r>
+            <a:r>
+              <a:rPr lang="en-US" sz="2400" dirty="0"/>
+              <a:t> </a:t>
+            </a:r>
+            <a:r>
+              <a:rPr lang="en-US" sz="2400" dirty="0" err="1"/>
+              <a:t>prethodnih</a:t>
+            </a:r>
+            <a:r>
+              <a:rPr lang="en-US" sz="2400" dirty="0"/>
+              <a:t> </a:t>
+            </a:r>
+            <a:r>
+              <a:rPr lang="en-US" sz="2400" dirty="0" err="1"/>
+              <a:t>modela</a:t>
+            </a:r>
+            <a:r>
+              <a:rPr lang="sr-Latn-RS" sz="2400" dirty="0"/>
+              <a:t>.</a:t>
+            </a:r>
+          </a:p>
+          <a:p>
+            <a:pPr lvl="1">
+              <a:buFont typeface="Wingdings" panose="05000000000000000000" pitchFamily="2" charset="2"/>
+              <a:buChar char="§"/>
+            </a:pPr>
+            <a:r>
+              <a:rPr lang="en-US" sz="1600" b="1" dirty="0" err="1"/>
+              <a:t>Inicializacija</a:t>
+            </a:r>
+            <a:r>
+              <a:rPr lang="en-US" sz="1600" b="1" dirty="0"/>
+              <a:t>:</a:t>
+            </a:r>
+            <a:r>
+              <a:rPr lang="en-US" sz="1600" dirty="0"/>
+              <a:t> </a:t>
+            </a:r>
+            <a:r>
+              <a:rPr lang="en-US" sz="1600" dirty="0" err="1"/>
+              <a:t>Početni</a:t>
+            </a:r>
+            <a:r>
+              <a:rPr lang="en-US" sz="1600" dirty="0"/>
+              <a:t> model je </a:t>
+            </a:r>
+            <a:r>
+              <a:rPr lang="en-US" sz="1600" dirty="0" err="1"/>
+              <a:t>obično</a:t>
+            </a:r>
+            <a:r>
+              <a:rPr lang="en-US" sz="1600" dirty="0"/>
+              <a:t> </a:t>
+            </a:r>
+            <a:r>
+              <a:rPr lang="en-US" sz="1600" dirty="0" err="1"/>
+              <a:t>jednostavan</a:t>
+            </a:r>
+            <a:r>
+              <a:rPr lang="en-US" sz="1600" dirty="0"/>
+              <a:t> model, </a:t>
+            </a:r>
+            <a:r>
+              <a:rPr lang="en-US" sz="1600" dirty="0" err="1"/>
+              <a:t>kao</a:t>
+            </a:r>
+            <a:r>
+              <a:rPr lang="en-US" sz="1600" dirty="0"/>
+              <a:t> </a:t>
+            </a:r>
+            <a:r>
+              <a:rPr lang="en-US" sz="1600" dirty="0" err="1"/>
+              <a:t>što</a:t>
+            </a:r>
+            <a:r>
+              <a:rPr lang="en-US" sz="1600" dirty="0"/>
+              <a:t> je </a:t>
+            </a:r>
+            <a:r>
+              <a:rPr lang="en-US" sz="1600" dirty="0" err="1"/>
+              <a:t>stablo</a:t>
+            </a:r>
+            <a:r>
+              <a:rPr lang="en-US" sz="1600" dirty="0"/>
+              <a:t> </a:t>
+            </a:r>
+            <a:r>
+              <a:rPr lang="en-US" sz="1600" dirty="0" err="1"/>
+              <a:t>odluke</a:t>
+            </a:r>
+            <a:r>
+              <a:rPr lang="en-US" sz="1600" dirty="0"/>
+              <a:t> </a:t>
+            </a:r>
+            <a:r>
+              <a:rPr lang="en-US" sz="1600" dirty="0" err="1"/>
+              <a:t>dubine</a:t>
+            </a:r>
+            <a:r>
+              <a:rPr lang="en-US" sz="1600" dirty="0"/>
+              <a:t> 1 (stump), </a:t>
+            </a:r>
+            <a:r>
+              <a:rPr lang="en-US" sz="1600" dirty="0" err="1"/>
+              <a:t>ili</a:t>
+            </a:r>
+            <a:r>
+              <a:rPr lang="en-US" sz="1600" dirty="0"/>
+              <a:t> </a:t>
+            </a:r>
+            <a:r>
+              <a:rPr lang="en-US" sz="1600" dirty="0" err="1"/>
+              <a:t>srednja</a:t>
+            </a:r>
+            <a:r>
+              <a:rPr lang="en-US" sz="1600" dirty="0"/>
+              <a:t> </a:t>
+            </a:r>
+            <a:r>
+              <a:rPr lang="en-US" sz="1600" dirty="0" err="1"/>
+              <a:t>vrijednost</a:t>
+            </a:r>
+            <a:r>
+              <a:rPr lang="en-US" sz="1600" dirty="0"/>
+              <a:t> u </a:t>
+            </a:r>
+            <a:r>
+              <a:rPr lang="en-US" sz="1600" dirty="0" err="1"/>
+              <a:t>slučaju</a:t>
+            </a:r>
+            <a:r>
+              <a:rPr lang="en-US" sz="1600" dirty="0"/>
+              <a:t> </a:t>
+            </a:r>
+            <a:r>
+              <a:rPr lang="en-US" sz="1600" dirty="0" err="1"/>
+              <a:t>regresije</a:t>
+            </a:r>
+            <a:r>
+              <a:rPr lang="en-US" sz="1600" dirty="0"/>
+              <a:t>.</a:t>
+            </a:r>
+            <a:endParaRPr lang="sr-Latn-RS" sz="1600" dirty="0"/>
+          </a:p>
+          <a:p>
+            <a:pPr lvl="1">
+              <a:buFont typeface="Wingdings" panose="05000000000000000000" pitchFamily="2" charset="2"/>
+              <a:buChar char="§"/>
+            </a:pPr>
+            <a:r>
+              <a:rPr lang="en-US" sz="1600" b="1" dirty="0" err="1"/>
+              <a:t>Iterativna</a:t>
+            </a:r>
+            <a:r>
+              <a:rPr lang="en-US" sz="1600" b="1" dirty="0"/>
+              <a:t> </a:t>
+            </a:r>
+            <a:r>
+              <a:rPr lang="en-US" sz="1600" b="1" dirty="0" err="1"/>
+              <a:t>gradnja</a:t>
+            </a:r>
+            <a:r>
+              <a:rPr lang="en-US" sz="1600" b="1" dirty="0"/>
+              <a:t>:</a:t>
+            </a:r>
+            <a:r>
+              <a:rPr lang="en-US" sz="1600" dirty="0"/>
+              <a:t> </a:t>
+            </a:r>
+            <a:r>
+              <a:rPr lang="en-US" sz="1600" dirty="0" err="1"/>
+              <a:t>Naredni</a:t>
+            </a:r>
+            <a:r>
+              <a:rPr lang="en-US" sz="1600" dirty="0"/>
+              <a:t> </a:t>
+            </a:r>
+            <a:r>
+              <a:rPr lang="en-US" sz="1600" dirty="0" err="1"/>
+              <a:t>modeli</a:t>
+            </a:r>
+            <a:r>
+              <a:rPr lang="en-US" sz="1600" dirty="0"/>
+              <a:t> se grade </a:t>
+            </a:r>
+            <a:r>
+              <a:rPr lang="en-US" sz="1600" dirty="0" err="1"/>
+              <a:t>tako</a:t>
+            </a:r>
+            <a:r>
+              <a:rPr lang="en-US" sz="1600" dirty="0"/>
+              <a:t> da </a:t>
+            </a:r>
+            <a:r>
+              <a:rPr lang="en-US" sz="1600" dirty="0" err="1"/>
+              <a:t>minimizi</a:t>
+            </a:r>
+            <a:r>
+              <a:rPr lang="sr-Latn-RS" sz="1600" dirty="0"/>
+              <a:t>ju</a:t>
+            </a:r>
+            <a:r>
+              <a:rPr lang="en-US" sz="1600" dirty="0"/>
+              <a:t> </a:t>
+            </a:r>
+            <a:r>
+              <a:rPr lang="en-US" sz="1600" dirty="0" err="1"/>
+              <a:t>rezidualne</a:t>
+            </a:r>
+            <a:r>
+              <a:rPr lang="en-US" sz="1600" dirty="0"/>
+              <a:t> </a:t>
+            </a:r>
+            <a:r>
+              <a:rPr lang="en-US" sz="1600" dirty="0" err="1"/>
+              <a:t>greške</a:t>
+            </a:r>
+            <a:r>
+              <a:rPr lang="en-US" sz="1600" dirty="0"/>
+              <a:t> </a:t>
+            </a:r>
+            <a:r>
+              <a:rPr lang="en-US" sz="1600" dirty="0" err="1"/>
+              <a:t>prethodnih</a:t>
+            </a:r>
+            <a:r>
+              <a:rPr lang="en-US" sz="1600" dirty="0"/>
+              <a:t> </a:t>
+            </a:r>
+            <a:r>
+              <a:rPr lang="en-US" sz="1600" dirty="0" err="1"/>
+              <a:t>modela</a:t>
+            </a:r>
+            <a:r>
+              <a:rPr lang="en-US" sz="1600" dirty="0"/>
+              <a:t> </a:t>
+            </a:r>
+            <a:r>
+              <a:rPr lang="en-US" sz="1600" dirty="0" err="1"/>
+              <a:t>koristeći</a:t>
+            </a:r>
+            <a:r>
+              <a:rPr lang="en-US" sz="1600" dirty="0"/>
+              <a:t> </a:t>
+            </a:r>
+            <a:r>
+              <a:rPr lang="en-US" sz="1600" dirty="0" err="1"/>
+              <a:t>gradijentni</a:t>
+            </a:r>
+            <a:r>
+              <a:rPr lang="en-US" sz="1600" dirty="0"/>
+              <a:t> </a:t>
+            </a:r>
+            <a:r>
+              <a:rPr lang="en-US" sz="1600" dirty="0" err="1"/>
+              <a:t>spust</a:t>
+            </a:r>
+            <a:r>
+              <a:rPr lang="en-US" sz="1600" dirty="0"/>
+              <a:t>.</a:t>
+            </a:r>
+            <a:endParaRPr lang="sr-Latn-RS" sz="1600" dirty="0"/>
+          </a:p>
+          <a:p>
+            <a:pPr lvl="1">
+              <a:buFont typeface="Wingdings" panose="05000000000000000000" pitchFamily="2" charset="2"/>
+              <a:buChar char="§"/>
+            </a:pPr>
+            <a:r>
+              <a:rPr lang="en-US" sz="1600" b="1" dirty="0" err="1"/>
+              <a:t>Kombinacija</a:t>
+            </a:r>
+            <a:r>
+              <a:rPr lang="en-US" sz="1600" b="1" dirty="0"/>
+              <a:t> </a:t>
+            </a:r>
+            <a:r>
+              <a:rPr lang="en-US" sz="1600" b="1" dirty="0" err="1"/>
+              <a:t>modela</a:t>
+            </a:r>
+            <a:r>
+              <a:rPr lang="en-US" sz="1600" b="1" dirty="0"/>
+              <a:t>:</a:t>
+            </a:r>
+            <a:r>
+              <a:rPr lang="en-US" sz="1600" dirty="0"/>
+              <a:t> Svi </a:t>
+            </a:r>
+            <a:r>
+              <a:rPr lang="en-US" sz="1600" dirty="0" err="1"/>
+              <a:t>modeli</a:t>
+            </a:r>
+            <a:r>
+              <a:rPr lang="en-US" sz="1600" dirty="0"/>
+              <a:t> se </a:t>
+            </a:r>
+            <a:r>
+              <a:rPr lang="en-US" sz="1600" dirty="0" err="1"/>
+              <a:t>kombinuju</a:t>
+            </a:r>
+            <a:r>
+              <a:rPr lang="en-US" sz="1600" dirty="0"/>
+              <a:t> u </a:t>
+            </a:r>
+            <a:r>
+              <a:rPr lang="en-US" sz="1600" dirty="0" err="1"/>
+              <a:t>konačni</a:t>
+            </a:r>
+            <a:r>
+              <a:rPr lang="en-US" sz="1600" dirty="0"/>
+              <a:t> model </a:t>
+            </a:r>
+            <a:r>
+              <a:rPr lang="en-US" sz="1600" dirty="0" err="1"/>
+              <a:t>tako</a:t>
+            </a:r>
+            <a:r>
+              <a:rPr lang="en-US" sz="1600" dirty="0"/>
+              <a:t> </a:t>
+            </a:r>
+            <a:r>
+              <a:rPr lang="en-US" sz="1600" dirty="0" err="1"/>
+              <a:t>što</a:t>
+            </a:r>
+            <a:r>
+              <a:rPr lang="en-US" sz="1600" dirty="0"/>
+              <a:t> se </a:t>
+            </a:r>
+            <a:r>
+              <a:rPr lang="en-US" sz="1600" dirty="0" err="1"/>
+              <a:t>svakom</a:t>
+            </a:r>
+            <a:r>
+              <a:rPr lang="en-US" sz="1600" dirty="0"/>
+              <a:t> </a:t>
+            </a:r>
+            <a:r>
+              <a:rPr lang="en-US" sz="1600" dirty="0" err="1"/>
+              <a:t>modelu</a:t>
+            </a:r>
+            <a:r>
+              <a:rPr lang="en-US" sz="1600" dirty="0"/>
+              <a:t> </a:t>
+            </a:r>
+            <a:r>
+              <a:rPr lang="en-US" sz="1600" dirty="0" err="1"/>
+              <a:t>dodjeljuje</a:t>
+            </a:r>
+            <a:r>
+              <a:rPr lang="en-US" sz="1600" dirty="0"/>
+              <a:t> </a:t>
+            </a:r>
+            <a:r>
+              <a:rPr lang="en-US" sz="1600" dirty="0" err="1"/>
+              <a:t>težina</a:t>
+            </a:r>
+            <a:r>
+              <a:rPr lang="en-US" sz="1600" dirty="0"/>
+              <a:t> </a:t>
+            </a:r>
+            <a:r>
+              <a:rPr lang="en-US" sz="1600" dirty="0" err="1"/>
+              <a:t>koja</a:t>
+            </a:r>
+            <a:r>
+              <a:rPr lang="en-US" sz="1600" dirty="0"/>
+              <a:t> </a:t>
+            </a:r>
+            <a:r>
+              <a:rPr lang="en-US" sz="1600" dirty="0" err="1"/>
+              <a:t>zavisi</a:t>
+            </a:r>
+            <a:r>
+              <a:rPr lang="en-US" sz="1600" dirty="0"/>
+              <a:t> od </a:t>
+            </a:r>
+            <a:r>
+              <a:rPr lang="en-US" sz="1600" dirty="0" err="1"/>
+              <a:t>njegove</a:t>
+            </a:r>
+            <a:r>
+              <a:rPr lang="en-US" sz="1600" dirty="0"/>
+              <a:t> </a:t>
+            </a:r>
+            <a:r>
+              <a:rPr lang="en-US" sz="1600" dirty="0" err="1"/>
+              <a:t>tačnosti</a:t>
+            </a:r>
+            <a:r>
+              <a:rPr lang="en-US" sz="1600" dirty="0"/>
+              <a:t>.</a:t>
+            </a:r>
+            <a:br>
+              <a:rPr lang="en-US" sz="2000" dirty="0"/>
+            </a:br>
+            <a:r>
+              <a:rPr lang="en-US" sz="2000" dirty="0"/>
+              <a:t>							</a:t>
+            </a:r>
+          </a:p>
+        </p:txBody>
+      </p:sp>
+      <p:pic>
+        <p:nvPicPr>
+          <p:cNvPr id="7" name="Picture 6">
+            <a:extLst>
+              <a:ext uri="{FF2B5EF4-FFF2-40B4-BE49-F238E27FC236}">
+                <a16:creationId xmlns:a16="http://schemas.microsoft.com/office/drawing/2014/main" id="{A69AD4BF-F023-47D4-916A-5BDD06B3D09F}"/>
+              </a:ext>
+            </a:extLst>
+          </p:cNvPr>
+          <p:cNvPicPr>
+            <a:picLocks noChangeAspect="1"/>
+          </p:cNvPicPr>
+          <p:nvPr/>
+        </p:nvPicPr>
+        <p:blipFill>
+          <a:blip r:embed="rId2">
+            <a:extLst>
+              <a:ext uri="{28A0092B-C50C-407E-A947-70E740481C1C}">
+                <a14:useLocalDpi xmlns:a14="http://schemas.microsoft.com/office/drawing/2010/main" val="0"/>
+              </a:ext>
+            </a:extLst>
+          </a:blip>
+          <a:stretch>
+            <a:fillRect/>
+          </a:stretch>
+        </p:blipFill>
+        <p:spPr>
+          <a:xfrm>
+            <a:off x="282804" y="4044542"/>
+            <a:ext cx="4629404" cy="2224284"/>
+          </a:xfrm>
+          <a:prstGeom prst="rect">
+            <a:avLst/>
+          </a:prstGeom>
+        </p:spPr>
+      </p:pic>
+    </p:spTree>
+    <p:extLst>
+      <p:ext uri="{BB962C8B-B14F-4D97-AF65-F5344CB8AC3E}">
+        <p14:creationId xmlns:p14="http://schemas.microsoft.com/office/powerpoint/2010/main" val="1589323625"/>
+      </p:ext>
+    </p:extLst>
+  </p:cSld>
+  <p:clrMapOvr>
+    <a:masterClrMapping/>
+  </p:clrMapOvr>
+</p:sld>
+</file>
+
+<file path=ppt/slides/slide15.xml><?xml version="1.0" encoding="utf-8"?>
+<p:sld xmlns:a="http://schemas.openxmlformats.org/drawingml/2006/main" xmlns:r="http://schemas.openxmlformats.org/officeDocument/2006/relationships" xmlns:p="http://schemas.openxmlformats.org/presentationml/2006/main">
+  <p:cSld>
+    <p:spTree>
+      <p:nvGrpSpPr>
+        <p:cNvPr id="1" name=""/>
+        <p:cNvGrpSpPr/>
+        <p:nvPr/>
+      </p:nvGrpSpPr>
+      <p:grpSpPr>
+        <a:xfrm>
+          <a:off x="0" y="0"/>
+          <a:ext cx="0" cy="0"/>
+          <a:chOff x="0" y="0"/>
+          <a:chExt cx="0" cy="0"/>
+        </a:xfrm>
+      </p:grpSpPr>
+      <p:sp>
+        <p:nvSpPr>
+          <p:cNvPr id="4" name="Content Placeholder 2">
+            <a:extLst>
+              <a:ext uri="{FF2B5EF4-FFF2-40B4-BE49-F238E27FC236}">
+                <a16:creationId xmlns:a16="http://schemas.microsoft.com/office/drawing/2014/main" id="{2AE72D24-DD5D-4738-AEC4-A4F33D2A8E54}"/>
+              </a:ext>
+            </a:extLst>
+          </p:cNvPr>
+          <p:cNvSpPr>
+            <a:spLocks noGrp="1"/>
+          </p:cNvSpPr>
+          <p:nvPr>
+            <p:ph idx="1"/>
+          </p:nvPr>
+        </p:nvSpPr>
+        <p:spPr>
+          <a:xfrm>
+            <a:off x="241954" y="1252523"/>
+            <a:ext cx="11708091" cy="4352954"/>
+          </a:xfrm>
+        </p:spPr>
+        <p:txBody>
+          <a:bodyPr/>
+          <a:lstStyle/>
+          <a:p>
+            <a:pPr marL="0" indent="0">
+              <a:buNone/>
+            </a:pPr>
+            <a:r>
+              <a:rPr lang="sr-Latn-RS" dirty="0"/>
+              <a:t>Popunjavanje nedostajućih vrijednosti:</a:t>
+            </a:r>
+          </a:p>
+          <a:p>
+            <a:pPr lvl="1"/>
+            <a:r>
+              <a:rPr lang="sr-Latn-RS" dirty="0"/>
+              <a:t>	Za kategoričke podatke koristimo najčešće pojavljivanu vrijednost (mode), dok za 	numeričke podatke koristimo spline interpolaciju trećeg reda</a:t>
+            </a:r>
+          </a:p>
+          <a:p>
+            <a:pPr marL="0" indent="0">
+              <a:buNone/>
+            </a:pPr>
+            <a:r>
+              <a:rPr lang="sr-Latn-RS" dirty="0"/>
+              <a:t>Normalizacija podataka:</a:t>
+            </a:r>
+          </a:p>
+          <a:p>
+            <a:pPr lvl="1"/>
+            <a:r>
+              <a:rPr lang="sr-Latn-RS" dirty="0"/>
+              <a:t>	</a:t>
+            </a:r>
+            <a:r>
+              <a:rPr lang="en-US" b="1" dirty="0" err="1"/>
+              <a:t>Normalizacija</a:t>
+            </a:r>
+            <a:r>
+              <a:rPr lang="en-US" dirty="0"/>
+              <a:t> je </a:t>
+            </a:r>
+            <a:r>
+              <a:rPr lang="en-US" dirty="0" err="1"/>
+              <a:t>proces</a:t>
+            </a:r>
+            <a:r>
+              <a:rPr lang="en-US" dirty="0"/>
+              <a:t> </a:t>
+            </a:r>
+            <a:r>
+              <a:rPr lang="en-US" dirty="0" err="1"/>
+              <a:t>transformacije</a:t>
+            </a:r>
+            <a:r>
+              <a:rPr lang="en-US" dirty="0"/>
+              <a:t> </a:t>
+            </a:r>
+            <a:r>
+              <a:rPr lang="en-US" dirty="0" err="1"/>
+              <a:t>podataka</a:t>
+            </a:r>
+            <a:r>
+              <a:rPr lang="en-US" dirty="0"/>
+              <a:t> </a:t>
+            </a:r>
+            <a:r>
+              <a:rPr lang="en-US" dirty="0" err="1"/>
+              <a:t>kako</a:t>
+            </a:r>
+            <a:r>
+              <a:rPr lang="en-US" dirty="0"/>
+              <a:t> bi se </a:t>
+            </a:r>
+            <a:r>
+              <a:rPr lang="en-US" dirty="0" err="1"/>
+              <a:t>svaka</a:t>
+            </a:r>
+            <a:r>
+              <a:rPr lang="en-US" dirty="0"/>
+              <a:t> </a:t>
+            </a:r>
+            <a:r>
+              <a:rPr lang="en-US" dirty="0" err="1"/>
+              <a:t>funkcija</a:t>
+            </a:r>
+            <a:r>
+              <a:rPr lang="en-US" dirty="0"/>
+              <a:t> (</a:t>
+            </a:r>
+            <a:r>
+              <a:rPr lang="en-US" dirty="0" err="1"/>
+              <a:t>kolona</a:t>
+            </a:r>
+            <a:r>
+              <a:rPr lang="en-US" dirty="0"/>
+              <a:t>) </a:t>
+            </a:r>
+            <a:r>
+              <a:rPr lang="sr-Latn-RS" dirty="0"/>
+              <a:t>	</a:t>
+            </a:r>
+            <a:r>
+              <a:rPr lang="en-US" dirty="0" err="1"/>
+              <a:t>dovela</a:t>
+            </a:r>
+            <a:r>
+              <a:rPr lang="en-US" dirty="0"/>
+              <a:t> </a:t>
+            </a:r>
+            <a:r>
+              <a:rPr lang="en-US" dirty="0" err="1"/>
+              <a:t>na</a:t>
+            </a:r>
+            <a:r>
+              <a:rPr lang="en-US" dirty="0"/>
+              <a:t> </a:t>
+            </a:r>
+            <a:r>
+              <a:rPr lang="en-US" dirty="0" err="1"/>
+              <a:t>zajedničku</a:t>
+            </a:r>
+            <a:r>
+              <a:rPr lang="en-US" dirty="0"/>
+              <a:t> </a:t>
+            </a:r>
+            <a:r>
+              <a:rPr lang="en-US" dirty="0" err="1"/>
+              <a:t>skalu</a:t>
+            </a:r>
+            <a:r>
+              <a:rPr lang="en-US" dirty="0"/>
+              <a:t>, </a:t>
+            </a:r>
+            <a:r>
+              <a:rPr lang="en-US" dirty="0" err="1"/>
+              <a:t>obično</a:t>
+            </a:r>
+            <a:r>
+              <a:rPr lang="en-US" dirty="0"/>
+              <a:t> u </a:t>
+            </a:r>
+            <a:r>
+              <a:rPr lang="en-US" dirty="0" err="1"/>
+              <a:t>rasponu</a:t>
+            </a:r>
+            <a:r>
+              <a:rPr lang="en-US" dirty="0"/>
+              <a:t> od 0 do 1 </a:t>
+            </a:r>
+            <a:r>
+              <a:rPr lang="en-US" dirty="0" err="1"/>
+              <a:t>ili</a:t>
+            </a:r>
+            <a:r>
+              <a:rPr lang="en-US" dirty="0"/>
+              <a:t> od -1 do 1. </a:t>
+            </a:r>
+            <a:r>
+              <a:rPr lang="en-US" dirty="0" err="1"/>
+              <a:t>Cilj</a:t>
+            </a:r>
+            <a:r>
+              <a:rPr lang="en-US" dirty="0"/>
+              <a:t> je da se </a:t>
+            </a:r>
+            <a:r>
+              <a:rPr lang="sr-Latn-RS" dirty="0"/>
+              <a:t>	</a:t>
+            </a:r>
+            <a:r>
+              <a:rPr lang="en-US" dirty="0" err="1"/>
+              <a:t>eliminišu</a:t>
+            </a:r>
+            <a:r>
+              <a:rPr lang="en-US" dirty="0"/>
+              <a:t> </a:t>
+            </a:r>
+            <a:r>
+              <a:rPr lang="en-US" dirty="0" err="1"/>
+              <a:t>jedinice</a:t>
+            </a:r>
+            <a:r>
+              <a:rPr lang="en-US" dirty="0"/>
+              <a:t> </a:t>
+            </a:r>
+            <a:r>
+              <a:rPr lang="en-US" dirty="0" err="1"/>
+              <a:t>mjere</a:t>
+            </a:r>
+            <a:r>
+              <a:rPr lang="en-US" dirty="0"/>
+              <a:t> </a:t>
+            </a:r>
+            <a:r>
+              <a:rPr lang="en-US" dirty="0" err="1"/>
+              <a:t>i</a:t>
+            </a:r>
+            <a:r>
+              <a:rPr lang="en-US" dirty="0"/>
+              <a:t> </a:t>
+            </a:r>
+            <a:r>
+              <a:rPr lang="en-US" dirty="0" err="1"/>
+              <a:t>smanji</a:t>
+            </a:r>
+            <a:r>
+              <a:rPr lang="en-US" dirty="0"/>
+              <a:t> </a:t>
+            </a:r>
+            <a:r>
+              <a:rPr lang="en-US" dirty="0" err="1"/>
+              <a:t>ut</a:t>
+            </a:r>
+            <a:r>
+              <a:rPr lang="sr-Latn-RS" dirty="0"/>
+              <a:t>icaj </a:t>
+            </a:r>
+            <a:r>
+              <a:rPr lang="en-US" dirty="0" err="1"/>
+              <a:t>različitih</a:t>
+            </a:r>
+            <a:r>
+              <a:rPr lang="en-US" dirty="0"/>
+              <a:t> </a:t>
+            </a:r>
+            <a:r>
+              <a:rPr lang="en-US" dirty="0" err="1"/>
+              <a:t>raspona</a:t>
+            </a:r>
+            <a:r>
+              <a:rPr lang="en-US" dirty="0"/>
+              <a:t> </a:t>
+            </a:r>
+            <a:r>
+              <a:rPr lang="en-US" dirty="0" err="1"/>
+              <a:t>vrijednosti</a:t>
+            </a:r>
+            <a:r>
+              <a:rPr lang="en-US" dirty="0"/>
+              <a:t>.</a:t>
+            </a:r>
+            <a:endParaRPr lang="sr-Latn-RS" dirty="0"/>
+          </a:p>
+          <a:p>
+            <a:pPr lvl="3"/>
+            <a:r>
+              <a:rPr lang="sr-Latn-RS" b="1" dirty="0"/>
+              <a:t>StandardScaler</a:t>
+            </a:r>
+            <a:r>
+              <a:rPr lang="sr-Latn-RS" dirty="0"/>
+              <a:t> skalira podatke tako da imaju srednju vrijednost 0 i standardnu devijaciju 1.</a:t>
+            </a:r>
+            <a:br>
+              <a:rPr lang="sr-Latn-RS" dirty="0"/>
+            </a:br>
+            <a:endParaRPr lang="sr-Latn-RS" dirty="0"/>
+          </a:p>
+          <a:p>
+            <a:pPr lvl="3"/>
+            <a:r>
+              <a:rPr lang="sr-Latn-RS" dirty="0"/>
+              <a:t>Za kategoričke vrijednosti korišten je OneHotEncoder koji ćemo objasniti kasnije.</a:t>
+            </a:r>
+            <a:br>
+              <a:rPr lang="sr-Latn-RS" dirty="0"/>
+            </a:br>
+            <a:endParaRPr lang="sr-Latn-RS" dirty="0"/>
+          </a:p>
+          <a:p>
+            <a:pPr lvl="1"/>
+            <a:endParaRPr lang="en-US" dirty="0"/>
+          </a:p>
+        </p:txBody>
+      </p:sp>
+      <p:sp>
+        <p:nvSpPr>
+          <p:cNvPr id="12" name="TextBox 11">
+            <a:extLst>
+              <a:ext uri="{FF2B5EF4-FFF2-40B4-BE49-F238E27FC236}">
+                <a16:creationId xmlns:a16="http://schemas.microsoft.com/office/drawing/2014/main" id="{F3C47434-DAAB-4F36-8853-93342DD425E0}"/>
+              </a:ext>
+            </a:extLst>
+          </p:cNvPr>
+          <p:cNvSpPr txBox="1"/>
+          <p:nvPr/>
+        </p:nvSpPr>
+        <p:spPr>
+          <a:xfrm>
+            <a:off x="285135" y="324464"/>
+            <a:ext cx="11533239" cy="584775"/>
+          </a:xfrm>
+          <a:prstGeom prst="rect">
+            <a:avLst/>
+          </a:prstGeom>
+          <a:noFill/>
+        </p:spPr>
+        <p:txBody>
+          <a:bodyPr wrap="square" rtlCol="0">
+            <a:spAutoFit/>
+          </a:bodyPr>
+          <a:lstStyle/>
+          <a:p>
+            <a:pPr algn="ctr"/>
+            <a:r>
+              <a:rPr lang="sr-Latn-RS" sz="3200" b="1" dirty="0"/>
+              <a:t>Pretprocesiranje podataka</a:t>
+            </a:r>
+            <a:endParaRPr lang="en-US" sz="3200" b="1" dirty="0"/>
+          </a:p>
+        </p:txBody>
+      </p:sp>
+    </p:spTree>
+    <p:extLst>
+      <p:ext uri="{BB962C8B-B14F-4D97-AF65-F5344CB8AC3E}">
+        <p14:creationId xmlns:p14="http://schemas.microsoft.com/office/powerpoint/2010/main" val="363733913"/>
+      </p:ext>
+    </p:extLst>
+  </p:cSld>
+  <p:clrMapOvr>
+    <a:masterClrMapping/>
+  </p:clrMapOvr>
+</p:sld>
+</file>
+
+<file path=ppt/slides/slide16.xml><?xml version="1.0" encoding="utf-8"?>
+<p:sld xmlns:a="http://schemas.openxmlformats.org/drawingml/2006/main" xmlns:r="http://schemas.openxmlformats.org/officeDocument/2006/relationships" xmlns:p="http://schemas.openxmlformats.org/presentationml/2006/main">
+  <p:cSld>
+    <p:spTree>
+      <p:nvGrpSpPr>
+        <p:cNvPr id="1" name=""/>
+        <p:cNvGrpSpPr/>
+        <p:nvPr/>
+      </p:nvGrpSpPr>
+      <p:grpSpPr>
+        <a:xfrm>
+          <a:off x="0" y="0"/>
+          <a:ext cx="0" cy="0"/>
+          <a:chOff x="0" y="0"/>
+          <a:chExt cx="0" cy="0"/>
+        </a:xfrm>
+      </p:grpSpPr>
+      <p:pic>
+        <p:nvPicPr>
+          <p:cNvPr id="7" name="Picture 6">
+            <a:extLst>
+              <a:ext uri="{FF2B5EF4-FFF2-40B4-BE49-F238E27FC236}">
+                <a16:creationId xmlns:a16="http://schemas.microsoft.com/office/drawing/2014/main" id="{8AB259E2-38D5-47F8-8C5D-8664672FB854}"/>
+              </a:ext>
+            </a:extLst>
+          </p:cNvPr>
+          <p:cNvPicPr>
+            <a:picLocks noChangeAspect="1"/>
+          </p:cNvPicPr>
+          <p:nvPr/>
+        </p:nvPicPr>
+        <p:blipFill>
+          <a:blip r:embed="rId2"/>
+          <a:stretch>
+            <a:fillRect/>
+          </a:stretch>
+        </p:blipFill>
+        <p:spPr>
+          <a:xfrm>
+            <a:off x="383458" y="136956"/>
+            <a:ext cx="11673424" cy="6518368"/>
+          </a:xfrm>
+          <a:prstGeom prst="rect">
+            <a:avLst/>
+          </a:prstGeom>
+        </p:spPr>
+      </p:pic>
+    </p:spTree>
+    <p:extLst>
+      <p:ext uri="{BB962C8B-B14F-4D97-AF65-F5344CB8AC3E}">
+        <p14:creationId xmlns:p14="http://schemas.microsoft.com/office/powerpoint/2010/main" val="3024789145"/>
+      </p:ext>
+    </p:extLst>
+  </p:cSld>
+  <p:clrMapOvr>
+    <a:masterClrMapping/>
+  </p:clrMapOvr>
+</p:sld>
+</file>
+
+<file path=ppt/slides/slide17.xml><?xml version="1.0" encoding="utf-8"?>
+<p:sld xmlns:a="http://schemas.openxmlformats.org/drawingml/2006/main" xmlns:r="http://schemas.openxmlformats.org/officeDocument/2006/relationships" xmlns:p="http://schemas.openxmlformats.org/presentationml/2006/main">
+  <p:cSld>
+    <p:spTree>
+      <p:nvGrpSpPr>
+        <p:cNvPr id="1" name=""/>
+        <p:cNvGrpSpPr/>
+        <p:nvPr/>
+      </p:nvGrpSpPr>
+      <p:grpSpPr>
+        <a:xfrm>
+          <a:off x="0" y="0"/>
+          <a:ext cx="0" cy="0"/>
+          <a:chOff x="0" y="0"/>
+          <a:chExt cx="0" cy="0"/>
+        </a:xfrm>
+      </p:grpSpPr>
+      <p:sp>
+        <p:nvSpPr>
+          <p:cNvPr id="2" name="Title 1">
+            <a:extLst>
+              <a:ext uri="{FF2B5EF4-FFF2-40B4-BE49-F238E27FC236}">
+                <a16:creationId xmlns:a16="http://schemas.microsoft.com/office/drawing/2014/main" id="{01104F47-B2FF-4CBE-84C1-F2D71AF83F62}"/>
+              </a:ext>
+            </a:extLst>
+          </p:cNvPr>
+          <p:cNvSpPr>
+            <a:spLocks noGrp="1"/>
+          </p:cNvSpPr>
+          <p:nvPr>
+            <p:ph type="title"/>
+          </p:nvPr>
+        </p:nvSpPr>
+        <p:spPr/>
+        <p:txBody>
+          <a:bodyPr/>
+          <a:lstStyle/>
+          <a:p>
+            <a:endParaRPr lang="en-US"/>
+          </a:p>
+        </p:txBody>
+      </p:sp>
+      <p:sp>
+        <p:nvSpPr>
+          <p:cNvPr id="3" name="Content Placeholder 2">
+            <a:extLst>
+              <a:ext uri="{FF2B5EF4-FFF2-40B4-BE49-F238E27FC236}">
+                <a16:creationId xmlns:a16="http://schemas.microsoft.com/office/drawing/2014/main" id="{B218D991-C91C-426D-9889-E91FB467F951}"/>
+              </a:ext>
+            </a:extLst>
+          </p:cNvPr>
+          <p:cNvSpPr>
+            <a:spLocks noGrp="1"/>
+          </p:cNvSpPr>
+          <p:nvPr>
+            <p:ph idx="1"/>
+          </p:nvPr>
+        </p:nvSpPr>
+        <p:spPr/>
+        <p:txBody>
+          <a:bodyPr/>
+          <a:lstStyle/>
+          <a:p>
+            <a:endParaRPr lang="en-US"/>
+          </a:p>
+        </p:txBody>
+      </p:sp>
+      <p:pic>
+        <p:nvPicPr>
+          <p:cNvPr id="5" name="Picture 4">
+            <a:extLst>
+              <a:ext uri="{FF2B5EF4-FFF2-40B4-BE49-F238E27FC236}">
+                <a16:creationId xmlns:a16="http://schemas.microsoft.com/office/drawing/2014/main" id="{94822437-4B2C-437C-B07F-D14E518C8E08}"/>
+              </a:ext>
+            </a:extLst>
+          </p:cNvPr>
+          <p:cNvPicPr>
+            <a:picLocks noChangeAspect="1"/>
+          </p:cNvPicPr>
+          <p:nvPr/>
+        </p:nvPicPr>
+        <p:blipFill>
+          <a:blip r:embed="rId2"/>
+          <a:stretch>
+            <a:fillRect/>
+          </a:stretch>
+        </p:blipFill>
+        <p:spPr>
+          <a:xfrm>
+            <a:off x="0" y="207470"/>
+            <a:ext cx="12192000" cy="6443060"/>
+          </a:xfrm>
+          <a:prstGeom prst="rect">
+            <a:avLst/>
+          </a:prstGeom>
+        </p:spPr>
+      </p:pic>
+    </p:spTree>
+    <p:extLst>
+      <p:ext uri="{BB962C8B-B14F-4D97-AF65-F5344CB8AC3E}">
+        <p14:creationId xmlns:p14="http://schemas.microsoft.com/office/powerpoint/2010/main" val="3911094340"/>
+      </p:ext>
+    </p:extLst>
+  </p:cSld>
+  <p:clrMapOvr>
+    <a:masterClrMapping/>
+  </p:clrMapOvr>
+</p:sld>
+</file>
+
+<file path=ppt/slides/slide18.xml><?xml version="1.0" encoding="utf-8"?>
+<p:sld xmlns:a="http://schemas.openxmlformats.org/drawingml/2006/main" xmlns:r="http://schemas.openxmlformats.org/officeDocument/2006/relationships" xmlns:p="http://schemas.openxmlformats.org/presentationml/2006/main">
+  <p:cSld>
+    <p:spTree>
+      <p:nvGrpSpPr>
+        <p:cNvPr id="1" name=""/>
+        <p:cNvGrpSpPr/>
+        <p:nvPr/>
+      </p:nvGrpSpPr>
+      <p:grpSpPr>
+        <a:xfrm>
+          <a:off x="0" y="0"/>
+          <a:ext cx="0" cy="0"/>
+          <a:chOff x="0" y="0"/>
+          <a:chExt cx="0" cy="0"/>
+        </a:xfrm>
+      </p:grpSpPr>
+      <p:sp>
+        <p:nvSpPr>
+          <p:cNvPr id="3" name="Content Placeholder 2">
+            <a:extLst>
+              <a:ext uri="{FF2B5EF4-FFF2-40B4-BE49-F238E27FC236}">
+                <a16:creationId xmlns:a16="http://schemas.microsoft.com/office/drawing/2014/main" id="{083310C8-AA9B-4F9F-BF84-55DD4D9D6AED}"/>
+              </a:ext>
+            </a:extLst>
+          </p:cNvPr>
+          <p:cNvSpPr>
+            <a:spLocks noGrp="1"/>
+          </p:cNvSpPr>
+          <p:nvPr>
+            <p:ph idx="1"/>
+          </p:nvPr>
+        </p:nvSpPr>
+        <p:spPr>
+          <a:xfrm>
+            <a:off x="254525" y="226243"/>
+            <a:ext cx="11670382" cy="6400800"/>
+          </a:xfrm>
+        </p:spPr>
+        <p:txBody>
+          <a:bodyPr anchor="ctr"/>
+          <a:lstStyle/>
+          <a:p>
+            <a:pPr marL="0" indent="0" algn="ctr">
+              <a:buNone/>
+            </a:pPr>
+            <a:r>
+              <a:rPr lang="en-US" dirty="0" err="1"/>
+              <a:t>OneHotEncoder</a:t>
+            </a:r>
+            <a:endParaRPr lang="en-US" dirty="0"/>
+          </a:p>
+        </p:txBody>
+      </p:sp>
+    </p:spTree>
+    <p:extLst>
+      <p:ext uri="{BB962C8B-B14F-4D97-AF65-F5344CB8AC3E}">
+        <p14:creationId xmlns:p14="http://schemas.microsoft.com/office/powerpoint/2010/main" val="1774048"/>
+      </p:ext>
+    </p:extLst>
+  </p:cSld>
+  <p:clrMapOvr>
+    <a:masterClrMapping/>
+  </p:clrMapOvr>
+</p:sld>
+</file>
+
+<file path=ppt/slides/slide19.xml><?xml version="1.0" encoding="utf-8"?>
+<p:sld xmlns:a="http://schemas.openxmlformats.org/drawingml/2006/main" xmlns:r="http://schemas.openxmlformats.org/officeDocument/2006/relationships" xmlns:p="http://schemas.openxmlformats.org/presentationml/2006/main">
+  <p:cSld>
+    <p:spTree>
+      <p:nvGrpSpPr>
+        <p:cNvPr id="1" name=""/>
+        <p:cNvGrpSpPr/>
+        <p:nvPr/>
+      </p:nvGrpSpPr>
+      <p:grpSpPr>
+        <a:xfrm>
+          <a:off x="0" y="0"/>
+          <a:ext cx="0" cy="0"/>
+          <a:chOff x="0" y="0"/>
+          <a:chExt cx="0" cy="0"/>
+        </a:xfrm>
+      </p:grpSpPr>
+      <p:sp>
+        <p:nvSpPr>
+          <p:cNvPr id="4" name="Title 1">
+            <a:extLst>
+              <a:ext uri="{FF2B5EF4-FFF2-40B4-BE49-F238E27FC236}">
+                <a16:creationId xmlns:a16="http://schemas.microsoft.com/office/drawing/2014/main" id="{DA169CA6-8F57-4AD8-9DED-9FC828CEFC02}"/>
+              </a:ext>
+            </a:extLst>
+          </p:cNvPr>
+          <p:cNvSpPr>
+            <a:spLocks noGrp="1"/>
+          </p:cNvSpPr>
+          <p:nvPr>
+            <p:ph idx="1"/>
+          </p:nvPr>
+        </p:nvSpPr>
+        <p:spPr>
+          <a:xfrm>
+            <a:off x="263525" y="227013"/>
+            <a:ext cx="11726863" cy="6418262"/>
+          </a:xfrm>
+        </p:spPr>
+        <p:txBody>
+          <a:bodyPr>
+            <a:normAutofit/>
+          </a:bodyPr>
+          <a:lstStyle/>
+          <a:p>
+            <a:r>
+              <a:rPr lang="en-US" sz="2400" b="1" dirty="0" err="1"/>
+              <a:t>OneHotEncoder</a:t>
+            </a:r>
+            <a:r>
+              <a:rPr lang="en-US" sz="2400" dirty="0"/>
+              <a:t> je </a:t>
+            </a:r>
+            <a:r>
+              <a:rPr lang="en-US" sz="2400" dirty="0" err="1"/>
+              <a:t>alat</a:t>
+            </a:r>
+            <a:r>
+              <a:rPr lang="en-US" sz="2400" dirty="0"/>
+              <a:t> </a:t>
+            </a:r>
+            <a:r>
+              <a:rPr lang="en-US" sz="2400" dirty="0" err="1"/>
+              <a:t>iz</a:t>
+            </a:r>
+            <a:r>
+              <a:rPr lang="en-US" sz="2400" dirty="0"/>
+              <a:t> </a:t>
+            </a:r>
+            <a:r>
+              <a:rPr lang="en-US" sz="2400" dirty="0" err="1"/>
+              <a:t>biblioteke</a:t>
+            </a:r>
+            <a:r>
+              <a:rPr lang="en-US" sz="2400" dirty="0"/>
+              <a:t> scikit-learn koji se </a:t>
+            </a:r>
+            <a:r>
+              <a:rPr lang="en-US" sz="2400" dirty="0" err="1"/>
+              <a:t>koristi</a:t>
+            </a:r>
+            <a:r>
+              <a:rPr lang="en-US" sz="2400" dirty="0"/>
+              <a:t> za </a:t>
+            </a:r>
+            <a:r>
+              <a:rPr lang="en-US" sz="2400" dirty="0" err="1"/>
+              <a:t>pretvaranje</a:t>
+            </a:r>
+            <a:r>
+              <a:rPr lang="en-US" sz="2400" dirty="0"/>
+              <a:t> </a:t>
+            </a:r>
+            <a:r>
+              <a:rPr lang="en-US" sz="2400" dirty="0" err="1"/>
+              <a:t>kategoričkih</a:t>
+            </a:r>
+            <a:r>
+              <a:rPr lang="en-US" sz="2400" dirty="0"/>
+              <a:t> (</a:t>
+            </a:r>
+            <a:r>
+              <a:rPr lang="en-US" sz="2400" dirty="0" err="1"/>
+              <a:t>diskretnih</a:t>
+            </a:r>
+            <a:r>
+              <a:rPr lang="en-US" sz="2400" dirty="0"/>
+              <a:t>) </a:t>
+            </a:r>
+            <a:r>
+              <a:rPr lang="en-US" sz="2400" dirty="0" err="1"/>
+              <a:t>podataka</a:t>
+            </a:r>
+            <a:r>
+              <a:rPr lang="en-US" sz="2400" dirty="0"/>
+              <a:t> u </a:t>
+            </a:r>
+            <a:r>
+              <a:rPr lang="en-US" sz="2400" dirty="0" err="1"/>
+              <a:t>numeričke</a:t>
+            </a:r>
+            <a:r>
+              <a:rPr lang="en-US" sz="2400" dirty="0"/>
+              <a:t> </a:t>
+            </a:r>
+            <a:r>
+              <a:rPr lang="en-US" sz="2400" dirty="0" err="1"/>
+              <a:t>formate</a:t>
+            </a:r>
+            <a:r>
+              <a:rPr lang="en-US" sz="2400" dirty="0"/>
+              <a:t> </a:t>
+            </a:r>
+            <a:r>
+              <a:rPr lang="en-US" sz="2400" dirty="0" err="1"/>
+              <a:t>koje</a:t>
+            </a:r>
+            <a:r>
+              <a:rPr lang="en-US" sz="2400" dirty="0"/>
+              <a:t> </a:t>
+            </a:r>
+            <a:r>
+              <a:rPr lang="en-US" sz="2400" dirty="0" err="1"/>
+              <a:t>algoritmi</a:t>
+            </a:r>
+            <a:r>
+              <a:rPr lang="en-US" sz="2400" dirty="0"/>
+              <a:t> </a:t>
+            </a:r>
+            <a:r>
+              <a:rPr lang="en-US" sz="2400" dirty="0" err="1"/>
+              <a:t>mašinskog</a:t>
+            </a:r>
+            <a:r>
+              <a:rPr lang="en-US" sz="2400" dirty="0"/>
+              <a:t> </a:t>
+            </a:r>
+            <a:r>
+              <a:rPr lang="en-US" sz="2400" dirty="0" err="1"/>
+              <a:t>učenja</a:t>
+            </a:r>
+            <a:r>
+              <a:rPr lang="en-US" sz="2400" dirty="0"/>
+              <a:t> </a:t>
+            </a:r>
+            <a:r>
+              <a:rPr lang="en-US" sz="2400" dirty="0" err="1"/>
+              <a:t>mogu</a:t>
+            </a:r>
+            <a:r>
+              <a:rPr lang="en-US" sz="2400" dirty="0"/>
+              <a:t> </a:t>
+            </a:r>
+            <a:r>
+              <a:rPr lang="en-US" sz="2400" dirty="0" err="1"/>
+              <a:t>koristiti</a:t>
+            </a:r>
+            <a:r>
+              <a:rPr lang="en-US" sz="2400" dirty="0"/>
+              <a:t>.</a:t>
+            </a:r>
+          </a:p>
+          <a:p>
+            <a:r>
+              <a:rPr lang="en-US" sz="2400" dirty="0" err="1"/>
+              <a:t>Kategorički</a:t>
+            </a:r>
+            <a:r>
+              <a:rPr lang="en-US" sz="2400" dirty="0"/>
+              <a:t> </a:t>
+            </a:r>
+            <a:r>
+              <a:rPr lang="en-US" sz="2400" dirty="0" err="1"/>
+              <a:t>podaci</a:t>
+            </a:r>
+            <a:r>
+              <a:rPr lang="en-US" sz="2400" dirty="0"/>
+              <a:t> </a:t>
+            </a:r>
+            <a:r>
+              <a:rPr lang="en-US" sz="2400" dirty="0" err="1"/>
+              <a:t>su</a:t>
+            </a:r>
+            <a:r>
+              <a:rPr lang="en-US" sz="2400" dirty="0"/>
+              <a:t> </a:t>
+            </a:r>
+            <a:r>
+              <a:rPr lang="en-US" sz="2400" dirty="0" err="1"/>
+              <a:t>oni</a:t>
+            </a:r>
+            <a:r>
+              <a:rPr lang="en-US" sz="2400" dirty="0"/>
+              <a:t> koji </a:t>
+            </a:r>
+            <a:r>
+              <a:rPr lang="en-US" sz="2400" dirty="0" err="1"/>
+              <a:t>predstavljaju</a:t>
+            </a:r>
+            <a:r>
+              <a:rPr lang="en-US" sz="2400" dirty="0"/>
+              <a:t> </a:t>
+            </a:r>
+            <a:r>
+              <a:rPr lang="en-US" sz="2400" dirty="0" err="1"/>
+              <a:t>kategorije</a:t>
+            </a:r>
+            <a:r>
+              <a:rPr lang="en-US" sz="2400" dirty="0"/>
+              <a:t> </a:t>
+            </a:r>
+            <a:r>
+              <a:rPr lang="en-US" sz="2400" dirty="0" err="1"/>
+              <a:t>ili</a:t>
+            </a:r>
+            <a:r>
+              <a:rPr lang="en-US" sz="2400" dirty="0"/>
+              <a:t> </a:t>
+            </a:r>
+            <a:r>
+              <a:rPr lang="en-US" sz="2400" dirty="0" err="1"/>
+              <a:t>klase</a:t>
+            </a:r>
+            <a:r>
+              <a:rPr lang="en-US" sz="2400" dirty="0"/>
+              <a:t>, </a:t>
+            </a:r>
+            <a:r>
+              <a:rPr lang="en-US" sz="2400" dirty="0" err="1"/>
+              <a:t>kao</a:t>
+            </a:r>
+            <a:r>
+              <a:rPr lang="en-US" sz="2400" dirty="0"/>
+              <a:t> </a:t>
+            </a:r>
+            <a:r>
+              <a:rPr lang="en-US" sz="2400" dirty="0" err="1"/>
+              <a:t>što</a:t>
+            </a:r>
+            <a:r>
+              <a:rPr lang="en-US" sz="2400" dirty="0"/>
+              <a:t> </a:t>
+            </a:r>
+            <a:r>
+              <a:rPr lang="en-US" sz="2400" dirty="0" err="1"/>
+              <a:t>su</a:t>
+            </a:r>
+            <a:r>
+              <a:rPr lang="en-US" sz="2400" dirty="0"/>
+              <a:t> </a:t>
+            </a:r>
+            <a:r>
+              <a:rPr lang="en-US" sz="2400" dirty="0" err="1"/>
+              <a:t>boje</a:t>
+            </a:r>
+            <a:r>
+              <a:rPr lang="en-US" sz="2400" dirty="0"/>
+              <a:t> (</a:t>
+            </a:r>
+            <a:r>
+              <a:rPr lang="en-US" sz="2400" dirty="0" err="1"/>
+              <a:t>crvena</a:t>
+            </a:r>
+            <a:r>
+              <a:rPr lang="en-US" sz="2400" dirty="0"/>
+              <a:t>, </a:t>
+            </a:r>
+            <a:r>
+              <a:rPr lang="en-US" sz="2400" dirty="0" err="1"/>
+              <a:t>plava</a:t>
+            </a:r>
+            <a:r>
+              <a:rPr lang="en-US" sz="2400" dirty="0"/>
+              <a:t>, </a:t>
+            </a:r>
+            <a:r>
+              <a:rPr lang="en-US" sz="2400" dirty="0" err="1"/>
+              <a:t>zelena</a:t>
+            </a:r>
+            <a:r>
+              <a:rPr lang="en-US" sz="2400" dirty="0"/>
+              <a:t>), pol (</a:t>
+            </a:r>
+            <a:r>
+              <a:rPr lang="en-US" sz="2400" dirty="0" err="1"/>
+              <a:t>muški</a:t>
+            </a:r>
+            <a:r>
+              <a:rPr lang="en-US" sz="2400" dirty="0"/>
+              <a:t>, </a:t>
+            </a:r>
+            <a:r>
+              <a:rPr lang="en-US" sz="2400" dirty="0" err="1"/>
+              <a:t>ženski</a:t>
+            </a:r>
+            <a:r>
+              <a:rPr lang="en-US" sz="2400" dirty="0"/>
+              <a:t>) </a:t>
+            </a:r>
+            <a:r>
+              <a:rPr lang="en-US" sz="2400" dirty="0" err="1"/>
+              <a:t>ili</a:t>
+            </a:r>
+            <a:r>
+              <a:rPr lang="en-US" sz="2400" dirty="0"/>
+              <a:t> </a:t>
+            </a:r>
+            <a:r>
+              <a:rPr lang="en-US" sz="2400" dirty="0" err="1"/>
+              <a:t>gradovi</a:t>
+            </a:r>
+            <a:r>
+              <a:rPr lang="en-US" sz="2400" dirty="0"/>
+              <a:t> (Beograd, Novi Sad, </a:t>
+            </a:r>
+            <a:r>
+              <a:rPr lang="en-US" sz="2400" dirty="0" err="1"/>
+              <a:t>Niš</a:t>
+            </a:r>
+            <a:r>
+              <a:rPr lang="en-US" sz="2400" dirty="0"/>
+              <a:t>). </a:t>
+            </a:r>
+            <a:endParaRPr lang="sr-Latn-RS" sz="2400" dirty="0"/>
+          </a:p>
+          <a:p>
+            <a:r>
+              <a:rPr lang="en-US" sz="2400" dirty="0" err="1"/>
+              <a:t>OneHotEncoder</a:t>
+            </a:r>
+            <a:r>
+              <a:rPr lang="en-US" sz="2400" dirty="0"/>
+              <a:t> </a:t>
+            </a:r>
+            <a:r>
+              <a:rPr lang="en-US" sz="2400" dirty="0" err="1"/>
+              <a:t>pretvara</a:t>
+            </a:r>
+            <a:r>
+              <a:rPr lang="en-US" sz="2400" dirty="0"/>
+              <a:t> </a:t>
+            </a:r>
+            <a:r>
+              <a:rPr lang="en-US" sz="2400" dirty="0" err="1"/>
+              <a:t>kategoričke</a:t>
+            </a:r>
+            <a:r>
+              <a:rPr lang="en-US" sz="2400" dirty="0"/>
+              <a:t> </a:t>
+            </a:r>
+            <a:r>
+              <a:rPr lang="en-US" sz="2400" dirty="0" err="1"/>
+              <a:t>podatke</a:t>
+            </a:r>
+            <a:r>
+              <a:rPr lang="en-US" sz="2400" dirty="0"/>
+              <a:t> u </a:t>
+            </a:r>
+            <a:r>
+              <a:rPr lang="en-US" sz="2400" dirty="0" err="1"/>
+              <a:t>binarne</a:t>
+            </a:r>
+            <a:r>
+              <a:rPr lang="en-US" sz="2400" dirty="0"/>
+              <a:t> (0 </a:t>
+            </a:r>
+            <a:r>
+              <a:rPr lang="en-US" sz="2400" dirty="0" err="1"/>
+              <a:t>ili</a:t>
+            </a:r>
+            <a:r>
+              <a:rPr lang="en-US" sz="2400" dirty="0"/>
+              <a:t> 1) </a:t>
+            </a:r>
+            <a:r>
+              <a:rPr lang="en-US" sz="2400" dirty="0" err="1"/>
+              <a:t>kolone</a:t>
+            </a:r>
+            <a:r>
+              <a:rPr lang="en-US" sz="2400" dirty="0"/>
+              <a:t>, </a:t>
+            </a:r>
+            <a:r>
+              <a:rPr lang="en-US" sz="2400" dirty="0" err="1"/>
+              <a:t>gd</a:t>
+            </a:r>
+            <a:r>
+              <a:rPr lang="sr-Latn-RS" sz="2400" dirty="0"/>
+              <a:t>j</a:t>
+            </a:r>
+            <a:r>
+              <a:rPr lang="en-US" sz="2400" dirty="0"/>
+              <a:t>e </a:t>
+            </a:r>
+            <a:r>
+              <a:rPr lang="en-US" sz="2400" dirty="0" err="1"/>
+              <a:t>svaka</a:t>
+            </a:r>
+            <a:r>
+              <a:rPr lang="en-US" sz="2400" dirty="0"/>
+              <a:t> </a:t>
+            </a:r>
+            <a:r>
+              <a:rPr lang="en-US" sz="2400" dirty="0" err="1"/>
+              <a:t>kolona</a:t>
+            </a:r>
+            <a:r>
+              <a:rPr lang="en-US" sz="2400" dirty="0"/>
+              <a:t> </a:t>
+            </a:r>
+            <a:r>
+              <a:rPr lang="en-US" sz="2400" dirty="0" err="1"/>
+              <a:t>predstavlja</a:t>
+            </a:r>
+            <a:r>
+              <a:rPr lang="en-US" sz="2400" dirty="0"/>
+              <a:t> </a:t>
+            </a:r>
+            <a:r>
+              <a:rPr lang="en-US" sz="2400" dirty="0" err="1"/>
+              <a:t>jednu</a:t>
+            </a:r>
+            <a:r>
+              <a:rPr lang="en-US" sz="2400" dirty="0"/>
+              <a:t> </a:t>
+            </a:r>
+            <a:r>
+              <a:rPr lang="en-US" sz="2400" dirty="0" err="1"/>
+              <a:t>kategoriju</a:t>
+            </a:r>
+            <a:r>
+              <a:rPr lang="en-US" sz="2400" dirty="0"/>
+              <a:t>. Na taj </a:t>
+            </a:r>
+            <a:r>
+              <a:rPr lang="en-US" sz="2400" dirty="0" err="1"/>
+              <a:t>način</a:t>
+            </a:r>
+            <a:r>
+              <a:rPr lang="en-US" sz="2400" dirty="0"/>
+              <a:t> se </a:t>
+            </a:r>
+            <a:r>
+              <a:rPr lang="en-US" sz="2400" dirty="0" err="1"/>
+              <a:t>izb</a:t>
+            </a:r>
+            <a:r>
+              <a:rPr lang="sr-Latn-RS" sz="2400" dirty="0"/>
+              <a:t>j</a:t>
+            </a:r>
+            <a:r>
+              <a:rPr lang="en-US" sz="2400" dirty="0" err="1"/>
+              <a:t>egava</a:t>
+            </a:r>
+            <a:r>
+              <a:rPr lang="en-US" sz="2400" dirty="0"/>
+              <a:t> problem </a:t>
+            </a:r>
+            <a:r>
+              <a:rPr lang="en-US" sz="2400" dirty="0" err="1"/>
+              <a:t>ordinalnosti</a:t>
+            </a:r>
+            <a:r>
+              <a:rPr lang="en-US" sz="2400" dirty="0"/>
+              <a:t> (</a:t>
+            </a:r>
+            <a:r>
+              <a:rPr lang="en-US" sz="2400" dirty="0" err="1"/>
+              <a:t>redosleda</a:t>
+            </a:r>
+            <a:r>
+              <a:rPr lang="en-US" sz="2400" dirty="0"/>
+              <a:t>) koji </a:t>
+            </a:r>
+            <a:r>
+              <a:rPr lang="en-US" sz="2400" dirty="0" err="1"/>
+              <a:t>može</a:t>
+            </a:r>
+            <a:r>
+              <a:rPr lang="en-US" sz="2400" dirty="0"/>
+              <a:t> da </a:t>
+            </a:r>
+            <a:r>
+              <a:rPr lang="en-US" sz="2400" dirty="0" err="1"/>
+              <a:t>utiče</a:t>
+            </a:r>
+            <a:r>
+              <a:rPr lang="en-US" sz="2400" dirty="0"/>
+              <a:t> </a:t>
+            </a:r>
+            <a:r>
+              <a:rPr lang="en-US" sz="2400" dirty="0" err="1"/>
+              <a:t>na</a:t>
+            </a:r>
+            <a:r>
+              <a:rPr lang="en-US" sz="2400" dirty="0"/>
+              <a:t> </a:t>
+            </a:r>
+            <a:r>
+              <a:rPr lang="en-US" sz="2400" dirty="0" err="1"/>
+              <a:t>performanse</a:t>
+            </a:r>
+            <a:r>
+              <a:rPr lang="en-US" sz="2400" dirty="0"/>
+              <a:t> </a:t>
+            </a:r>
+            <a:r>
+              <a:rPr lang="en-US" sz="2400" dirty="0" err="1"/>
+              <a:t>modela</a:t>
+            </a:r>
+            <a:r>
+              <a:rPr lang="en-US" sz="2400" dirty="0"/>
+              <a:t>.</a:t>
+            </a:r>
+          </a:p>
+        </p:txBody>
+      </p:sp>
+    </p:spTree>
+    <p:extLst>
+      <p:ext uri="{BB962C8B-B14F-4D97-AF65-F5344CB8AC3E}">
+        <p14:creationId xmlns:p14="http://schemas.microsoft.com/office/powerpoint/2010/main" val="2097556321"/>
+      </p:ext>
+    </p:extLst>
+  </p:cSld>
+  <p:clrMapOvr>
+    <a:masterClrMapping/>
+  </p:clrMapOvr>
+</p:sld>
+</file>
+
 <file path=ppt/slides/slide2.xml><?xml version="1.0" encoding="utf-8"?>
 <p:sld xmlns:a="http://schemas.openxmlformats.org/drawingml/2006/main" xmlns:r="http://schemas.openxmlformats.org/officeDocument/2006/relationships" xmlns:p="http://schemas.openxmlformats.org/presentationml/2006/main">
   <p:cSld>
@@ -3661,6 +7039,3064 @@
     <p:extLst>
       <p:ext uri="{BB962C8B-B14F-4D97-AF65-F5344CB8AC3E}">
         <p14:creationId xmlns:p14="http://schemas.microsoft.com/office/powerpoint/2010/main" val="3795676249"/>
+      </p:ext>
+    </p:extLst>
+  </p:cSld>
+  <p:clrMapOvr>
+    <a:masterClrMapping/>
+  </p:clrMapOvr>
+</p:sld>
+</file>
+
+<file path=ppt/slides/slide20.xml><?xml version="1.0" encoding="utf-8"?>
+<p:sld xmlns:a="http://schemas.openxmlformats.org/drawingml/2006/main" xmlns:r="http://schemas.openxmlformats.org/officeDocument/2006/relationships" xmlns:p="http://schemas.openxmlformats.org/presentationml/2006/main">
+  <p:cSld>
+    <p:spTree>
+      <p:nvGrpSpPr>
+        <p:cNvPr id="1" name=""/>
+        <p:cNvGrpSpPr/>
+        <p:nvPr/>
+      </p:nvGrpSpPr>
+      <p:grpSpPr>
+        <a:xfrm>
+          <a:off x="0" y="0"/>
+          <a:ext cx="0" cy="0"/>
+          <a:chOff x="0" y="0"/>
+          <a:chExt cx="0" cy="0"/>
+        </a:xfrm>
+      </p:grpSpPr>
+      <p:sp>
+        <p:nvSpPr>
+          <p:cNvPr id="2" name="Title 1">
+            <a:extLst>
+              <a:ext uri="{FF2B5EF4-FFF2-40B4-BE49-F238E27FC236}">
+                <a16:creationId xmlns:a16="http://schemas.microsoft.com/office/drawing/2014/main" id="{E7E507C7-D695-4EFB-9987-9878BA40068C}"/>
+              </a:ext>
+            </a:extLst>
+          </p:cNvPr>
+          <p:cNvSpPr>
+            <a:spLocks noGrp="1"/>
+          </p:cNvSpPr>
+          <p:nvPr>
+            <p:ph type="title"/>
+          </p:nvPr>
+        </p:nvSpPr>
+        <p:spPr>
+          <a:xfrm>
+            <a:off x="838200" y="2766218"/>
+            <a:ext cx="10515600" cy="1325563"/>
+          </a:xfrm>
+        </p:spPr>
+        <p:txBody>
+          <a:bodyPr/>
+          <a:lstStyle/>
+          <a:p>
+            <a:pPr algn="ctr"/>
+            <a:r>
+              <a:rPr lang="sr-Latn-RS" dirty="0"/>
+              <a:t>Metrike</a:t>
+            </a:r>
+            <a:endParaRPr lang="en-US" dirty="0"/>
+          </a:p>
+        </p:txBody>
+      </p:sp>
+    </p:spTree>
+    <p:extLst>
+      <p:ext uri="{BB962C8B-B14F-4D97-AF65-F5344CB8AC3E}">
+        <p14:creationId xmlns:p14="http://schemas.microsoft.com/office/powerpoint/2010/main" val="3094076904"/>
+      </p:ext>
+    </p:extLst>
+  </p:cSld>
+  <p:clrMapOvr>
+    <a:masterClrMapping/>
+  </p:clrMapOvr>
+</p:sld>
+</file>
+
+<file path=ppt/slides/slide21.xml><?xml version="1.0" encoding="utf-8"?>
+<p:sld xmlns:a="http://schemas.openxmlformats.org/drawingml/2006/main" xmlns:r="http://schemas.openxmlformats.org/officeDocument/2006/relationships" xmlns:p="http://schemas.openxmlformats.org/presentationml/2006/main">
+  <p:cSld>
+    <p:spTree>
+      <p:nvGrpSpPr>
+        <p:cNvPr id="1" name=""/>
+        <p:cNvGrpSpPr/>
+        <p:nvPr/>
+      </p:nvGrpSpPr>
+      <p:grpSpPr>
+        <a:xfrm>
+          <a:off x="0" y="0"/>
+          <a:ext cx="0" cy="0"/>
+          <a:chOff x="0" y="0"/>
+          <a:chExt cx="0" cy="0"/>
+        </a:xfrm>
+      </p:grpSpPr>
+      <p:sp>
+        <p:nvSpPr>
+          <p:cNvPr id="4" name="Title 1">
+            <a:extLst>
+              <a:ext uri="{FF2B5EF4-FFF2-40B4-BE49-F238E27FC236}">
+                <a16:creationId xmlns:a16="http://schemas.microsoft.com/office/drawing/2014/main" id="{F66078FF-BBA1-4A10-9A22-14438BBCE5E2}"/>
+              </a:ext>
+            </a:extLst>
+          </p:cNvPr>
+          <p:cNvSpPr>
+            <a:spLocks noGrp="1"/>
+          </p:cNvSpPr>
+          <p:nvPr>
+            <p:ph idx="1"/>
+          </p:nvPr>
+        </p:nvSpPr>
+        <p:spPr>
+          <a:xfrm>
+            <a:off x="169863" y="198438"/>
+            <a:ext cx="11811000" cy="6532562"/>
+          </a:xfrm>
+        </p:spPr>
+        <p:txBody>
+          <a:bodyPr/>
+          <a:lstStyle/>
+          <a:p>
+            <a:r>
+              <a:rPr lang="en-US" b="1" dirty="0"/>
+              <a:t>Accuracy</a:t>
+            </a:r>
+            <a:r>
+              <a:rPr lang="en-US" dirty="0"/>
+              <a:t> je </a:t>
+            </a:r>
+            <a:r>
+              <a:rPr lang="en-US" dirty="0" err="1"/>
+              <a:t>jedna</a:t>
+            </a:r>
+            <a:r>
+              <a:rPr lang="en-US" dirty="0"/>
+              <a:t> od </a:t>
+            </a:r>
+            <a:r>
+              <a:rPr lang="en-US" dirty="0" err="1"/>
+              <a:t>najjednostavnijih</a:t>
+            </a:r>
+            <a:r>
+              <a:rPr lang="en-US" dirty="0"/>
+              <a:t> </a:t>
+            </a:r>
+            <a:r>
+              <a:rPr lang="en-US" dirty="0" err="1"/>
+              <a:t>i</a:t>
+            </a:r>
+            <a:r>
+              <a:rPr lang="en-US" dirty="0"/>
+              <a:t> </a:t>
+            </a:r>
+            <a:r>
+              <a:rPr lang="en-US" dirty="0" err="1"/>
+              <a:t>najčešće</a:t>
+            </a:r>
+            <a:r>
+              <a:rPr lang="en-US" dirty="0"/>
+              <a:t> </a:t>
+            </a:r>
+            <a:r>
+              <a:rPr lang="en-US" dirty="0" err="1"/>
+              <a:t>korišćenih</a:t>
+            </a:r>
+            <a:r>
+              <a:rPr lang="en-US" dirty="0"/>
+              <a:t> </a:t>
+            </a:r>
+            <a:r>
+              <a:rPr lang="en-US" dirty="0" err="1"/>
+              <a:t>metrika</a:t>
+            </a:r>
+            <a:r>
+              <a:rPr lang="en-US" dirty="0"/>
+              <a:t> za </a:t>
+            </a:r>
+            <a:r>
+              <a:rPr lang="en-US" dirty="0" err="1"/>
+              <a:t>evaluaciju</a:t>
+            </a:r>
+            <a:r>
+              <a:rPr lang="en-US" dirty="0"/>
+              <a:t> </a:t>
+            </a:r>
+            <a:r>
+              <a:rPr lang="en-US" dirty="0" err="1"/>
+              <a:t>modela</a:t>
+            </a:r>
+            <a:r>
+              <a:rPr lang="en-US" dirty="0"/>
+              <a:t>. Ona m</a:t>
+            </a:r>
+            <a:r>
+              <a:rPr lang="sr-Latn-RS" dirty="0"/>
+              <a:t>j</a:t>
+            </a:r>
+            <a:r>
+              <a:rPr lang="en-US" dirty="0" err="1"/>
+              <a:t>eri</a:t>
+            </a:r>
+            <a:r>
+              <a:rPr lang="en-US" dirty="0"/>
+              <a:t> </a:t>
+            </a:r>
+            <a:r>
+              <a:rPr lang="en-US" dirty="0" err="1"/>
+              <a:t>koliko</a:t>
+            </a:r>
+            <a:r>
+              <a:rPr lang="en-US" dirty="0"/>
+              <a:t> je model </a:t>
+            </a:r>
+            <a:r>
+              <a:rPr lang="en-US" dirty="0" err="1"/>
+              <a:t>tačan</a:t>
+            </a:r>
+            <a:r>
+              <a:rPr lang="en-US" dirty="0"/>
+              <a:t> u </a:t>
+            </a:r>
+            <a:r>
+              <a:rPr lang="en-US" dirty="0" err="1"/>
+              <a:t>predikcijama</a:t>
+            </a:r>
+            <a:r>
+              <a:rPr lang="en-US" dirty="0"/>
+              <a:t>, </a:t>
+            </a:r>
+            <a:r>
+              <a:rPr lang="en-US" dirty="0" err="1"/>
+              <a:t>tj</a:t>
+            </a:r>
+            <a:r>
+              <a:rPr lang="en-US" dirty="0"/>
+              <a:t>. </a:t>
+            </a:r>
+            <a:r>
+              <a:rPr lang="en-US" dirty="0" err="1"/>
+              <a:t>procenat</a:t>
+            </a:r>
+            <a:r>
+              <a:rPr lang="en-US" dirty="0"/>
+              <a:t> </a:t>
+            </a:r>
+            <a:r>
+              <a:rPr lang="en-US" dirty="0" err="1"/>
+              <a:t>tačnih</a:t>
+            </a:r>
+            <a:r>
+              <a:rPr lang="en-US" dirty="0"/>
+              <a:t> </a:t>
+            </a:r>
+            <a:r>
+              <a:rPr lang="en-US" dirty="0" err="1"/>
+              <a:t>predikcija</a:t>
+            </a:r>
+            <a:r>
+              <a:rPr lang="en-US" dirty="0"/>
+              <a:t> u </a:t>
+            </a:r>
+            <a:r>
+              <a:rPr lang="en-US" dirty="0" err="1"/>
+              <a:t>odnosu</a:t>
+            </a:r>
+            <a:r>
+              <a:rPr lang="en-US" dirty="0"/>
+              <a:t> </a:t>
+            </a:r>
+            <a:r>
+              <a:rPr lang="en-US" dirty="0" err="1"/>
+              <a:t>na</a:t>
+            </a:r>
+            <a:r>
+              <a:rPr lang="en-US" dirty="0"/>
+              <a:t> </a:t>
+            </a:r>
+            <a:r>
+              <a:rPr lang="en-US" dirty="0" err="1"/>
+              <a:t>ukupan</a:t>
+            </a:r>
+            <a:r>
+              <a:rPr lang="en-US" dirty="0"/>
+              <a:t> </a:t>
+            </a:r>
+            <a:r>
+              <a:rPr lang="en-US" dirty="0" err="1"/>
+              <a:t>broj</a:t>
+            </a:r>
+            <a:r>
+              <a:rPr lang="en-US" dirty="0"/>
+              <a:t> </a:t>
+            </a:r>
+            <a:r>
+              <a:rPr lang="en-US" dirty="0" err="1"/>
+              <a:t>predikcija</a:t>
+            </a:r>
+            <a:r>
+              <a:rPr lang="en-US" dirty="0"/>
+              <a:t>.</a:t>
+            </a:r>
+            <a:endParaRPr lang="sr-Latn-RS" dirty="0"/>
+          </a:p>
+          <a:p>
+            <a:r>
+              <a:rPr lang="en-US" b="1" dirty="0"/>
+              <a:t>Precision</a:t>
+            </a:r>
+            <a:r>
+              <a:rPr lang="en-US" dirty="0"/>
+              <a:t> je m</a:t>
+            </a:r>
+            <a:r>
+              <a:rPr lang="sr-Latn-RS" dirty="0"/>
+              <a:t>j</a:t>
+            </a:r>
+            <a:r>
+              <a:rPr lang="en-US" dirty="0"/>
+              <a:t>era </a:t>
+            </a:r>
+            <a:r>
+              <a:rPr lang="en-US" dirty="0" err="1"/>
+              <a:t>tačnosti</a:t>
+            </a:r>
+            <a:r>
+              <a:rPr lang="en-US" dirty="0"/>
+              <a:t> </a:t>
+            </a:r>
+            <a:r>
+              <a:rPr lang="en-US" dirty="0" err="1"/>
+              <a:t>pozitivnih</a:t>
+            </a:r>
+            <a:r>
+              <a:rPr lang="en-US" dirty="0"/>
+              <a:t> </a:t>
+            </a:r>
+            <a:r>
+              <a:rPr lang="en-US" dirty="0" err="1"/>
+              <a:t>predikcija</a:t>
+            </a:r>
+            <a:r>
+              <a:rPr lang="en-US" dirty="0"/>
+              <a:t> </a:t>
+            </a:r>
+            <a:r>
+              <a:rPr lang="en-US" dirty="0" err="1"/>
+              <a:t>modela</a:t>
+            </a:r>
+            <a:r>
+              <a:rPr lang="en-US" dirty="0"/>
+              <a:t>. Ona m</a:t>
+            </a:r>
+            <a:r>
+              <a:rPr lang="sr-Latn-RS" dirty="0"/>
+              <a:t>j</a:t>
+            </a:r>
+            <a:r>
+              <a:rPr lang="en-US" dirty="0" err="1"/>
+              <a:t>eri</a:t>
+            </a:r>
+            <a:r>
+              <a:rPr lang="en-US" dirty="0"/>
+              <a:t> </a:t>
+            </a:r>
+            <a:r>
+              <a:rPr lang="en-US" dirty="0" err="1"/>
+              <a:t>koliko</a:t>
+            </a:r>
+            <a:r>
+              <a:rPr lang="en-US" dirty="0"/>
+              <a:t> </a:t>
+            </a:r>
+            <a:r>
+              <a:rPr lang="en-US" dirty="0" err="1"/>
+              <a:t>su</a:t>
+            </a:r>
+            <a:r>
+              <a:rPr lang="en-US" dirty="0"/>
+              <a:t> </a:t>
+            </a:r>
+            <a:r>
+              <a:rPr lang="en-US" dirty="0" err="1"/>
+              <a:t>stvarne</a:t>
+            </a:r>
+            <a:r>
+              <a:rPr lang="en-US" dirty="0"/>
+              <a:t> </a:t>
+            </a:r>
+            <a:r>
+              <a:rPr lang="en-US" dirty="0" err="1"/>
+              <a:t>pozitivne</a:t>
+            </a:r>
+            <a:r>
+              <a:rPr lang="en-US" dirty="0"/>
+              <a:t> </a:t>
+            </a:r>
+            <a:r>
+              <a:rPr lang="en-US" dirty="0" err="1"/>
+              <a:t>predikcije</a:t>
+            </a:r>
+            <a:r>
+              <a:rPr lang="en-US" dirty="0"/>
+              <a:t> </a:t>
+            </a:r>
+            <a:r>
+              <a:rPr lang="en-US" dirty="0" err="1"/>
+              <a:t>tačno</a:t>
+            </a:r>
+            <a:r>
+              <a:rPr lang="en-US" dirty="0"/>
+              <a:t> </a:t>
+            </a:r>
+            <a:r>
+              <a:rPr lang="en-US" dirty="0" err="1"/>
+              <a:t>predviđene</a:t>
+            </a:r>
+            <a:r>
+              <a:rPr lang="en-US" dirty="0"/>
+              <a:t>.</a:t>
+            </a:r>
+            <a:endParaRPr lang="sr-Latn-RS" dirty="0"/>
+          </a:p>
+          <a:p>
+            <a:r>
+              <a:rPr lang="sr-Latn-RS" b="1" dirty="0"/>
+              <a:t>Recall</a:t>
+            </a:r>
+            <a:r>
+              <a:rPr lang="sr-Latn-RS" dirty="0"/>
+              <a:t> mjeri sposobnost modela da prepozna sve pozitivne uzorke. Ona pokazuje koliko stvarnih pozitivnih uzoraka je model tačno identifikovao.</a:t>
+            </a:r>
+          </a:p>
+          <a:p>
+            <a:r>
+              <a:rPr lang="en-US" b="1" dirty="0"/>
+              <a:t>F1 Score </a:t>
+            </a:r>
+            <a:r>
+              <a:rPr lang="en-US" dirty="0"/>
+              <a:t>je </a:t>
+            </a:r>
+            <a:r>
+              <a:rPr lang="en-US" dirty="0" err="1"/>
+              <a:t>harmonijska</a:t>
+            </a:r>
+            <a:r>
+              <a:rPr lang="en-US" dirty="0"/>
+              <a:t> </a:t>
+            </a:r>
+            <a:r>
+              <a:rPr lang="en-US" dirty="0" err="1"/>
+              <a:t>sredina</a:t>
+            </a:r>
+            <a:r>
+              <a:rPr lang="en-US" dirty="0"/>
+              <a:t> </a:t>
+            </a:r>
+            <a:r>
+              <a:rPr lang="en-US" dirty="0" err="1"/>
+              <a:t>preciznosti</a:t>
+            </a:r>
+            <a:r>
+              <a:rPr lang="en-US" dirty="0"/>
+              <a:t> </a:t>
+            </a:r>
+            <a:r>
+              <a:rPr lang="en-US" dirty="0" err="1"/>
+              <a:t>i</a:t>
+            </a:r>
+            <a:r>
+              <a:rPr lang="en-US" dirty="0"/>
+              <a:t> </a:t>
+            </a:r>
+            <a:r>
+              <a:rPr lang="en-US" dirty="0" err="1"/>
+              <a:t>odziva</a:t>
+            </a:r>
+            <a:r>
+              <a:rPr lang="en-US" dirty="0"/>
+              <a:t>. </a:t>
+            </a:r>
+            <a:r>
+              <a:rPr lang="en-US" dirty="0" err="1"/>
+              <a:t>Koristi</a:t>
+            </a:r>
+            <a:r>
+              <a:rPr lang="en-US" dirty="0"/>
+              <a:t> se </a:t>
+            </a:r>
+            <a:r>
+              <a:rPr lang="en-US" dirty="0" err="1"/>
+              <a:t>kao</a:t>
+            </a:r>
+            <a:r>
+              <a:rPr lang="en-US" dirty="0"/>
+              <a:t> m</a:t>
+            </a:r>
+            <a:r>
+              <a:rPr lang="sr-Latn-RS" dirty="0"/>
+              <a:t>j</a:t>
+            </a:r>
+            <a:r>
+              <a:rPr lang="en-US" dirty="0"/>
+              <a:t>era </a:t>
+            </a:r>
+            <a:r>
+              <a:rPr lang="en-US" dirty="0" err="1"/>
+              <a:t>ravnoteže</a:t>
+            </a:r>
+            <a:r>
+              <a:rPr lang="en-US" dirty="0"/>
+              <a:t> </a:t>
+            </a:r>
+            <a:r>
+              <a:rPr lang="en-US" dirty="0" err="1"/>
+              <a:t>između</a:t>
+            </a:r>
+            <a:r>
+              <a:rPr lang="en-US" dirty="0"/>
+              <a:t> </a:t>
+            </a:r>
+            <a:r>
+              <a:rPr lang="en-US" b="1" dirty="0"/>
+              <a:t>precision</a:t>
+            </a:r>
+            <a:r>
+              <a:rPr lang="en-US" dirty="0"/>
+              <a:t> </a:t>
+            </a:r>
+            <a:r>
+              <a:rPr lang="en-US" dirty="0" err="1"/>
+              <a:t>i</a:t>
+            </a:r>
+            <a:r>
+              <a:rPr lang="en-US" dirty="0"/>
+              <a:t> </a:t>
+            </a:r>
+            <a:r>
+              <a:rPr lang="en-US" b="1" dirty="0"/>
+              <a:t>recall</a:t>
+            </a:r>
+            <a:r>
+              <a:rPr lang="en-US" dirty="0"/>
+              <a:t>. </a:t>
+            </a:r>
+            <a:r>
+              <a:rPr lang="en-US" dirty="0" err="1"/>
+              <a:t>Koristan</a:t>
+            </a:r>
+            <a:r>
+              <a:rPr lang="en-US" dirty="0"/>
+              <a:t> je </a:t>
+            </a:r>
+            <a:r>
+              <a:rPr lang="en-US" dirty="0" err="1"/>
+              <a:t>kada</a:t>
+            </a:r>
+            <a:r>
+              <a:rPr lang="en-US" dirty="0"/>
+              <a:t> </a:t>
+            </a:r>
+            <a:r>
+              <a:rPr lang="en-US" dirty="0" err="1"/>
+              <a:t>imamo</a:t>
+            </a:r>
+            <a:r>
+              <a:rPr lang="en-US" dirty="0"/>
+              <a:t> </a:t>
+            </a:r>
+            <a:r>
+              <a:rPr lang="en-US" dirty="0" err="1"/>
+              <a:t>neuravnotežene</a:t>
+            </a:r>
+            <a:r>
+              <a:rPr lang="en-US" dirty="0"/>
+              <a:t> </a:t>
+            </a:r>
+            <a:r>
+              <a:rPr lang="en-US" dirty="0" err="1"/>
+              <a:t>klase</a:t>
+            </a:r>
+            <a:r>
+              <a:rPr lang="en-US" dirty="0"/>
+              <a:t>.</a:t>
+            </a:r>
+            <a:endParaRPr lang="sr-Latn-RS" dirty="0"/>
+          </a:p>
+          <a:p>
+            <a:endParaRPr lang="en-US" dirty="0"/>
+          </a:p>
+        </p:txBody>
+      </p:sp>
+      <p:pic>
+        <p:nvPicPr>
+          <p:cNvPr id="8" name="Picture 7">
+            <a:extLst>
+              <a:ext uri="{FF2B5EF4-FFF2-40B4-BE49-F238E27FC236}">
+                <a16:creationId xmlns:a16="http://schemas.microsoft.com/office/drawing/2014/main" id="{699BD45A-1629-4291-B985-6C780A49FEC0}"/>
+              </a:ext>
+            </a:extLst>
+          </p:cNvPr>
+          <p:cNvPicPr>
+            <a:picLocks noChangeAspect="1"/>
+          </p:cNvPicPr>
+          <p:nvPr/>
+        </p:nvPicPr>
+        <p:blipFill>
+          <a:blip r:embed="rId2"/>
+          <a:stretch>
+            <a:fillRect/>
+          </a:stretch>
+        </p:blipFill>
+        <p:spPr>
+          <a:xfrm>
+            <a:off x="876874" y="4621099"/>
+            <a:ext cx="3657600" cy="552450"/>
+          </a:xfrm>
+          <a:prstGeom prst="rect">
+            <a:avLst/>
+          </a:prstGeom>
+        </p:spPr>
+      </p:pic>
+      <p:pic>
+        <p:nvPicPr>
+          <p:cNvPr id="10" name="Picture 9">
+            <a:extLst>
+              <a:ext uri="{FF2B5EF4-FFF2-40B4-BE49-F238E27FC236}">
+                <a16:creationId xmlns:a16="http://schemas.microsoft.com/office/drawing/2014/main" id="{EC60FCDB-3E83-43D1-A1F6-82B794D04F46}"/>
+              </a:ext>
+            </a:extLst>
+          </p:cNvPr>
+          <p:cNvPicPr>
+            <a:picLocks noChangeAspect="1"/>
+          </p:cNvPicPr>
+          <p:nvPr/>
+        </p:nvPicPr>
+        <p:blipFill>
+          <a:blip r:embed="rId3"/>
+          <a:stretch>
+            <a:fillRect/>
+          </a:stretch>
+        </p:blipFill>
+        <p:spPr>
+          <a:xfrm>
+            <a:off x="4534474" y="4647121"/>
+            <a:ext cx="3352800" cy="542925"/>
+          </a:xfrm>
+          <a:prstGeom prst="rect">
+            <a:avLst/>
+          </a:prstGeom>
+        </p:spPr>
+      </p:pic>
+      <p:pic>
+        <p:nvPicPr>
+          <p:cNvPr id="12" name="Picture 11">
+            <a:extLst>
+              <a:ext uri="{FF2B5EF4-FFF2-40B4-BE49-F238E27FC236}">
+                <a16:creationId xmlns:a16="http://schemas.microsoft.com/office/drawing/2014/main" id="{721D72F4-C288-447A-80C6-3798B2328127}"/>
+              </a:ext>
+            </a:extLst>
+          </p:cNvPr>
+          <p:cNvPicPr>
+            <a:picLocks noChangeAspect="1"/>
+          </p:cNvPicPr>
+          <p:nvPr/>
+        </p:nvPicPr>
+        <p:blipFill>
+          <a:blip r:embed="rId4"/>
+          <a:stretch>
+            <a:fillRect/>
+          </a:stretch>
+        </p:blipFill>
+        <p:spPr>
+          <a:xfrm>
+            <a:off x="7887274" y="4663961"/>
+            <a:ext cx="2457450" cy="466725"/>
+          </a:xfrm>
+          <a:prstGeom prst="rect">
+            <a:avLst/>
+          </a:prstGeom>
+        </p:spPr>
+      </p:pic>
+      <p:pic>
+        <p:nvPicPr>
+          <p:cNvPr id="14" name="Picture 13">
+            <a:extLst>
+              <a:ext uri="{FF2B5EF4-FFF2-40B4-BE49-F238E27FC236}">
+                <a16:creationId xmlns:a16="http://schemas.microsoft.com/office/drawing/2014/main" id="{37A08BB0-F574-4379-9F0C-7665BF96019E}"/>
+              </a:ext>
+            </a:extLst>
+          </p:cNvPr>
+          <p:cNvPicPr>
+            <a:picLocks noChangeAspect="1"/>
+          </p:cNvPicPr>
+          <p:nvPr/>
+        </p:nvPicPr>
+        <p:blipFill>
+          <a:blip r:embed="rId5"/>
+          <a:stretch>
+            <a:fillRect/>
+          </a:stretch>
+        </p:blipFill>
+        <p:spPr>
+          <a:xfrm>
+            <a:off x="4375150" y="5190046"/>
+            <a:ext cx="3400425" cy="552450"/>
+          </a:xfrm>
+          <a:prstGeom prst="rect">
+            <a:avLst/>
+          </a:prstGeom>
+        </p:spPr>
+      </p:pic>
+    </p:spTree>
+    <p:extLst>
+      <p:ext uri="{BB962C8B-B14F-4D97-AF65-F5344CB8AC3E}">
+        <p14:creationId xmlns:p14="http://schemas.microsoft.com/office/powerpoint/2010/main" val="2497517592"/>
+      </p:ext>
+    </p:extLst>
+  </p:cSld>
+  <p:clrMapOvr>
+    <a:masterClrMapping/>
+  </p:clrMapOvr>
+</p:sld>
+</file>
+
+<file path=ppt/slides/slide22.xml><?xml version="1.0" encoding="utf-8"?>
+<p:sld xmlns:a="http://schemas.openxmlformats.org/drawingml/2006/main" xmlns:r="http://schemas.openxmlformats.org/officeDocument/2006/relationships" xmlns:p="http://schemas.openxmlformats.org/presentationml/2006/main">
+  <p:cSld>
+    <p:spTree>
+      <p:nvGrpSpPr>
+        <p:cNvPr id="1" name=""/>
+        <p:cNvGrpSpPr/>
+        <p:nvPr/>
+      </p:nvGrpSpPr>
+      <p:grpSpPr>
+        <a:xfrm>
+          <a:off x="0" y="0"/>
+          <a:ext cx="0" cy="0"/>
+          <a:chOff x="0" y="0"/>
+          <a:chExt cx="0" cy="0"/>
+        </a:xfrm>
+      </p:grpSpPr>
+      <p:sp>
+        <p:nvSpPr>
+          <p:cNvPr id="2" name="Title 1">
+            <a:extLst>
+              <a:ext uri="{FF2B5EF4-FFF2-40B4-BE49-F238E27FC236}">
+                <a16:creationId xmlns:a16="http://schemas.microsoft.com/office/drawing/2014/main" id="{56BE34E7-6D26-4B00-B60C-A1B786927E90}"/>
+              </a:ext>
+            </a:extLst>
+          </p:cNvPr>
+          <p:cNvSpPr>
+            <a:spLocks noGrp="1"/>
+          </p:cNvSpPr>
+          <p:nvPr>
+            <p:ph type="title"/>
+          </p:nvPr>
+        </p:nvSpPr>
+        <p:spPr/>
+        <p:txBody>
+          <a:bodyPr/>
+          <a:lstStyle/>
+          <a:p>
+            <a:pPr algn="ctr"/>
+            <a:r>
+              <a:rPr lang="sr-Latn-RS" dirty="0"/>
+              <a:t>Moje metrike</a:t>
+            </a:r>
+            <a:endParaRPr lang="en-US" dirty="0"/>
+          </a:p>
+        </p:txBody>
+      </p:sp>
+      <p:sp>
+        <p:nvSpPr>
+          <p:cNvPr id="3" name="Content Placeholder 2">
+            <a:extLst>
+              <a:ext uri="{FF2B5EF4-FFF2-40B4-BE49-F238E27FC236}">
+                <a16:creationId xmlns:a16="http://schemas.microsoft.com/office/drawing/2014/main" id="{5E254B76-EC62-4C6D-A401-6708C70DC31B}"/>
+              </a:ext>
+            </a:extLst>
+          </p:cNvPr>
+          <p:cNvSpPr>
+            <a:spLocks noGrp="1"/>
+          </p:cNvSpPr>
+          <p:nvPr>
+            <p:ph idx="1"/>
+          </p:nvPr>
+        </p:nvSpPr>
+        <p:spPr/>
+        <p:txBody>
+          <a:bodyPr/>
+          <a:lstStyle/>
+          <a:p>
+            <a:pPr algn="ctr"/>
+            <a:r>
+              <a:rPr lang="en-US" dirty="0"/>
+              <a:t>GBM Accuracy: 0.7666666666666667</a:t>
+            </a:r>
+          </a:p>
+          <a:p>
+            <a:pPr algn="ctr"/>
+            <a:r>
+              <a:rPr lang="en-US" dirty="0"/>
+              <a:t>GBM Precision: 0.7705815628223199</a:t>
+            </a:r>
+          </a:p>
+          <a:p>
+            <a:pPr algn="ctr"/>
+            <a:r>
+              <a:rPr lang="en-US" dirty="0"/>
+              <a:t>GBM Recall: 0.7572558601782967</a:t>
+            </a:r>
+          </a:p>
+          <a:p>
+            <a:pPr algn="ctr"/>
+            <a:r>
+              <a:rPr lang="en-US" dirty="0"/>
+              <a:t>GBM F1 Score: 0.7634280150909571</a:t>
+            </a:r>
+          </a:p>
+          <a:p>
+            <a:pPr algn="ctr"/>
+            <a:r>
+              <a:rPr lang="en-US" dirty="0"/>
+              <a:t>SVM Accuracy: 0.72</a:t>
+            </a:r>
+          </a:p>
+          <a:p>
+            <a:pPr algn="ctr"/>
+            <a:r>
+              <a:rPr lang="en-US" dirty="0"/>
+              <a:t>SVM Precision: 0.7200854226688471</a:t>
+            </a:r>
+          </a:p>
+          <a:p>
+            <a:pPr algn="ctr"/>
+            <a:r>
+              <a:rPr lang="en-US" dirty="0"/>
+              <a:t>SVM Recall: 0.7113520853644887</a:t>
+            </a:r>
+          </a:p>
+          <a:p>
+            <a:pPr algn="ctr"/>
+            <a:r>
+              <a:rPr lang="en-US" dirty="0"/>
+              <a:t>SVM F1 Score: 0.7126385536343358</a:t>
+            </a:r>
+          </a:p>
+        </p:txBody>
+      </p:sp>
+    </p:spTree>
+    <p:extLst>
+      <p:ext uri="{BB962C8B-B14F-4D97-AF65-F5344CB8AC3E}">
+        <p14:creationId xmlns:p14="http://schemas.microsoft.com/office/powerpoint/2010/main" val="76614864"/>
+      </p:ext>
+    </p:extLst>
+  </p:cSld>
+  <p:clrMapOvr>
+    <a:masterClrMapping/>
+  </p:clrMapOvr>
+</p:sld>
+</file>
+
+<file path=ppt/slides/slide23.xml><?xml version="1.0" encoding="utf-8"?>
+<p:sld xmlns:a="http://schemas.openxmlformats.org/drawingml/2006/main" xmlns:r="http://schemas.openxmlformats.org/officeDocument/2006/relationships" xmlns:p="http://schemas.openxmlformats.org/presentationml/2006/main">
+  <p:cSld>
+    <p:spTree>
+      <p:nvGrpSpPr>
+        <p:cNvPr id="1" name=""/>
+        <p:cNvGrpSpPr/>
+        <p:nvPr/>
+      </p:nvGrpSpPr>
+      <p:grpSpPr>
+        <a:xfrm>
+          <a:off x="0" y="0"/>
+          <a:ext cx="0" cy="0"/>
+          <a:chOff x="0" y="0"/>
+          <a:chExt cx="0" cy="0"/>
+        </a:xfrm>
+      </p:grpSpPr>
+      <p:sp>
+        <p:nvSpPr>
+          <p:cNvPr id="2" name="Title 1">
+            <a:extLst>
+              <a:ext uri="{FF2B5EF4-FFF2-40B4-BE49-F238E27FC236}">
+                <a16:creationId xmlns:a16="http://schemas.microsoft.com/office/drawing/2014/main" id="{7B552AEA-E016-47FA-A583-C217D76F7234}"/>
+              </a:ext>
+            </a:extLst>
+          </p:cNvPr>
+          <p:cNvSpPr>
+            <a:spLocks noGrp="1"/>
+          </p:cNvSpPr>
+          <p:nvPr>
+            <p:ph type="title"/>
+          </p:nvPr>
+        </p:nvSpPr>
+        <p:spPr>
+          <a:xfrm>
+            <a:off x="838200" y="2766218"/>
+            <a:ext cx="10515600" cy="1325563"/>
+          </a:xfrm>
+        </p:spPr>
+        <p:txBody>
+          <a:bodyPr/>
+          <a:lstStyle/>
+          <a:p>
+            <a:pPr algn="ctr"/>
+            <a:r>
+              <a:rPr lang="sr-Latn-RS" dirty="0"/>
+              <a:t>FCNN</a:t>
+            </a:r>
+            <a:endParaRPr lang="en-US" dirty="0"/>
+          </a:p>
+        </p:txBody>
+      </p:sp>
+    </p:spTree>
+    <p:extLst>
+      <p:ext uri="{BB962C8B-B14F-4D97-AF65-F5344CB8AC3E}">
+        <p14:creationId xmlns:p14="http://schemas.microsoft.com/office/powerpoint/2010/main" val="2809278360"/>
+      </p:ext>
+    </p:extLst>
+  </p:cSld>
+  <p:clrMapOvr>
+    <a:masterClrMapping/>
+  </p:clrMapOvr>
+</p:sld>
+</file>
+
+<file path=ppt/slides/slide24.xml><?xml version="1.0" encoding="utf-8"?>
+<p:sld xmlns:a="http://schemas.openxmlformats.org/drawingml/2006/main" xmlns:r="http://schemas.openxmlformats.org/officeDocument/2006/relationships" xmlns:p="http://schemas.openxmlformats.org/presentationml/2006/main">
+  <p:cSld>
+    <p:spTree>
+      <p:nvGrpSpPr>
+        <p:cNvPr id="1" name=""/>
+        <p:cNvGrpSpPr/>
+        <p:nvPr/>
+      </p:nvGrpSpPr>
+      <p:grpSpPr>
+        <a:xfrm>
+          <a:off x="0" y="0"/>
+          <a:ext cx="0" cy="0"/>
+          <a:chOff x="0" y="0"/>
+          <a:chExt cx="0" cy="0"/>
+        </a:xfrm>
+      </p:grpSpPr>
+      <p:sp>
+        <p:nvSpPr>
+          <p:cNvPr id="4" name="Title 1">
+            <a:extLst>
+              <a:ext uri="{FF2B5EF4-FFF2-40B4-BE49-F238E27FC236}">
+                <a16:creationId xmlns:a16="http://schemas.microsoft.com/office/drawing/2014/main" id="{E62883C5-0A90-46EE-8293-11E5F2806531}"/>
+              </a:ext>
+            </a:extLst>
+          </p:cNvPr>
+          <p:cNvSpPr>
+            <a:spLocks noGrp="1"/>
+          </p:cNvSpPr>
+          <p:nvPr>
+            <p:ph idx="1"/>
+          </p:nvPr>
+        </p:nvSpPr>
+        <p:spPr>
+          <a:xfrm>
+            <a:off x="188913" y="169863"/>
+            <a:ext cx="11820525" cy="6513512"/>
+          </a:xfrm>
+        </p:spPr>
+        <p:txBody>
+          <a:bodyPr/>
+          <a:lstStyle/>
+          <a:p>
+            <a:r>
+              <a:rPr lang="en-US" b="1" dirty="0" err="1"/>
+              <a:t>Potpuno</a:t>
+            </a:r>
+            <a:r>
+              <a:rPr lang="en-US" b="1" dirty="0"/>
+              <a:t> </a:t>
+            </a:r>
+            <a:r>
+              <a:rPr lang="en-US" b="1" dirty="0" err="1"/>
+              <a:t>povezane</a:t>
+            </a:r>
+            <a:r>
+              <a:rPr lang="en-US" b="1" dirty="0"/>
+              <a:t> </a:t>
+            </a:r>
+            <a:r>
+              <a:rPr lang="en-US" b="1" dirty="0" err="1"/>
+              <a:t>neuronske</a:t>
+            </a:r>
+            <a:r>
+              <a:rPr lang="en-US" b="1" dirty="0"/>
+              <a:t> </a:t>
+            </a:r>
+            <a:r>
+              <a:rPr lang="en-US" b="1" dirty="0" err="1"/>
+              <a:t>mreže</a:t>
+            </a:r>
+            <a:r>
+              <a:rPr lang="en-US" b="1" dirty="0"/>
+              <a:t> (FCNN)</a:t>
+            </a:r>
+            <a:r>
+              <a:rPr lang="sr-Latn-RS" b="1" dirty="0"/>
+              <a:t> </a:t>
+            </a:r>
+            <a:r>
+              <a:rPr lang="en-US" dirty="0" err="1"/>
+              <a:t>su</a:t>
+            </a:r>
+            <a:r>
+              <a:rPr lang="en-US" dirty="0"/>
+              <a:t> </a:t>
+            </a:r>
+            <a:r>
+              <a:rPr lang="en-US" dirty="0" err="1"/>
+              <a:t>osnovni</a:t>
+            </a:r>
+            <a:r>
+              <a:rPr lang="en-US" dirty="0"/>
+              <a:t> tip </a:t>
+            </a:r>
+            <a:r>
+              <a:rPr lang="en-US" dirty="0" err="1"/>
+              <a:t>neuronske</a:t>
+            </a:r>
+            <a:r>
+              <a:rPr lang="en-US" dirty="0"/>
+              <a:t> </a:t>
+            </a:r>
+            <a:r>
+              <a:rPr lang="en-US" dirty="0" err="1"/>
+              <a:t>mreže</a:t>
+            </a:r>
+            <a:r>
+              <a:rPr lang="en-US" dirty="0"/>
+              <a:t> koji se </a:t>
+            </a:r>
+            <a:r>
+              <a:rPr lang="en-US" dirty="0" err="1"/>
+              <a:t>koristi</a:t>
+            </a:r>
+            <a:r>
+              <a:rPr lang="en-US" dirty="0"/>
+              <a:t> u </a:t>
+            </a:r>
+            <a:r>
+              <a:rPr lang="en-US" dirty="0" err="1"/>
+              <a:t>dubokom</a:t>
+            </a:r>
+            <a:r>
+              <a:rPr lang="en-US" dirty="0"/>
+              <a:t> </a:t>
+            </a:r>
+            <a:r>
+              <a:rPr lang="en-US" dirty="0" err="1"/>
+              <a:t>učenju</a:t>
+            </a:r>
+            <a:r>
+              <a:rPr lang="en-US" dirty="0"/>
+              <a:t>. </a:t>
+            </a:r>
+            <a:endParaRPr lang="sr-Latn-RS" dirty="0"/>
+          </a:p>
+          <a:p>
+            <a:r>
+              <a:rPr lang="en-US" dirty="0"/>
+              <a:t>FCNN se </a:t>
+            </a:r>
+            <a:r>
+              <a:rPr lang="en-US" dirty="0" err="1"/>
+              <a:t>sastoji</a:t>
+            </a:r>
+            <a:r>
+              <a:rPr lang="en-US" dirty="0"/>
+              <a:t> od </a:t>
+            </a:r>
+            <a:r>
+              <a:rPr lang="en-US" dirty="0" err="1"/>
+              <a:t>više</a:t>
+            </a:r>
+            <a:r>
+              <a:rPr lang="en-US" dirty="0"/>
+              <a:t> </a:t>
+            </a:r>
+            <a:r>
+              <a:rPr lang="en-US" dirty="0" err="1"/>
+              <a:t>slojeva</a:t>
+            </a:r>
+            <a:r>
+              <a:rPr lang="en-US" dirty="0"/>
+              <a:t> </a:t>
+            </a:r>
+            <a:r>
+              <a:rPr lang="en-US" dirty="0" err="1"/>
+              <a:t>neurona</a:t>
+            </a:r>
+            <a:r>
+              <a:rPr lang="en-US" dirty="0"/>
+              <a:t>. </a:t>
+            </a:r>
+            <a:r>
+              <a:rPr lang="en-US" dirty="0" err="1"/>
+              <a:t>Svaki</a:t>
+            </a:r>
+            <a:r>
+              <a:rPr lang="en-US" dirty="0"/>
+              <a:t> neuron u </a:t>
+            </a:r>
+            <a:r>
+              <a:rPr lang="en-US" dirty="0" err="1"/>
+              <a:t>jednom</a:t>
+            </a:r>
+            <a:r>
+              <a:rPr lang="en-US" dirty="0"/>
+              <a:t> </a:t>
+            </a:r>
+            <a:r>
+              <a:rPr lang="en-US" dirty="0" err="1"/>
+              <a:t>sloju</a:t>
+            </a:r>
+            <a:r>
+              <a:rPr lang="en-US" dirty="0"/>
+              <a:t> </a:t>
+            </a:r>
+            <a:r>
+              <a:rPr lang="en-US" dirty="0" err="1"/>
+              <a:t>povezan</a:t>
+            </a:r>
+            <a:r>
+              <a:rPr lang="en-US" dirty="0"/>
+              <a:t> je </a:t>
+            </a:r>
+            <a:r>
+              <a:rPr lang="en-US" dirty="0" err="1"/>
+              <a:t>sa</a:t>
+            </a:r>
+            <a:r>
+              <a:rPr lang="en-US" dirty="0"/>
+              <a:t> </a:t>
+            </a:r>
+            <a:r>
+              <a:rPr lang="en-US" dirty="0" err="1"/>
+              <a:t>svim</a:t>
+            </a:r>
+            <a:r>
+              <a:rPr lang="en-US" dirty="0"/>
+              <a:t> </a:t>
+            </a:r>
+            <a:r>
+              <a:rPr lang="en-US" dirty="0" err="1"/>
+              <a:t>neuronima</a:t>
+            </a:r>
+            <a:r>
+              <a:rPr lang="en-US" dirty="0"/>
+              <a:t> u </a:t>
+            </a:r>
+            <a:r>
+              <a:rPr lang="en-US" dirty="0" err="1"/>
+              <a:t>sljedećem</a:t>
+            </a:r>
+            <a:r>
+              <a:rPr lang="en-US" dirty="0"/>
+              <a:t> </a:t>
+            </a:r>
+            <a:r>
+              <a:rPr lang="en-US" dirty="0" err="1"/>
+              <a:t>sloju</a:t>
+            </a:r>
+            <a:r>
+              <a:rPr lang="en-US" dirty="0"/>
+              <a:t>, </a:t>
+            </a:r>
+            <a:r>
+              <a:rPr lang="en-US" dirty="0" err="1"/>
+              <a:t>otuda</a:t>
+            </a:r>
+            <a:r>
+              <a:rPr lang="en-US" dirty="0"/>
+              <a:t> </a:t>
+            </a:r>
+            <a:r>
+              <a:rPr lang="en-US" dirty="0" err="1"/>
+              <a:t>naziv</a:t>
+            </a:r>
+            <a:r>
+              <a:rPr lang="en-US" dirty="0"/>
+              <a:t> "</a:t>
+            </a:r>
+            <a:r>
+              <a:rPr lang="en-US" dirty="0" err="1"/>
+              <a:t>potpuno</a:t>
+            </a:r>
+            <a:r>
+              <a:rPr lang="en-US" dirty="0"/>
+              <a:t> </a:t>
+            </a:r>
+            <a:r>
+              <a:rPr lang="en-US" dirty="0" err="1"/>
+              <a:t>povezane</a:t>
+            </a:r>
+            <a:r>
+              <a:rPr lang="en-US" dirty="0"/>
+              <a:t>".</a:t>
+            </a:r>
+            <a:endParaRPr lang="sr-Latn-RS" dirty="0"/>
+          </a:p>
+          <a:p>
+            <a:pPr lvl="1">
+              <a:buFont typeface="Wingdings" panose="05000000000000000000" pitchFamily="2" charset="2"/>
+              <a:buChar char="§"/>
+            </a:pPr>
+            <a:r>
+              <a:rPr lang="en-US" b="1" dirty="0" err="1"/>
+              <a:t>Ulazni</a:t>
+            </a:r>
+            <a:r>
+              <a:rPr lang="en-US" b="1" dirty="0"/>
+              <a:t> </a:t>
+            </a:r>
+            <a:r>
+              <a:rPr lang="en-US" b="1" dirty="0" err="1"/>
+              <a:t>Sloj</a:t>
+            </a:r>
+            <a:r>
+              <a:rPr lang="en-US" b="1" dirty="0"/>
+              <a:t> (Input Layer):</a:t>
+            </a:r>
+            <a:endParaRPr lang="en-US" dirty="0"/>
+          </a:p>
+          <a:p>
+            <a:pPr lvl="2">
+              <a:buFont typeface="Wingdings" panose="05000000000000000000" pitchFamily="2" charset="2"/>
+              <a:buChar char="Ø"/>
+            </a:pPr>
+            <a:r>
+              <a:rPr lang="en-US" dirty="0"/>
+              <a:t>Prima </a:t>
+            </a:r>
+            <a:r>
+              <a:rPr lang="en-US" dirty="0" err="1"/>
+              <a:t>ulazne</a:t>
+            </a:r>
+            <a:r>
+              <a:rPr lang="en-US" dirty="0"/>
+              <a:t> </a:t>
+            </a:r>
+            <a:r>
+              <a:rPr lang="en-US" dirty="0" err="1"/>
+              <a:t>podatke</a:t>
+            </a:r>
+            <a:r>
+              <a:rPr lang="en-US" dirty="0"/>
+              <a:t> </a:t>
+            </a:r>
+            <a:r>
+              <a:rPr lang="en-US" dirty="0" err="1"/>
+              <a:t>i</a:t>
+            </a:r>
+            <a:r>
+              <a:rPr lang="en-US" dirty="0"/>
+              <a:t> </a:t>
+            </a:r>
+            <a:r>
+              <a:rPr lang="en-US" dirty="0" err="1"/>
+              <a:t>prosljeđuje</a:t>
+            </a:r>
+            <a:r>
+              <a:rPr lang="en-US" dirty="0"/>
+              <a:t> </a:t>
+            </a:r>
+            <a:r>
+              <a:rPr lang="en-US" dirty="0" err="1"/>
+              <a:t>ih</a:t>
+            </a:r>
+            <a:r>
+              <a:rPr lang="en-US" dirty="0"/>
+              <a:t> </a:t>
+            </a:r>
+            <a:r>
+              <a:rPr lang="en-US" dirty="0" err="1"/>
+              <a:t>dalje</a:t>
+            </a:r>
+            <a:r>
+              <a:rPr lang="en-US" dirty="0"/>
+              <a:t>.</a:t>
+            </a:r>
+            <a:endParaRPr lang="sr-Latn-RS" dirty="0"/>
+          </a:p>
+          <a:p>
+            <a:pPr lvl="1">
+              <a:buFont typeface="Wingdings" panose="05000000000000000000" pitchFamily="2" charset="2"/>
+              <a:buChar char="§"/>
+            </a:pPr>
+            <a:r>
+              <a:rPr lang="en-US" dirty="0" err="1"/>
+              <a:t>Skriveni</a:t>
+            </a:r>
+            <a:r>
+              <a:rPr lang="en-US" dirty="0"/>
+              <a:t> </a:t>
+            </a:r>
+            <a:r>
+              <a:rPr lang="en-US" dirty="0" err="1"/>
+              <a:t>Slojevi</a:t>
+            </a:r>
+            <a:r>
+              <a:rPr lang="en-US" dirty="0"/>
+              <a:t> (Hidden Layers):</a:t>
+            </a:r>
+            <a:endParaRPr lang="sr-Latn-RS" dirty="0"/>
+          </a:p>
+          <a:p>
+            <a:pPr lvl="2">
+              <a:buFont typeface="Wingdings" panose="05000000000000000000" pitchFamily="2" charset="2"/>
+              <a:buChar char="Ø"/>
+            </a:pPr>
+            <a:r>
+              <a:rPr lang="en-US" dirty="0" err="1"/>
+              <a:t>Jedan</a:t>
+            </a:r>
+            <a:r>
+              <a:rPr lang="en-US" dirty="0"/>
+              <a:t> </a:t>
+            </a:r>
+            <a:r>
+              <a:rPr lang="en-US" dirty="0" err="1"/>
+              <a:t>ili</a:t>
+            </a:r>
+            <a:r>
+              <a:rPr lang="en-US" dirty="0"/>
+              <a:t> </a:t>
+            </a:r>
+            <a:r>
+              <a:rPr lang="en-US" dirty="0" err="1"/>
+              <a:t>više</a:t>
+            </a:r>
+            <a:r>
+              <a:rPr lang="en-US" dirty="0"/>
+              <a:t> </a:t>
+            </a:r>
+            <a:r>
+              <a:rPr lang="en-US" dirty="0" err="1"/>
+              <a:t>slojeva</a:t>
+            </a:r>
+            <a:r>
+              <a:rPr lang="en-US" dirty="0"/>
+              <a:t> </a:t>
+            </a:r>
+            <a:r>
+              <a:rPr lang="en-US" dirty="0" err="1"/>
+              <a:t>između</a:t>
+            </a:r>
+            <a:r>
+              <a:rPr lang="en-US" dirty="0"/>
+              <a:t> </a:t>
+            </a:r>
+            <a:r>
+              <a:rPr lang="en-US" dirty="0" err="1"/>
+              <a:t>ulaznog</a:t>
+            </a:r>
+            <a:r>
+              <a:rPr lang="en-US" dirty="0"/>
+              <a:t> </a:t>
+            </a:r>
+            <a:r>
+              <a:rPr lang="en-US" dirty="0" err="1"/>
+              <a:t>i</a:t>
+            </a:r>
+            <a:r>
+              <a:rPr lang="en-US" dirty="0"/>
+              <a:t> </a:t>
+            </a:r>
+            <a:r>
+              <a:rPr lang="en-US" dirty="0" err="1"/>
+              <a:t>izlaznog</a:t>
+            </a:r>
+            <a:r>
+              <a:rPr lang="en-US" dirty="0"/>
+              <a:t> </a:t>
+            </a:r>
+            <a:r>
+              <a:rPr lang="en-US" dirty="0" err="1"/>
+              <a:t>sloja</a:t>
+            </a:r>
+            <a:r>
+              <a:rPr lang="en-US" dirty="0"/>
+              <a:t>.</a:t>
+            </a:r>
+            <a:endParaRPr lang="sr-Latn-RS" dirty="0"/>
+          </a:p>
+          <a:p>
+            <a:pPr lvl="2">
+              <a:buFont typeface="Wingdings" panose="05000000000000000000" pitchFamily="2" charset="2"/>
+              <a:buChar char="Ø"/>
+            </a:pPr>
+            <a:r>
+              <a:rPr lang="en-US" dirty="0" err="1"/>
+              <a:t>Svaki</a:t>
+            </a:r>
+            <a:r>
+              <a:rPr lang="en-US" dirty="0"/>
+              <a:t> </a:t>
+            </a:r>
+            <a:r>
+              <a:rPr lang="en-US" dirty="0" err="1"/>
+              <a:t>skriveni</a:t>
+            </a:r>
+            <a:r>
+              <a:rPr lang="en-US" dirty="0"/>
+              <a:t> </a:t>
+            </a:r>
+            <a:r>
+              <a:rPr lang="en-US" dirty="0" err="1"/>
+              <a:t>sloj</a:t>
+            </a:r>
+            <a:r>
+              <a:rPr lang="en-US" dirty="0"/>
+              <a:t> </a:t>
+            </a:r>
+            <a:r>
+              <a:rPr lang="en-US" dirty="0" err="1"/>
+              <a:t>sadrži</a:t>
+            </a:r>
+            <a:r>
+              <a:rPr lang="en-US" dirty="0"/>
+              <a:t> </a:t>
+            </a:r>
+            <a:r>
+              <a:rPr lang="en-US" dirty="0" err="1"/>
+              <a:t>neurone</a:t>
+            </a:r>
+            <a:r>
+              <a:rPr lang="en-US" dirty="0"/>
+              <a:t> koji </a:t>
+            </a:r>
+            <a:r>
+              <a:rPr lang="en-US" dirty="0" err="1"/>
+              <a:t>primaju</a:t>
+            </a:r>
+            <a:r>
+              <a:rPr lang="en-US" dirty="0"/>
+              <a:t> </a:t>
+            </a:r>
+            <a:r>
+              <a:rPr lang="en-US" dirty="0" err="1"/>
+              <a:t>ulaze</a:t>
+            </a:r>
+            <a:r>
+              <a:rPr lang="en-US" dirty="0"/>
+              <a:t>, </a:t>
+            </a:r>
+            <a:r>
+              <a:rPr lang="en-US" dirty="0" err="1"/>
+              <a:t>primjenjuju</a:t>
+            </a:r>
+            <a:r>
+              <a:rPr lang="en-US" dirty="0"/>
+              <a:t> </a:t>
+            </a:r>
+            <a:r>
+              <a:rPr lang="en-US" dirty="0" err="1"/>
+              <a:t>težine</a:t>
+            </a:r>
+            <a:r>
+              <a:rPr lang="en-US" dirty="0"/>
+              <a:t> </a:t>
+            </a:r>
+            <a:r>
+              <a:rPr lang="en-US" dirty="0" err="1"/>
+              <a:t>i</a:t>
+            </a:r>
+            <a:r>
+              <a:rPr lang="en-US" dirty="0"/>
+              <a:t> </a:t>
+            </a:r>
+            <a:r>
+              <a:rPr lang="en-US" dirty="0" err="1"/>
+              <a:t>aktivacione</a:t>
+            </a:r>
+            <a:r>
+              <a:rPr lang="en-US" dirty="0"/>
+              <a:t> </a:t>
+            </a:r>
+            <a:r>
+              <a:rPr lang="en-US" dirty="0" err="1"/>
+              <a:t>funkcije</a:t>
+            </a:r>
+            <a:r>
+              <a:rPr lang="en-US" dirty="0"/>
+              <a:t>, </a:t>
+            </a:r>
+            <a:r>
+              <a:rPr lang="en-US" dirty="0" err="1"/>
+              <a:t>i</a:t>
+            </a:r>
+            <a:r>
+              <a:rPr lang="en-US" dirty="0"/>
+              <a:t> </a:t>
+            </a:r>
+            <a:r>
+              <a:rPr lang="en-US" dirty="0" err="1"/>
+              <a:t>prosljeđuju</a:t>
+            </a:r>
+            <a:r>
+              <a:rPr lang="en-US" dirty="0"/>
+              <a:t> </a:t>
+            </a:r>
+            <a:r>
+              <a:rPr lang="en-US" dirty="0" err="1"/>
+              <a:t>rezultat</a:t>
+            </a:r>
+            <a:r>
+              <a:rPr lang="en-US" dirty="0"/>
+              <a:t> </a:t>
+            </a:r>
+            <a:r>
+              <a:rPr lang="en-US" dirty="0" err="1"/>
+              <a:t>dalje</a:t>
+            </a:r>
+            <a:r>
+              <a:rPr lang="en-US" dirty="0"/>
+              <a:t>.</a:t>
+            </a:r>
+            <a:endParaRPr lang="sr-Latn-RS" dirty="0"/>
+          </a:p>
+          <a:p>
+            <a:pPr lvl="2">
+              <a:buFont typeface="Wingdings" panose="05000000000000000000" pitchFamily="2" charset="2"/>
+              <a:buChar char="Ø"/>
+            </a:pPr>
+            <a:r>
+              <a:rPr lang="en-US" dirty="0" err="1"/>
+              <a:t>Aktivacione</a:t>
+            </a:r>
+            <a:r>
+              <a:rPr lang="en-US" dirty="0"/>
+              <a:t> </a:t>
+            </a:r>
+            <a:r>
+              <a:rPr lang="en-US" dirty="0" err="1"/>
+              <a:t>funkcije</a:t>
+            </a:r>
+            <a:r>
+              <a:rPr lang="en-US" dirty="0"/>
+              <a:t> </a:t>
+            </a:r>
+            <a:r>
+              <a:rPr lang="en-US" dirty="0" err="1"/>
+              <a:t>poput</a:t>
+            </a:r>
+            <a:r>
+              <a:rPr lang="en-US" dirty="0"/>
+              <a:t> </a:t>
+            </a:r>
+            <a:r>
+              <a:rPr lang="en-US" dirty="0" err="1"/>
+              <a:t>ReLU</a:t>
+            </a:r>
+            <a:r>
+              <a:rPr lang="en-US" dirty="0"/>
+              <a:t> (Rectified Linear Unit), </a:t>
+            </a:r>
+            <a:r>
+              <a:rPr lang="en-US" dirty="0" err="1"/>
+              <a:t>sigmoidne</a:t>
+            </a:r>
+            <a:r>
+              <a:rPr lang="en-US" dirty="0"/>
+              <a:t> </a:t>
+            </a:r>
+            <a:r>
+              <a:rPr lang="en-US" dirty="0" err="1"/>
+              <a:t>funkcije</a:t>
+            </a:r>
+            <a:r>
+              <a:rPr lang="en-US" dirty="0"/>
+              <a:t> </a:t>
+            </a:r>
+            <a:r>
+              <a:rPr lang="en-US" dirty="0" err="1"/>
+              <a:t>ili</a:t>
+            </a:r>
+            <a:r>
+              <a:rPr lang="en-US" dirty="0"/>
+              <a:t> tanh </a:t>
+            </a:r>
+            <a:r>
+              <a:rPr lang="en-US" dirty="0" err="1"/>
+              <a:t>koriste</a:t>
+            </a:r>
+            <a:r>
+              <a:rPr lang="en-US" dirty="0"/>
+              <a:t> se za </a:t>
+            </a:r>
+            <a:r>
+              <a:rPr lang="en-US" dirty="0" err="1"/>
+              <a:t>dodavanje</a:t>
+            </a:r>
+            <a:r>
+              <a:rPr lang="en-US" dirty="0"/>
+              <a:t> </a:t>
+            </a:r>
+            <a:r>
+              <a:rPr lang="en-US" dirty="0" err="1"/>
+              <a:t>nelinearnosti</a:t>
+            </a:r>
+            <a:r>
+              <a:rPr lang="en-US" dirty="0"/>
+              <a:t> </a:t>
+            </a:r>
+            <a:r>
+              <a:rPr lang="en-US" dirty="0" err="1"/>
+              <a:t>modelu</a:t>
+            </a:r>
+            <a:r>
+              <a:rPr lang="en-US" dirty="0"/>
+              <a:t>.</a:t>
+            </a:r>
+            <a:endParaRPr lang="sr-Latn-RS" dirty="0"/>
+          </a:p>
+          <a:p>
+            <a:pPr lvl="1">
+              <a:buFont typeface="Wingdings" panose="05000000000000000000" pitchFamily="2" charset="2"/>
+              <a:buChar char="§"/>
+            </a:pPr>
+            <a:r>
+              <a:rPr lang="en-US" dirty="0" err="1"/>
+              <a:t>Izlazni</a:t>
+            </a:r>
+            <a:r>
+              <a:rPr lang="en-US" dirty="0"/>
+              <a:t> </a:t>
+            </a:r>
+            <a:r>
+              <a:rPr lang="en-US" dirty="0" err="1"/>
+              <a:t>Sloj</a:t>
+            </a:r>
+            <a:r>
+              <a:rPr lang="en-US" dirty="0"/>
+              <a:t> (Output Layer):</a:t>
+            </a:r>
+            <a:endParaRPr lang="sr-Latn-RS" dirty="0"/>
+          </a:p>
+          <a:p>
+            <a:pPr lvl="2">
+              <a:buFont typeface="Wingdings" panose="05000000000000000000" pitchFamily="2" charset="2"/>
+              <a:buChar char="§"/>
+            </a:pPr>
+            <a:r>
+              <a:rPr lang="en-US" dirty="0" err="1"/>
+              <a:t>Daje</a:t>
+            </a:r>
+            <a:r>
+              <a:rPr lang="en-US" dirty="0"/>
+              <a:t> </a:t>
+            </a:r>
+            <a:r>
+              <a:rPr lang="en-US" dirty="0" err="1"/>
+              <a:t>konačne</a:t>
+            </a:r>
+            <a:r>
+              <a:rPr lang="en-US" dirty="0"/>
+              <a:t> </a:t>
+            </a:r>
+            <a:r>
+              <a:rPr lang="en-US" dirty="0" err="1"/>
+              <a:t>predikcije</a:t>
+            </a:r>
+            <a:r>
+              <a:rPr lang="en-US" dirty="0"/>
+              <a:t>.</a:t>
+            </a:r>
+            <a:endParaRPr lang="sr-Latn-RS" dirty="0"/>
+          </a:p>
+          <a:p>
+            <a:pPr lvl="2">
+              <a:buFont typeface="Wingdings" panose="05000000000000000000" pitchFamily="2" charset="2"/>
+              <a:buChar char="§"/>
+            </a:pPr>
+            <a:r>
+              <a:rPr lang="en-US" dirty="0" err="1"/>
+              <a:t>Broj</a:t>
+            </a:r>
+            <a:r>
+              <a:rPr lang="en-US" dirty="0"/>
+              <a:t> </a:t>
+            </a:r>
+            <a:r>
+              <a:rPr lang="en-US" dirty="0" err="1"/>
+              <a:t>neurona</a:t>
+            </a:r>
+            <a:r>
+              <a:rPr lang="en-US" dirty="0"/>
+              <a:t> u </a:t>
+            </a:r>
+            <a:r>
+              <a:rPr lang="en-US" dirty="0" err="1"/>
+              <a:t>izlaznom</a:t>
+            </a:r>
+            <a:r>
+              <a:rPr lang="en-US" dirty="0"/>
+              <a:t> </a:t>
+            </a:r>
+            <a:r>
+              <a:rPr lang="en-US" dirty="0" err="1"/>
+              <a:t>sloju</a:t>
+            </a:r>
+            <a:r>
+              <a:rPr lang="en-US" dirty="0"/>
+              <a:t> </a:t>
+            </a:r>
+            <a:r>
+              <a:rPr lang="en-US" dirty="0" err="1"/>
+              <a:t>zavisi</a:t>
+            </a:r>
+            <a:r>
+              <a:rPr lang="en-US" dirty="0"/>
+              <a:t> od </a:t>
+            </a:r>
+            <a:r>
+              <a:rPr lang="en-US" dirty="0" err="1"/>
+              <a:t>tipa</a:t>
+            </a:r>
+            <a:r>
+              <a:rPr lang="en-US" dirty="0"/>
+              <a:t> </a:t>
+            </a:r>
+            <a:r>
+              <a:rPr lang="en-US" dirty="0" err="1"/>
+              <a:t>zadatka</a:t>
+            </a:r>
+            <a:r>
+              <a:rPr lang="en-US" dirty="0"/>
+              <a:t> (</a:t>
+            </a:r>
+            <a:r>
+              <a:rPr lang="en-US" dirty="0" err="1"/>
+              <a:t>npr</a:t>
+            </a:r>
+            <a:r>
+              <a:rPr lang="en-US" dirty="0"/>
+              <a:t>. </a:t>
+            </a:r>
+            <a:r>
+              <a:rPr lang="en-US" dirty="0" err="1"/>
+              <a:t>jedan</a:t>
+            </a:r>
+            <a:r>
+              <a:rPr lang="en-US" dirty="0"/>
+              <a:t> neuron za </a:t>
+            </a:r>
+            <a:r>
+              <a:rPr lang="en-US" dirty="0" err="1"/>
+              <a:t>binarnu</a:t>
+            </a:r>
+            <a:r>
+              <a:rPr lang="en-US" dirty="0"/>
+              <a:t> </a:t>
+            </a:r>
+            <a:r>
+              <a:rPr lang="en-US" dirty="0" err="1"/>
+              <a:t>klasifikaciju</a:t>
+            </a:r>
+            <a:r>
+              <a:rPr lang="en-US" dirty="0"/>
+              <a:t>, </a:t>
+            </a:r>
+            <a:r>
+              <a:rPr lang="en-US" dirty="0" err="1"/>
+              <a:t>više</a:t>
+            </a:r>
+            <a:r>
+              <a:rPr lang="en-US" dirty="0"/>
+              <a:t> </a:t>
+            </a:r>
+            <a:r>
+              <a:rPr lang="en-US" dirty="0" err="1"/>
+              <a:t>neurona</a:t>
+            </a:r>
+            <a:r>
+              <a:rPr lang="en-US" dirty="0"/>
+              <a:t> za </a:t>
+            </a:r>
+            <a:r>
+              <a:rPr lang="en-US" dirty="0" err="1"/>
+              <a:t>višeklasnu</a:t>
+            </a:r>
+            <a:r>
+              <a:rPr lang="en-US" dirty="0"/>
+              <a:t> </a:t>
+            </a:r>
+            <a:r>
+              <a:rPr lang="en-US" dirty="0" err="1"/>
+              <a:t>klasifikaciju</a:t>
+            </a:r>
+            <a:r>
+              <a:rPr lang="en-US" dirty="0"/>
+              <a:t>).</a:t>
+            </a:r>
+          </a:p>
+          <a:p>
+            <a:pPr lvl="1"/>
+            <a:endParaRPr lang="en-US" dirty="0"/>
+          </a:p>
+        </p:txBody>
+      </p:sp>
+    </p:spTree>
+    <p:extLst>
+      <p:ext uri="{BB962C8B-B14F-4D97-AF65-F5344CB8AC3E}">
+        <p14:creationId xmlns:p14="http://schemas.microsoft.com/office/powerpoint/2010/main" val="1524858380"/>
+      </p:ext>
+    </p:extLst>
+  </p:cSld>
+  <p:clrMapOvr>
+    <a:masterClrMapping/>
+  </p:clrMapOvr>
+</p:sld>
+</file>
+
+<file path=ppt/slides/slide25.xml><?xml version="1.0" encoding="utf-8"?>
+<p:sld xmlns:a="http://schemas.openxmlformats.org/drawingml/2006/main" xmlns:r="http://schemas.openxmlformats.org/officeDocument/2006/relationships" xmlns:p="http://schemas.openxmlformats.org/presentationml/2006/main">
+  <p:cSld>
+    <p:spTree>
+      <p:nvGrpSpPr>
+        <p:cNvPr id="1" name=""/>
+        <p:cNvGrpSpPr/>
+        <p:nvPr/>
+      </p:nvGrpSpPr>
+      <p:grpSpPr>
+        <a:xfrm>
+          <a:off x="0" y="0"/>
+          <a:ext cx="0" cy="0"/>
+          <a:chOff x="0" y="0"/>
+          <a:chExt cx="0" cy="0"/>
+        </a:xfrm>
+      </p:grpSpPr>
+      <p:sp>
+        <p:nvSpPr>
+          <p:cNvPr id="2" name="Title 1">
+            <a:extLst>
+              <a:ext uri="{FF2B5EF4-FFF2-40B4-BE49-F238E27FC236}">
+                <a16:creationId xmlns:a16="http://schemas.microsoft.com/office/drawing/2014/main" id="{76F647C4-DC06-40BB-B917-B5E9ACC5DABD}"/>
+              </a:ext>
+            </a:extLst>
+          </p:cNvPr>
+          <p:cNvSpPr>
+            <a:spLocks noGrp="1"/>
+          </p:cNvSpPr>
+          <p:nvPr>
+            <p:ph type="title"/>
+          </p:nvPr>
+        </p:nvSpPr>
+        <p:spPr>
+          <a:xfrm>
+            <a:off x="838200" y="2766218"/>
+            <a:ext cx="10515600" cy="1325563"/>
+          </a:xfrm>
+        </p:spPr>
+        <p:txBody>
+          <a:bodyPr/>
+          <a:lstStyle/>
+          <a:p>
+            <a:pPr algn="ctr"/>
+            <a:r>
+              <a:rPr lang="sr-Latn-RS" dirty="0"/>
+              <a:t>DropOut i L2 regularizacija</a:t>
+            </a:r>
+            <a:endParaRPr lang="en-US" dirty="0"/>
+          </a:p>
+        </p:txBody>
+      </p:sp>
+    </p:spTree>
+    <p:extLst>
+      <p:ext uri="{BB962C8B-B14F-4D97-AF65-F5344CB8AC3E}">
+        <p14:creationId xmlns:p14="http://schemas.microsoft.com/office/powerpoint/2010/main" val="3652994842"/>
+      </p:ext>
+    </p:extLst>
+  </p:cSld>
+  <p:clrMapOvr>
+    <a:masterClrMapping/>
+  </p:clrMapOvr>
+</p:sld>
+</file>
+
+<file path=ppt/slides/slide26.xml><?xml version="1.0" encoding="utf-8"?>
+<p:sld xmlns:a="http://schemas.openxmlformats.org/drawingml/2006/main" xmlns:r="http://schemas.openxmlformats.org/officeDocument/2006/relationships" xmlns:p="http://schemas.openxmlformats.org/presentationml/2006/main">
+  <p:cSld>
+    <p:spTree>
+      <p:nvGrpSpPr>
+        <p:cNvPr id="1" name=""/>
+        <p:cNvGrpSpPr/>
+        <p:nvPr/>
+      </p:nvGrpSpPr>
+      <p:grpSpPr>
+        <a:xfrm>
+          <a:off x="0" y="0"/>
+          <a:ext cx="0" cy="0"/>
+          <a:chOff x="0" y="0"/>
+          <a:chExt cx="0" cy="0"/>
+        </a:xfrm>
+      </p:grpSpPr>
+      <p:sp>
+        <p:nvSpPr>
+          <p:cNvPr id="4" name="Title 1">
+            <a:extLst>
+              <a:ext uri="{FF2B5EF4-FFF2-40B4-BE49-F238E27FC236}">
+                <a16:creationId xmlns:a16="http://schemas.microsoft.com/office/drawing/2014/main" id="{616162C7-A4F2-4A8B-9751-585BE8DF64B3}"/>
+              </a:ext>
+            </a:extLst>
+          </p:cNvPr>
+          <p:cNvSpPr>
+            <a:spLocks noGrp="1"/>
+          </p:cNvSpPr>
+          <p:nvPr>
+            <p:ph idx="1"/>
+          </p:nvPr>
+        </p:nvSpPr>
+        <p:spPr>
+          <a:xfrm>
+            <a:off x="150813" y="188913"/>
+            <a:ext cx="11793537" cy="6513512"/>
+          </a:xfrm>
+        </p:spPr>
+        <p:txBody>
+          <a:bodyPr/>
+          <a:lstStyle/>
+          <a:p>
+            <a:r>
+              <a:rPr lang="en-US" b="1" dirty="0"/>
+              <a:t>Dropout</a:t>
+            </a:r>
+            <a:r>
+              <a:rPr lang="en-US" dirty="0"/>
+              <a:t> je </a:t>
+            </a:r>
+            <a:r>
+              <a:rPr lang="en-US" dirty="0" err="1"/>
+              <a:t>tehnika</a:t>
+            </a:r>
+            <a:r>
+              <a:rPr lang="en-US" dirty="0"/>
+              <a:t> </a:t>
+            </a:r>
+            <a:r>
+              <a:rPr lang="en-US" dirty="0" err="1"/>
+              <a:t>regularizacije</a:t>
+            </a:r>
+            <a:r>
+              <a:rPr lang="en-US" dirty="0"/>
+              <a:t> </a:t>
+            </a:r>
+            <a:r>
+              <a:rPr lang="en-US" dirty="0" err="1"/>
+              <a:t>koja</a:t>
+            </a:r>
+            <a:r>
+              <a:rPr lang="en-US" dirty="0"/>
+              <a:t> se </a:t>
+            </a:r>
+            <a:r>
+              <a:rPr lang="en-US" dirty="0" err="1"/>
+              <a:t>koristi</a:t>
+            </a:r>
+            <a:r>
+              <a:rPr lang="en-US" dirty="0"/>
+              <a:t> u </a:t>
+            </a:r>
+            <a:r>
+              <a:rPr lang="en-US" dirty="0" err="1"/>
+              <a:t>treniranju</a:t>
+            </a:r>
+            <a:r>
+              <a:rPr lang="en-US" dirty="0"/>
+              <a:t> </a:t>
+            </a:r>
+            <a:r>
+              <a:rPr lang="en-US" dirty="0" err="1"/>
+              <a:t>neuronskih</a:t>
+            </a:r>
+            <a:r>
+              <a:rPr lang="en-US" dirty="0"/>
+              <a:t> </a:t>
+            </a:r>
+            <a:r>
+              <a:rPr lang="en-US" dirty="0" err="1"/>
+              <a:t>mreža</a:t>
+            </a:r>
+            <a:r>
+              <a:rPr lang="en-US" dirty="0"/>
+              <a:t> </a:t>
+            </a:r>
+            <a:r>
+              <a:rPr lang="en-US" dirty="0" err="1"/>
+              <a:t>kako</a:t>
+            </a:r>
+            <a:r>
+              <a:rPr lang="en-US" dirty="0"/>
+              <a:t> bi se </a:t>
+            </a:r>
+            <a:r>
+              <a:rPr lang="en-US" dirty="0" err="1"/>
+              <a:t>smanjilo</a:t>
+            </a:r>
+            <a:r>
+              <a:rPr lang="en-US" dirty="0"/>
+              <a:t> </a:t>
+            </a:r>
+            <a:r>
+              <a:rPr lang="en-US" dirty="0" err="1"/>
+              <a:t>pretreniravanje</a:t>
+            </a:r>
+            <a:r>
+              <a:rPr lang="en-US" dirty="0"/>
+              <a:t> (overfitting). Ova </a:t>
+            </a:r>
+            <a:r>
+              <a:rPr lang="en-US" dirty="0" err="1"/>
+              <a:t>tehnika</a:t>
+            </a:r>
+            <a:r>
+              <a:rPr lang="en-US" dirty="0"/>
+              <a:t> je </a:t>
+            </a:r>
+            <a:r>
+              <a:rPr lang="en-US" dirty="0" err="1"/>
+              <a:t>jednostavna</a:t>
+            </a:r>
+            <a:r>
+              <a:rPr lang="en-US" dirty="0"/>
+              <a:t>, </a:t>
+            </a:r>
+            <a:r>
+              <a:rPr lang="en-US" dirty="0" err="1"/>
+              <a:t>ali</a:t>
+            </a:r>
+            <a:r>
+              <a:rPr lang="en-US" dirty="0"/>
+              <a:t> </a:t>
+            </a:r>
+            <a:r>
+              <a:rPr lang="en-US" dirty="0" err="1"/>
+              <a:t>izuzetno</a:t>
+            </a:r>
+            <a:r>
+              <a:rPr lang="en-US" dirty="0"/>
+              <a:t> </a:t>
+            </a:r>
+            <a:r>
+              <a:rPr lang="en-US" dirty="0" err="1"/>
+              <a:t>efikasna</a:t>
+            </a:r>
+            <a:r>
+              <a:rPr lang="en-US" dirty="0"/>
+              <a:t> </a:t>
+            </a:r>
+            <a:r>
+              <a:rPr lang="en-US" dirty="0" err="1"/>
+              <a:t>i</a:t>
+            </a:r>
+            <a:r>
+              <a:rPr lang="en-US" dirty="0"/>
+              <a:t> </a:t>
+            </a:r>
+            <a:r>
+              <a:rPr lang="en-US" dirty="0" err="1"/>
+              <a:t>popularna</a:t>
+            </a:r>
+            <a:r>
+              <a:rPr lang="en-US" dirty="0"/>
+              <a:t> u </a:t>
+            </a:r>
+            <a:r>
+              <a:rPr lang="en-US" dirty="0" err="1"/>
+              <a:t>dubokom</a:t>
+            </a:r>
+            <a:r>
+              <a:rPr lang="en-US" dirty="0"/>
+              <a:t> </a:t>
+            </a:r>
+            <a:r>
+              <a:rPr lang="en-US" dirty="0" err="1"/>
+              <a:t>učenju</a:t>
+            </a:r>
+            <a:r>
+              <a:rPr lang="en-US" dirty="0"/>
+              <a:t>.</a:t>
+            </a:r>
+            <a:endParaRPr lang="sr-Latn-RS" dirty="0"/>
+          </a:p>
+          <a:p>
+            <a:r>
+              <a:rPr lang="en-US" dirty="0"/>
+              <a:t>Dropout </a:t>
+            </a:r>
+            <a:r>
+              <a:rPr lang="en-US" dirty="0" err="1"/>
+              <a:t>funkcioniše</a:t>
+            </a:r>
+            <a:r>
+              <a:rPr lang="en-US" dirty="0"/>
+              <a:t> </a:t>
+            </a:r>
+            <a:r>
+              <a:rPr lang="en-US" dirty="0" err="1"/>
+              <a:t>tako</a:t>
+            </a:r>
+            <a:r>
+              <a:rPr lang="en-US" dirty="0"/>
+              <a:t> </a:t>
+            </a:r>
+            <a:r>
+              <a:rPr lang="en-US" dirty="0" err="1"/>
+              <a:t>što</a:t>
+            </a:r>
+            <a:r>
+              <a:rPr lang="en-US" dirty="0"/>
+              <a:t> </a:t>
+            </a:r>
+            <a:r>
+              <a:rPr lang="en-US" dirty="0" err="1"/>
+              <a:t>nasumično</a:t>
+            </a:r>
+            <a:r>
+              <a:rPr lang="en-US" dirty="0"/>
+              <a:t> "</a:t>
+            </a:r>
+            <a:r>
+              <a:rPr lang="en-US" dirty="0" err="1"/>
+              <a:t>isključuje</a:t>
+            </a:r>
+            <a:r>
+              <a:rPr lang="en-US" dirty="0"/>
+              <a:t>" (</a:t>
+            </a:r>
+            <a:r>
+              <a:rPr lang="en-US" dirty="0" err="1"/>
+              <a:t>postavlja</a:t>
+            </a:r>
+            <a:r>
+              <a:rPr lang="en-US" dirty="0"/>
+              <a:t> </a:t>
+            </a:r>
+            <a:r>
+              <a:rPr lang="en-US" dirty="0" err="1"/>
+              <a:t>na</a:t>
+            </a:r>
+            <a:r>
+              <a:rPr lang="en-US" dirty="0"/>
+              <a:t> </a:t>
+            </a:r>
+            <a:r>
+              <a:rPr lang="en-US" dirty="0" err="1"/>
+              <a:t>nulu</a:t>
+            </a:r>
+            <a:r>
+              <a:rPr lang="en-US" dirty="0"/>
+              <a:t>) </a:t>
+            </a:r>
+            <a:r>
+              <a:rPr lang="en-US" dirty="0" err="1"/>
+              <a:t>određeni</a:t>
+            </a:r>
+            <a:r>
+              <a:rPr lang="en-US" dirty="0"/>
+              <a:t> </a:t>
+            </a:r>
+            <a:r>
+              <a:rPr lang="en-US" dirty="0" err="1"/>
+              <a:t>procenat</a:t>
+            </a:r>
+            <a:r>
+              <a:rPr lang="en-US" dirty="0"/>
+              <a:t> </a:t>
+            </a:r>
+            <a:r>
+              <a:rPr lang="en-US" dirty="0" err="1"/>
+              <a:t>neurona</a:t>
+            </a:r>
+            <a:r>
+              <a:rPr lang="en-US" dirty="0"/>
+              <a:t> u </a:t>
+            </a:r>
+            <a:r>
+              <a:rPr lang="en-US" dirty="0" err="1"/>
+              <a:t>toku</a:t>
+            </a:r>
+            <a:r>
+              <a:rPr lang="en-US" dirty="0"/>
+              <a:t> </a:t>
+            </a:r>
+            <a:r>
+              <a:rPr lang="en-US" dirty="0" err="1"/>
+              <a:t>treniranja</a:t>
+            </a:r>
+            <a:r>
+              <a:rPr lang="en-US" dirty="0"/>
+              <a:t> </a:t>
+            </a:r>
+            <a:r>
+              <a:rPr lang="en-US" dirty="0" err="1"/>
+              <a:t>svake</a:t>
+            </a:r>
+            <a:r>
+              <a:rPr lang="en-US" dirty="0"/>
+              <a:t> </a:t>
+            </a:r>
+            <a:r>
+              <a:rPr lang="en-US" dirty="0" err="1"/>
+              <a:t>iteracije</a:t>
+            </a:r>
+            <a:r>
+              <a:rPr lang="en-US" dirty="0"/>
+              <a:t>. Na taj </a:t>
+            </a:r>
+            <a:r>
+              <a:rPr lang="en-US" dirty="0" err="1"/>
+              <a:t>način</a:t>
+            </a:r>
+            <a:r>
+              <a:rPr lang="en-US" dirty="0"/>
+              <a:t> se </a:t>
+            </a:r>
+            <a:r>
+              <a:rPr lang="en-US" dirty="0" err="1"/>
+              <a:t>mreža</a:t>
+            </a:r>
+            <a:r>
+              <a:rPr lang="en-US" dirty="0"/>
+              <a:t> </a:t>
+            </a:r>
+            <a:r>
+              <a:rPr lang="en-US" dirty="0" err="1"/>
+              <a:t>prisiljava</a:t>
+            </a:r>
+            <a:r>
+              <a:rPr lang="en-US" dirty="0"/>
+              <a:t> da ne </a:t>
+            </a:r>
+            <a:r>
+              <a:rPr lang="en-US" dirty="0" err="1"/>
+              <a:t>postane</a:t>
+            </a:r>
+            <a:r>
+              <a:rPr lang="en-US" dirty="0"/>
+              <a:t> </a:t>
+            </a:r>
+            <a:r>
+              <a:rPr lang="en-US" dirty="0" err="1"/>
+              <a:t>previše</a:t>
+            </a:r>
+            <a:r>
+              <a:rPr lang="en-US" dirty="0"/>
+              <a:t> </a:t>
+            </a:r>
+            <a:r>
+              <a:rPr lang="en-US" dirty="0" err="1"/>
+              <a:t>zavisna</a:t>
+            </a:r>
+            <a:r>
+              <a:rPr lang="en-US" dirty="0"/>
+              <a:t> od </a:t>
+            </a:r>
+            <a:r>
+              <a:rPr lang="en-US" dirty="0" err="1"/>
+              <a:t>pojedinačnih</a:t>
+            </a:r>
+            <a:r>
+              <a:rPr lang="en-US" dirty="0"/>
+              <a:t> </a:t>
+            </a:r>
+            <a:r>
+              <a:rPr lang="en-US" dirty="0" err="1"/>
+              <a:t>neurona</a:t>
+            </a:r>
+            <a:r>
+              <a:rPr lang="en-US" dirty="0"/>
+              <a:t> </a:t>
+            </a:r>
+            <a:r>
+              <a:rPr lang="en-US" dirty="0" err="1"/>
+              <a:t>i</a:t>
+            </a:r>
+            <a:r>
+              <a:rPr lang="en-US" dirty="0"/>
+              <a:t> da </a:t>
+            </a:r>
+            <a:r>
+              <a:rPr lang="en-US" dirty="0" err="1"/>
+              <a:t>nauči</a:t>
+            </a:r>
+            <a:r>
+              <a:rPr lang="en-US" dirty="0"/>
+              <a:t> </a:t>
+            </a:r>
+            <a:r>
+              <a:rPr lang="en-US" dirty="0" err="1"/>
+              <a:t>robusnije</a:t>
+            </a:r>
+            <a:r>
+              <a:rPr lang="en-US" dirty="0"/>
+              <a:t> </a:t>
+            </a:r>
+            <a:r>
+              <a:rPr lang="en-US" dirty="0" err="1"/>
+              <a:t>obrasce</a:t>
+            </a:r>
+            <a:r>
+              <a:rPr lang="en-US" dirty="0"/>
+              <a:t> u </a:t>
+            </a:r>
+            <a:r>
+              <a:rPr lang="en-US" dirty="0" err="1"/>
+              <a:t>podacima</a:t>
+            </a:r>
+            <a:r>
+              <a:rPr lang="en-US" dirty="0"/>
+              <a:t>.</a:t>
+            </a:r>
+            <a:endParaRPr lang="sr-Latn-RS" dirty="0"/>
+          </a:p>
+          <a:p>
+            <a:r>
+              <a:rPr lang="en-US" b="1" dirty="0"/>
+              <a:t>L2 </a:t>
+            </a:r>
+            <a:r>
+              <a:rPr lang="en-US" b="1" dirty="0" err="1"/>
+              <a:t>regularizacija</a:t>
+            </a:r>
+            <a:r>
+              <a:rPr lang="en-US" dirty="0"/>
+              <a:t>, </a:t>
+            </a:r>
+            <a:r>
+              <a:rPr lang="en-US" dirty="0" err="1"/>
+              <a:t>poznata</a:t>
+            </a:r>
+            <a:r>
+              <a:rPr lang="en-US" dirty="0"/>
+              <a:t> </a:t>
+            </a:r>
+            <a:r>
+              <a:rPr lang="en-US" dirty="0" err="1"/>
+              <a:t>i</a:t>
+            </a:r>
+            <a:r>
+              <a:rPr lang="en-US" dirty="0"/>
+              <a:t> </a:t>
+            </a:r>
+            <a:r>
+              <a:rPr lang="en-US" dirty="0" err="1"/>
+              <a:t>kao</a:t>
+            </a:r>
+            <a:r>
+              <a:rPr lang="en-US" dirty="0"/>
+              <a:t> </a:t>
+            </a:r>
+            <a:r>
+              <a:rPr lang="en-US" b="1" dirty="0"/>
+              <a:t>Ridge </a:t>
+            </a:r>
+            <a:r>
+              <a:rPr lang="en-US" b="1" dirty="0" err="1"/>
+              <a:t>regularizacija</a:t>
+            </a:r>
+            <a:r>
+              <a:rPr lang="en-US" dirty="0"/>
+              <a:t>, je </a:t>
+            </a:r>
+            <a:r>
+              <a:rPr lang="en-US" dirty="0" err="1"/>
+              <a:t>tehnika</a:t>
+            </a:r>
+            <a:r>
+              <a:rPr lang="en-US" dirty="0"/>
+              <a:t> u </a:t>
+            </a:r>
+            <a:r>
+              <a:rPr lang="en-US" dirty="0" err="1"/>
+              <a:t>mašinskom</a:t>
+            </a:r>
+            <a:r>
+              <a:rPr lang="en-US" dirty="0"/>
+              <a:t> </a:t>
+            </a:r>
+            <a:r>
+              <a:rPr lang="en-US" dirty="0" err="1"/>
+              <a:t>učenju</a:t>
+            </a:r>
+            <a:r>
+              <a:rPr lang="en-US" dirty="0"/>
+              <a:t> </a:t>
+            </a:r>
+            <a:r>
+              <a:rPr lang="en-US" dirty="0" err="1"/>
+              <a:t>koja</a:t>
+            </a:r>
+            <a:r>
+              <a:rPr lang="en-US" dirty="0"/>
+              <a:t> se </a:t>
+            </a:r>
+            <a:r>
+              <a:rPr lang="en-US" dirty="0" err="1"/>
+              <a:t>koristi</a:t>
+            </a:r>
+            <a:r>
+              <a:rPr lang="en-US" dirty="0"/>
+              <a:t> za </a:t>
+            </a:r>
+            <a:r>
+              <a:rPr lang="en-US" dirty="0" err="1"/>
+              <a:t>smanjenje</a:t>
+            </a:r>
+            <a:r>
+              <a:rPr lang="en-US" dirty="0"/>
+              <a:t> </a:t>
+            </a:r>
+            <a:r>
+              <a:rPr lang="en-US" dirty="0" err="1"/>
+              <a:t>pretreniravanja</a:t>
+            </a:r>
+            <a:r>
+              <a:rPr lang="en-US" dirty="0"/>
+              <a:t> (overfitting) </a:t>
+            </a:r>
+            <a:r>
+              <a:rPr lang="en-US" dirty="0" err="1"/>
+              <a:t>modela</a:t>
+            </a:r>
+            <a:r>
+              <a:rPr lang="en-US" dirty="0"/>
+              <a:t>. Ova </a:t>
+            </a:r>
+            <a:r>
+              <a:rPr lang="en-US" dirty="0" err="1"/>
+              <a:t>tehnika</a:t>
+            </a:r>
+            <a:r>
+              <a:rPr lang="en-US" dirty="0"/>
+              <a:t> </a:t>
+            </a:r>
+            <a:r>
+              <a:rPr lang="en-US" dirty="0" err="1"/>
+              <a:t>dodaje</a:t>
+            </a:r>
+            <a:r>
+              <a:rPr lang="en-US" dirty="0"/>
+              <a:t> </a:t>
+            </a:r>
+            <a:r>
+              <a:rPr lang="en-US" dirty="0" err="1"/>
+              <a:t>kaznu</a:t>
+            </a:r>
+            <a:r>
+              <a:rPr lang="en-US" dirty="0"/>
+              <a:t> za </a:t>
+            </a:r>
+            <a:r>
+              <a:rPr lang="en-US" dirty="0" err="1"/>
+              <a:t>velike</a:t>
+            </a:r>
+            <a:r>
+              <a:rPr lang="en-US" dirty="0"/>
+              <a:t> </a:t>
+            </a:r>
+            <a:r>
+              <a:rPr lang="en-US" dirty="0" err="1"/>
+              <a:t>vrijednosti</a:t>
+            </a:r>
+            <a:r>
+              <a:rPr lang="en-US" dirty="0"/>
+              <a:t> </a:t>
+            </a:r>
+            <a:r>
+              <a:rPr lang="en-US" dirty="0" err="1"/>
+              <a:t>težina</a:t>
+            </a:r>
+            <a:r>
+              <a:rPr lang="en-US" dirty="0"/>
+              <a:t> u </a:t>
+            </a:r>
+            <a:r>
+              <a:rPr lang="en-US" dirty="0" err="1"/>
+              <a:t>modelu</a:t>
+            </a:r>
+            <a:r>
+              <a:rPr lang="en-US" dirty="0"/>
+              <a:t>, </a:t>
+            </a:r>
+            <a:r>
+              <a:rPr lang="en-US" dirty="0" err="1"/>
+              <a:t>što</a:t>
+            </a:r>
+            <a:r>
+              <a:rPr lang="en-US" dirty="0"/>
+              <a:t> </a:t>
+            </a:r>
+            <a:r>
+              <a:rPr lang="en-US" dirty="0" err="1"/>
+              <a:t>pomaže</a:t>
+            </a:r>
+            <a:r>
+              <a:rPr lang="en-US" dirty="0"/>
+              <a:t> da se </a:t>
+            </a:r>
+            <a:r>
+              <a:rPr lang="en-US" dirty="0" err="1"/>
+              <a:t>težine</a:t>
+            </a:r>
+            <a:r>
+              <a:rPr lang="en-US" dirty="0"/>
+              <a:t> </a:t>
+            </a:r>
+            <a:r>
+              <a:rPr lang="en-US" dirty="0" err="1"/>
+              <a:t>zadrže</a:t>
+            </a:r>
+            <a:r>
+              <a:rPr lang="en-US" dirty="0"/>
+              <a:t> </a:t>
+            </a:r>
+            <a:r>
+              <a:rPr lang="en-US" dirty="0" err="1"/>
+              <a:t>na</a:t>
+            </a:r>
+            <a:r>
+              <a:rPr lang="en-US" dirty="0"/>
+              <a:t> </a:t>
+            </a:r>
+            <a:r>
+              <a:rPr lang="en-US" dirty="0" err="1"/>
+              <a:t>malim</a:t>
+            </a:r>
+            <a:r>
+              <a:rPr lang="en-US" dirty="0"/>
+              <a:t> </a:t>
+            </a:r>
+            <a:r>
+              <a:rPr lang="en-US" dirty="0" err="1"/>
+              <a:t>vrijednostima</a:t>
+            </a:r>
+            <a:r>
+              <a:rPr lang="en-US" dirty="0"/>
+              <a:t> </a:t>
+            </a:r>
+            <a:r>
+              <a:rPr lang="en-US" dirty="0" err="1"/>
+              <a:t>i</a:t>
+            </a:r>
+            <a:r>
+              <a:rPr lang="en-US" dirty="0"/>
+              <a:t> time </a:t>
+            </a:r>
+            <a:r>
+              <a:rPr lang="en-US" dirty="0" err="1"/>
+              <a:t>poboljša</a:t>
+            </a:r>
+            <a:r>
+              <a:rPr lang="en-US" dirty="0"/>
+              <a:t> </a:t>
+            </a:r>
+            <a:r>
+              <a:rPr lang="en-US" dirty="0" err="1"/>
+              <a:t>generalizacija</a:t>
+            </a:r>
+            <a:r>
+              <a:rPr lang="en-US" dirty="0"/>
+              <a:t> </a:t>
+            </a:r>
+            <a:r>
+              <a:rPr lang="en-US" dirty="0" err="1"/>
+              <a:t>modela</a:t>
+            </a:r>
+            <a:r>
+              <a:rPr lang="en-US" dirty="0"/>
+              <a:t>.</a:t>
+            </a:r>
+          </a:p>
+        </p:txBody>
+      </p:sp>
+    </p:spTree>
+    <p:extLst>
+      <p:ext uri="{BB962C8B-B14F-4D97-AF65-F5344CB8AC3E}">
+        <p14:creationId xmlns:p14="http://schemas.microsoft.com/office/powerpoint/2010/main" val="3527758209"/>
+      </p:ext>
+    </p:extLst>
+  </p:cSld>
+  <p:clrMapOvr>
+    <a:masterClrMapping/>
+  </p:clrMapOvr>
+</p:sld>
+</file>
+
+<file path=ppt/slides/slide27.xml><?xml version="1.0" encoding="utf-8"?>
+<p:sld xmlns:a="http://schemas.openxmlformats.org/drawingml/2006/main" xmlns:r="http://schemas.openxmlformats.org/officeDocument/2006/relationships" xmlns:p="http://schemas.openxmlformats.org/presentationml/2006/main">
+  <p:cSld>
+    <p:spTree>
+      <p:nvGrpSpPr>
+        <p:cNvPr id="1" name=""/>
+        <p:cNvGrpSpPr/>
+        <p:nvPr/>
+      </p:nvGrpSpPr>
+      <p:grpSpPr>
+        <a:xfrm>
+          <a:off x="0" y="0"/>
+          <a:ext cx="0" cy="0"/>
+          <a:chOff x="0" y="0"/>
+          <a:chExt cx="0" cy="0"/>
+        </a:xfrm>
+      </p:grpSpPr>
+      <p:sp>
+        <p:nvSpPr>
+          <p:cNvPr id="2" name="Title 1">
+            <a:extLst>
+              <a:ext uri="{FF2B5EF4-FFF2-40B4-BE49-F238E27FC236}">
+                <a16:creationId xmlns:a16="http://schemas.microsoft.com/office/drawing/2014/main" id="{86E1DD07-6BF2-43A3-BCA4-C3B50FFE6CCE}"/>
+              </a:ext>
+            </a:extLst>
+          </p:cNvPr>
+          <p:cNvSpPr>
+            <a:spLocks noGrp="1"/>
+          </p:cNvSpPr>
+          <p:nvPr>
+            <p:ph type="title"/>
+          </p:nvPr>
+        </p:nvSpPr>
+        <p:spPr>
+          <a:xfrm>
+            <a:off x="838200" y="2766218"/>
+            <a:ext cx="10515600" cy="1325563"/>
+          </a:xfrm>
+        </p:spPr>
+        <p:txBody>
+          <a:bodyPr/>
+          <a:lstStyle/>
+          <a:p>
+            <a:pPr algn="ctr"/>
+            <a:r>
+              <a:rPr lang="sr-Latn-RS" dirty="0"/>
+              <a:t>CrossEntropyLoss</a:t>
+            </a:r>
+            <a:endParaRPr lang="en-US" dirty="0"/>
+          </a:p>
+        </p:txBody>
+      </p:sp>
+    </p:spTree>
+    <p:extLst>
+      <p:ext uri="{BB962C8B-B14F-4D97-AF65-F5344CB8AC3E}">
+        <p14:creationId xmlns:p14="http://schemas.microsoft.com/office/powerpoint/2010/main" val="1549781654"/>
+      </p:ext>
+    </p:extLst>
+  </p:cSld>
+  <p:clrMapOvr>
+    <a:masterClrMapping/>
+  </p:clrMapOvr>
+</p:sld>
+</file>
+
+<file path=ppt/slides/slide28.xml><?xml version="1.0" encoding="utf-8"?>
+<p:sld xmlns:a="http://schemas.openxmlformats.org/drawingml/2006/main" xmlns:r="http://schemas.openxmlformats.org/officeDocument/2006/relationships" xmlns:p="http://schemas.openxmlformats.org/presentationml/2006/main">
+  <p:cSld>
+    <p:spTree>
+      <p:nvGrpSpPr>
+        <p:cNvPr id="1" name=""/>
+        <p:cNvGrpSpPr/>
+        <p:nvPr/>
+      </p:nvGrpSpPr>
+      <p:grpSpPr>
+        <a:xfrm>
+          <a:off x="0" y="0"/>
+          <a:ext cx="0" cy="0"/>
+          <a:chOff x="0" y="0"/>
+          <a:chExt cx="0" cy="0"/>
+        </a:xfrm>
+      </p:grpSpPr>
+      <p:sp>
+        <p:nvSpPr>
+          <p:cNvPr id="4" name="Title 1">
+            <a:extLst>
+              <a:ext uri="{FF2B5EF4-FFF2-40B4-BE49-F238E27FC236}">
+                <a16:creationId xmlns:a16="http://schemas.microsoft.com/office/drawing/2014/main" id="{D8561C91-04D9-4A39-A781-26C91E83DE2E}"/>
+              </a:ext>
+            </a:extLst>
+          </p:cNvPr>
+          <p:cNvSpPr>
+            <a:spLocks noGrp="1"/>
+          </p:cNvSpPr>
+          <p:nvPr>
+            <p:ph idx="1"/>
+          </p:nvPr>
+        </p:nvSpPr>
+        <p:spPr>
+          <a:xfrm>
+            <a:off x="301625" y="207963"/>
+            <a:ext cx="11698288" cy="6456362"/>
+          </a:xfrm>
+        </p:spPr>
+        <p:txBody>
+          <a:bodyPr/>
+          <a:lstStyle/>
+          <a:p>
+            <a:r>
+              <a:rPr lang="en-US" b="1" dirty="0" err="1"/>
+              <a:t>CrossEntropyLoss</a:t>
+            </a:r>
+            <a:r>
+              <a:rPr lang="en-US" dirty="0"/>
+              <a:t> je </a:t>
+            </a:r>
+            <a:r>
+              <a:rPr lang="en-US" dirty="0" err="1"/>
+              <a:t>funkcija</a:t>
+            </a:r>
+            <a:r>
+              <a:rPr lang="en-US" dirty="0"/>
+              <a:t> </a:t>
+            </a:r>
+            <a:r>
+              <a:rPr lang="en-US" dirty="0" err="1"/>
+              <a:t>gubitka</a:t>
+            </a:r>
+            <a:r>
+              <a:rPr lang="en-US" dirty="0"/>
+              <a:t> </a:t>
+            </a:r>
+            <a:r>
+              <a:rPr lang="en-US" dirty="0" err="1"/>
+              <a:t>koja</a:t>
+            </a:r>
+            <a:r>
+              <a:rPr lang="en-US" dirty="0"/>
+              <a:t> se </a:t>
+            </a:r>
+            <a:r>
+              <a:rPr lang="en-US" dirty="0" err="1"/>
+              <a:t>često</a:t>
+            </a:r>
+            <a:r>
+              <a:rPr lang="en-US" dirty="0"/>
+              <a:t> </a:t>
+            </a:r>
+            <a:r>
+              <a:rPr lang="en-US" dirty="0" err="1"/>
+              <a:t>koristi</a:t>
+            </a:r>
+            <a:r>
+              <a:rPr lang="en-US" dirty="0"/>
+              <a:t> u </a:t>
+            </a:r>
+            <a:r>
+              <a:rPr lang="en-US" dirty="0" err="1"/>
+              <a:t>klasifikacijskim</a:t>
+            </a:r>
+            <a:r>
+              <a:rPr lang="en-US" dirty="0"/>
+              <a:t> </a:t>
+            </a:r>
+            <a:r>
+              <a:rPr lang="en-US" dirty="0" err="1"/>
+              <a:t>problemima</a:t>
+            </a:r>
+            <a:r>
+              <a:rPr lang="en-US" dirty="0"/>
+              <a:t>, </a:t>
+            </a:r>
+            <a:r>
+              <a:rPr lang="en-US" dirty="0" err="1"/>
+              <a:t>posebno</a:t>
+            </a:r>
+            <a:r>
+              <a:rPr lang="en-US" dirty="0"/>
+              <a:t> za </a:t>
+            </a:r>
+            <a:r>
+              <a:rPr lang="en-US" dirty="0" err="1"/>
+              <a:t>zadatke</a:t>
+            </a:r>
+            <a:r>
+              <a:rPr lang="en-US" dirty="0"/>
+              <a:t> </a:t>
+            </a:r>
+            <a:r>
+              <a:rPr lang="en-US" dirty="0" err="1"/>
+              <a:t>višeklasne</a:t>
+            </a:r>
+            <a:r>
+              <a:rPr lang="en-US" dirty="0"/>
+              <a:t> </a:t>
+            </a:r>
+            <a:r>
+              <a:rPr lang="en-US" dirty="0" err="1"/>
+              <a:t>klasifikacije</a:t>
+            </a:r>
+            <a:r>
+              <a:rPr lang="en-US" dirty="0"/>
+              <a:t>. Cross-Entropy Loss </a:t>
+            </a:r>
+            <a:r>
+              <a:rPr lang="en-US" dirty="0" err="1"/>
+              <a:t>mjeri</a:t>
+            </a:r>
+            <a:r>
+              <a:rPr lang="en-US" dirty="0"/>
+              <a:t> </a:t>
+            </a:r>
+            <a:r>
+              <a:rPr lang="en-US" dirty="0" err="1"/>
+              <a:t>razliku</a:t>
+            </a:r>
+            <a:r>
+              <a:rPr lang="en-US" dirty="0"/>
+              <a:t> </a:t>
+            </a:r>
+            <a:r>
+              <a:rPr lang="en-US" dirty="0" err="1"/>
+              <a:t>između</a:t>
+            </a:r>
+            <a:r>
+              <a:rPr lang="en-US" dirty="0"/>
+              <a:t> </a:t>
+            </a:r>
+            <a:r>
+              <a:rPr lang="en-US" dirty="0" err="1"/>
+              <a:t>dvije</a:t>
+            </a:r>
+            <a:r>
+              <a:rPr lang="en-US" dirty="0"/>
+              <a:t> </a:t>
+            </a:r>
+            <a:r>
+              <a:rPr lang="en-US" dirty="0" err="1"/>
+              <a:t>distribucije</a:t>
+            </a:r>
+            <a:r>
+              <a:rPr lang="en-US" dirty="0"/>
+              <a:t> - </a:t>
+            </a:r>
+            <a:r>
+              <a:rPr lang="en-US" dirty="0" err="1"/>
+              <a:t>stvarne</a:t>
+            </a:r>
+            <a:r>
+              <a:rPr lang="en-US" dirty="0"/>
+              <a:t> </a:t>
+            </a:r>
+            <a:r>
+              <a:rPr lang="en-US" dirty="0" err="1"/>
+              <a:t>distribucije</a:t>
+            </a:r>
+            <a:r>
+              <a:rPr lang="en-US" dirty="0"/>
+              <a:t> (</a:t>
+            </a:r>
+            <a:r>
+              <a:rPr lang="en-US" dirty="0" err="1"/>
+              <a:t>prave</a:t>
+            </a:r>
+            <a:r>
+              <a:rPr lang="en-US" dirty="0"/>
+              <a:t> </a:t>
+            </a:r>
+            <a:r>
+              <a:rPr lang="en-US" dirty="0" err="1"/>
+              <a:t>etikete</a:t>
+            </a:r>
+            <a:r>
+              <a:rPr lang="en-US" dirty="0"/>
+              <a:t>) </a:t>
+            </a:r>
+            <a:r>
+              <a:rPr lang="en-US" dirty="0" err="1"/>
+              <a:t>i</a:t>
+            </a:r>
+            <a:r>
+              <a:rPr lang="en-US" dirty="0"/>
+              <a:t> </a:t>
+            </a:r>
+            <a:r>
+              <a:rPr lang="en-US" dirty="0" err="1"/>
+              <a:t>predikcijske</a:t>
+            </a:r>
+            <a:r>
+              <a:rPr lang="en-US" dirty="0"/>
+              <a:t> </a:t>
+            </a:r>
+            <a:r>
+              <a:rPr lang="en-US" dirty="0" err="1"/>
+              <a:t>distribucije</a:t>
+            </a:r>
+            <a:r>
+              <a:rPr lang="en-US" dirty="0"/>
+              <a:t> (</a:t>
+            </a:r>
+            <a:r>
+              <a:rPr lang="sr-Latn-RS" dirty="0"/>
+              <a:t>vjerovatnoca</a:t>
+            </a:r>
+            <a:r>
+              <a:rPr lang="en-US" dirty="0"/>
+              <a:t> </a:t>
+            </a:r>
+            <a:r>
+              <a:rPr lang="en-US" dirty="0" err="1"/>
+              <a:t>predikcija</a:t>
+            </a:r>
+            <a:r>
+              <a:rPr lang="en-US" dirty="0"/>
+              <a:t> </a:t>
+            </a:r>
+            <a:r>
+              <a:rPr lang="en-US" dirty="0" err="1"/>
+              <a:t>modela</a:t>
+            </a:r>
+            <a:r>
+              <a:rPr lang="en-US" dirty="0"/>
+              <a:t>).</a:t>
+            </a:r>
+            <a:endParaRPr lang="sr-Latn-RS" dirty="0"/>
+          </a:p>
+          <a:p>
+            <a:r>
+              <a:rPr lang="en-US" dirty="0" err="1"/>
+              <a:t>CrossEntropyLoss</a:t>
+            </a:r>
+            <a:r>
+              <a:rPr lang="en-US" dirty="0"/>
+              <a:t> </a:t>
+            </a:r>
+            <a:r>
+              <a:rPr lang="en-US" dirty="0" err="1"/>
+              <a:t>funkcija</a:t>
+            </a:r>
+            <a:r>
+              <a:rPr lang="en-US" dirty="0"/>
+              <a:t> </a:t>
+            </a:r>
+            <a:r>
+              <a:rPr lang="en-US" dirty="0" err="1"/>
+              <a:t>kombinuje</a:t>
+            </a:r>
+            <a:r>
+              <a:rPr lang="en-US" dirty="0"/>
+              <a:t> </a:t>
+            </a:r>
+            <a:r>
+              <a:rPr lang="en-US" dirty="0" err="1"/>
+              <a:t>softmax</a:t>
+            </a:r>
+            <a:r>
+              <a:rPr lang="en-US" dirty="0"/>
+              <a:t> </a:t>
+            </a:r>
+            <a:r>
+              <a:rPr lang="en-US" dirty="0" err="1"/>
+              <a:t>i</a:t>
+            </a:r>
+            <a:r>
+              <a:rPr lang="en-US" dirty="0"/>
+              <a:t> </a:t>
+            </a:r>
+            <a:r>
+              <a:rPr lang="en-US" dirty="0" err="1"/>
+              <a:t>negativni</a:t>
+            </a:r>
+            <a:r>
+              <a:rPr lang="en-US" dirty="0"/>
+              <a:t> </a:t>
+            </a:r>
+            <a:r>
+              <a:rPr lang="en-US" dirty="0" err="1"/>
+              <a:t>logaritamski</a:t>
+            </a:r>
+            <a:r>
+              <a:rPr lang="en-US" dirty="0"/>
+              <a:t> </a:t>
+            </a:r>
+            <a:r>
+              <a:rPr lang="en-US" dirty="0" err="1"/>
+              <a:t>gubitak</a:t>
+            </a:r>
+            <a:r>
+              <a:rPr lang="en-US" dirty="0"/>
+              <a:t> (Negative Log Likelihood Loss).</a:t>
+            </a:r>
+            <a:endParaRPr lang="sr-Latn-RS" dirty="0"/>
+          </a:p>
+          <a:p>
+            <a:endParaRPr lang="en-US" dirty="0"/>
+          </a:p>
+        </p:txBody>
+      </p:sp>
+    </p:spTree>
+    <p:extLst>
+      <p:ext uri="{BB962C8B-B14F-4D97-AF65-F5344CB8AC3E}">
+        <p14:creationId xmlns:p14="http://schemas.microsoft.com/office/powerpoint/2010/main" val="3377911251"/>
+      </p:ext>
+    </p:extLst>
+  </p:cSld>
+  <p:clrMapOvr>
+    <a:masterClrMapping/>
+  </p:clrMapOvr>
+</p:sld>
+</file>
+
+<file path=ppt/slides/slide29.xml><?xml version="1.0" encoding="utf-8"?>
+<p:sld xmlns:a="http://schemas.openxmlformats.org/drawingml/2006/main" xmlns:r="http://schemas.openxmlformats.org/officeDocument/2006/relationships" xmlns:p="http://schemas.openxmlformats.org/presentationml/2006/main">
+  <p:cSld>
+    <p:spTree>
+      <p:nvGrpSpPr>
+        <p:cNvPr id="1" name=""/>
+        <p:cNvGrpSpPr/>
+        <p:nvPr/>
+      </p:nvGrpSpPr>
+      <p:grpSpPr>
+        <a:xfrm>
+          <a:off x="0" y="0"/>
+          <a:ext cx="0" cy="0"/>
+          <a:chOff x="0" y="0"/>
+          <a:chExt cx="0" cy="0"/>
+        </a:xfrm>
+      </p:grpSpPr>
+      <p:sp>
+        <p:nvSpPr>
+          <p:cNvPr id="2" name="Title 1">
+            <a:extLst>
+              <a:ext uri="{FF2B5EF4-FFF2-40B4-BE49-F238E27FC236}">
+                <a16:creationId xmlns:a16="http://schemas.microsoft.com/office/drawing/2014/main" id="{C493EA90-9A32-473D-8196-C4FF4247D68C}"/>
+              </a:ext>
+            </a:extLst>
+          </p:cNvPr>
+          <p:cNvSpPr>
+            <a:spLocks noGrp="1"/>
+          </p:cNvSpPr>
+          <p:nvPr>
+            <p:ph type="title"/>
+          </p:nvPr>
+        </p:nvSpPr>
+        <p:spPr>
+          <a:xfrm>
+            <a:off x="838200" y="2766218"/>
+            <a:ext cx="10515600" cy="1325563"/>
+          </a:xfrm>
+        </p:spPr>
+        <p:txBody>
+          <a:bodyPr/>
+          <a:lstStyle/>
+          <a:p>
+            <a:pPr algn="ctr"/>
+            <a:r>
+              <a:rPr lang="sr-Latn-RS" dirty="0"/>
+              <a:t>Adam</a:t>
+            </a:r>
+            <a:endParaRPr lang="en-US" dirty="0"/>
+          </a:p>
+        </p:txBody>
+      </p:sp>
+    </p:spTree>
+    <p:extLst>
+      <p:ext uri="{BB962C8B-B14F-4D97-AF65-F5344CB8AC3E}">
+        <p14:creationId xmlns:p14="http://schemas.microsoft.com/office/powerpoint/2010/main" val="1013040642"/>
       </p:ext>
     </p:extLst>
   </p:cSld>
@@ -4464,6 +10900,2607 @@
     <p:extLst>
       <p:ext uri="{BB962C8B-B14F-4D97-AF65-F5344CB8AC3E}">
         <p14:creationId xmlns:p14="http://schemas.microsoft.com/office/powerpoint/2010/main" val="2385084814"/>
+      </p:ext>
+    </p:extLst>
+  </p:cSld>
+  <p:clrMapOvr>
+    <a:masterClrMapping/>
+  </p:clrMapOvr>
+</p:sld>
+</file>
+
+<file path=ppt/slides/slide30.xml><?xml version="1.0" encoding="utf-8"?>
+<p:sld xmlns:a="http://schemas.openxmlformats.org/drawingml/2006/main" xmlns:r="http://schemas.openxmlformats.org/officeDocument/2006/relationships" xmlns:p="http://schemas.openxmlformats.org/presentationml/2006/main">
+  <p:cSld>
+    <p:spTree>
+      <p:nvGrpSpPr>
+        <p:cNvPr id="1" name=""/>
+        <p:cNvGrpSpPr/>
+        <p:nvPr/>
+      </p:nvGrpSpPr>
+      <p:grpSpPr>
+        <a:xfrm>
+          <a:off x="0" y="0"/>
+          <a:ext cx="0" cy="0"/>
+          <a:chOff x="0" y="0"/>
+          <a:chExt cx="0" cy="0"/>
+        </a:xfrm>
+      </p:grpSpPr>
+      <p:sp>
+        <p:nvSpPr>
+          <p:cNvPr id="3" name="Content Placeholder 2">
+            <a:extLst>
+              <a:ext uri="{FF2B5EF4-FFF2-40B4-BE49-F238E27FC236}">
+                <a16:creationId xmlns:a16="http://schemas.microsoft.com/office/drawing/2014/main" id="{40073A78-ECBD-49BA-9FAA-B66112F694BA}"/>
+              </a:ext>
+            </a:extLst>
+          </p:cNvPr>
+          <p:cNvSpPr>
+            <a:spLocks noGrp="1"/>
+          </p:cNvSpPr>
+          <p:nvPr>
+            <p:ph idx="1"/>
+          </p:nvPr>
+        </p:nvSpPr>
+        <p:spPr>
+          <a:xfrm>
+            <a:off x="292231" y="197963"/>
+            <a:ext cx="11642103" cy="6429080"/>
+          </a:xfrm>
+        </p:spPr>
+        <p:txBody>
+          <a:bodyPr/>
+          <a:lstStyle/>
+          <a:p>
+            <a:r>
+              <a:rPr lang="en-US" b="1" dirty="0"/>
+              <a:t>Adam (short for Adaptive Moment Estimation) </a:t>
+            </a:r>
+            <a:r>
+              <a:rPr lang="en-US" dirty="0"/>
+              <a:t>je </a:t>
+            </a:r>
+            <a:r>
+              <a:rPr lang="en-US" dirty="0" err="1"/>
+              <a:t>jedan</a:t>
+            </a:r>
+            <a:r>
+              <a:rPr lang="en-US" dirty="0"/>
+              <a:t> od </a:t>
+            </a:r>
+            <a:r>
+              <a:rPr lang="en-US" dirty="0" err="1"/>
+              <a:t>najpopularnijih</a:t>
+            </a:r>
+            <a:r>
+              <a:rPr lang="en-US" dirty="0"/>
+              <a:t> </a:t>
+            </a:r>
+            <a:r>
+              <a:rPr lang="en-US" dirty="0" err="1"/>
+              <a:t>optimizatora</a:t>
+            </a:r>
+            <a:r>
+              <a:rPr lang="en-US" dirty="0"/>
+              <a:t> koji se </a:t>
+            </a:r>
+            <a:r>
+              <a:rPr lang="en-US" dirty="0" err="1"/>
+              <a:t>koristi</a:t>
+            </a:r>
+            <a:r>
+              <a:rPr lang="en-US" dirty="0"/>
+              <a:t> u </a:t>
+            </a:r>
+            <a:r>
+              <a:rPr lang="en-US" dirty="0" err="1"/>
+              <a:t>treniranju</a:t>
+            </a:r>
+            <a:r>
+              <a:rPr lang="en-US" dirty="0"/>
+              <a:t> </a:t>
+            </a:r>
+            <a:r>
+              <a:rPr lang="en-US" dirty="0" err="1"/>
+              <a:t>neuronskih</a:t>
+            </a:r>
+            <a:r>
+              <a:rPr lang="en-US" dirty="0"/>
+              <a:t> </a:t>
+            </a:r>
+            <a:r>
+              <a:rPr lang="en-US" dirty="0" err="1"/>
+              <a:t>mreža</a:t>
+            </a:r>
+            <a:r>
+              <a:rPr lang="en-US" dirty="0"/>
+              <a:t>. </a:t>
+            </a:r>
+            <a:r>
+              <a:rPr lang="en-US" dirty="0" err="1"/>
+              <a:t>Kombinuje</a:t>
+            </a:r>
+            <a:r>
+              <a:rPr lang="en-US" dirty="0"/>
+              <a:t> </a:t>
+            </a:r>
+            <a:r>
+              <a:rPr lang="en-US" dirty="0" err="1"/>
+              <a:t>ideje</a:t>
+            </a:r>
+            <a:r>
+              <a:rPr lang="en-US" dirty="0"/>
+              <a:t> </a:t>
+            </a:r>
+            <a:r>
+              <a:rPr lang="en-US" dirty="0" err="1"/>
+              <a:t>iz</a:t>
+            </a:r>
+            <a:r>
+              <a:rPr lang="en-US" dirty="0"/>
+              <a:t> </a:t>
+            </a:r>
+            <a:r>
+              <a:rPr lang="en-US" dirty="0" err="1"/>
+              <a:t>RMSProp</a:t>
+            </a:r>
+            <a:r>
+              <a:rPr lang="en-US" dirty="0"/>
+              <a:t> </a:t>
+            </a:r>
+            <a:r>
+              <a:rPr lang="en-US" dirty="0" err="1"/>
+              <a:t>i</a:t>
+            </a:r>
+            <a:r>
+              <a:rPr lang="en-US" dirty="0"/>
+              <a:t> Stochastic Gradient Descent with Momentum. Adam </a:t>
+            </a:r>
+            <a:r>
+              <a:rPr lang="en-US" dirty="0" err="1"/>
+              <a:t>koristi</a:t>
+            </a:r>
+            <a:r>
+              <a:rPr lang="en-US" dirty="0"/>
+              <a:t> </a:t>
+            </a:r>
+            <a:r>
+              <a:rPr lang="en-US" dirty="0" err="1"/>
+              <a:t>prilagodljive</a:t>
+            </a:r>
+            <a:r>
+              <a:rPr lang="en-US" dirty="0"/>
+              <a:t> stope </a:t>
+            </a:r>
+            <a:r>
+              <a:rPr lang="en-US" dirty="0" err="1"/>
+              <a:t>učenja</a:t>
+            </a:r>
+            <a:r>
+              <a:rPr lang="en-US" dirty="0"/>
+              <a:t> za </a:t>
+            </a:r>
+            <a:r>
+              <a:rPr lang="en-US" dirty="0" err="1"/>
+              <a:t>svaki</a:t>
+            </a:r>
+            <a:r>
+              <a:rPr lang="en-US" dirty="0"/>
+              <a:t> </a:t>
+            </a:r>
+            <a:r>
+              <a:rPr lang="en-US" dirty="0" err="1"/>
+              <a:t>parametar</a:t>
+            </a:r>
+            <a:r>
+              <a:rPr lang="en-US" dirty="0"/>
+              <a:t>, </a:t>
+            </a:r>
+            <a:r>
+              <a:rPr lang="en-US" dirty="0" err="1"/>
+              <a:t>što</a:t>
+            </a:r>
+            <a:r>
+              <a:rPr lang="en-US" dirty="0"/>
+              <a:t> ga </a:t>
+            </a:r>
+            <a:r>
+              <a:rPr lang="en-US" dirty="0" err="1"/>
+              <a:t>čini</a:t>
+            </a:r>
+            <a:r>
+              <a:rPr lang="en-US" dirty="0"/>
+              <a:t> </a:t>
+            </a:r>
+            <a:r>
+              <a:rPr lang="en-US" dirty="0" err="1"/>
+              <a:t>vrlo</a:t>
+            </a:r>
+            <a:r>
+              <a:rPr lang="en-US" dirty="0"/>
+              <a:t> </a:t>
+            </a:r>
+            <a:r>
+              <a:rPr lang="en-US" dirty="0" err="1"/>
+              <a:t>efikasnim</a:t>
+            </a:r>
+            <a:r>
+              <a:rPr lang="en-US" dirty="0"/>
+              <a:t> </a:t>
+            </a:r>
+            <a:r>
+              <a:rPr lang="en-US" dirty="0" err="1"/>
+              <a:t>i</a:t>
+            </a:r>
+            <a:r>
+              <a:rPr lang="en-US" dirty="0"/>
+              <a:t> </a:t>
+            </a:r>
+            <a:r>
+              <a:rPr lang="en-US" dirty="0" err="1"/>
+              <a:t>robusnim</a:t>
+            </a:r>
+            <a:r>
+              <a:rPr lang="en-US" dirty="0"/>
+              <a:t>.</a:t>
+            </a:r>
+            <a:endParaRPr lang="sr-Latn-RS" dirty="0"/>
+          </a:p>
+          <a:p>
+            <a:pPr lvl="1"/>
+            <a:r>
+              <a:rPr lang="en-US" b="1" dirty="0" err="1"/>
+              <a:t>Adaptivno</a:t>
+            </a:r>
+            <a:r>
+              <a:rPr lang="en-US" b="1" dirty="0"/>
+              <a:t> </a:t>
+            </a:r>
+            <a:r>
+              <a:rPr lang="en-US" b="1" dirty="0" err="1"/>
+              <a:t>Učenje</a:t>
+            </a:r>
+            <a:r>
+              <a:rPr lang="en-US" b="1" dirty="0"/>
+              <a:t>:</a:t>
+            </a:r>
+            <a:r>
+              <a:rPr lang="en-US" dirty="0"/>
+              <a:t> Adam </a:t>
+            </a:r>
+            <a:r>
+              <a:rPr lang="en-US" dirty="0" err="1"/>
+              <a:t>održava</a:t>
+            </a:r>
+            <a:r>
+              <a:rPr lang="en-US" dirty="0"/>
+              <a:t> </a:t>
+            </a:r>
+            <a:r>
+              <a:rPr lang="en-US" dirty="0" err="1"/>
+              <a:t>različite</a:t>
+            </a:r>
+            <a:r>
+              <a:rPr lang="en-US" dirty="0"/>
+              <a:t> stope </a:t>
+            </a:r>
+            <a:r>
+              <a:rPr lang="en-US" dirty="0" err="1"/>
+              <a:t>učenja</a:t>
+            </a:r>
+            <a:r>
+              <a:rPr lang="en-US" dirty="0"/>
+              <a:t> za </a:t>
+            </a:r>
+            <a:r>
+              <a:rPr lang="en-US" dirty="0" err="1"/>
+              <a:t>svaki</a:t>
+            </a:r>
+            <a:r>
+              <a:rPr lang="en-US" dirty="0"/>
+              <a:t> </a:t>
+            </a:r>
+            <a:r>
+              <a:rPr lang="en-US" dirty="0" err="1"/>
+              <a:t>parametar</a:t>
+            </a:r>
+            <a:r>
+              <a:rPr lang="en-US" dirty="0"/>
+              <a:t> </a:t>
+            </a:r>
+            <a:r>
+              <a:rPr lang="en-US" dirty="0" err="1"/>
+              <a:t>na</a:t>
+            </a:r>
+            <a:r>
+              <a:rPr lang="en-US" dirty="0"/>
+              <a:t> </a:t>
+            </a:r>
+            <a:r>
+              <a:rPr lang="en-US" dirty="0" err="1"/>
+              <a:t>osnovu</a:t>
+            </a:r>
+            <a:r>
+              <a:rPr lang="en-US" dirty="0"/>
+              <a:t> </a:t>
+            </a:r>
+            <a:r>
+              <a:rPr lang="en-US" dirty="0" err="1"/>
+              <a:t>prve</a:t>
+            </a:r>
+            <a:r>
+              <a:rPr lang="en-US" dirty="0"/>
+              <a:t> </a:t>
+            </a:r>
+            <a:r>
+              <a:rPr lang="en-US" dirty="0" err="1"/>
+              <a:t>i</a:t>
+            </a:r>
+            <a:r>
+              <a:rPr lang="en-US" dirty="0"/>
+              <a:t> </a:t>
+            </a:r>
+            <a:r>
+              <a:rPr lang="en-US" dirty="0" err="1"/>
+              <a:t>druge</a:t>
+            </a:r>
+            <a:r>
+              <a:rPr lang="en-US" dirty="0"/>
+              <a:t> </a:t>
+            </a:r>
+            <a:r>
+              <a:rPr lang="en-US" dirty="0" err="1"/>
+              <a:t>trenutne</a:t>
+            </a:r>
+            <a:r>
+              <a:rPr lang="en-US" dirty="0"/>
+              <a:t> </a:t>
+            </a:r>
+            <a:r>
+              <a:rPr lang="en-US" dirty="0" err="1"/>
+              <a:t>procene</a:t>
+            </a:r>
+            <a:r>
+              <a:rPr lang="en-US" dirty="0"/>
+              <a:t> </a:t>
+            </a:r>
+            <a:r>
+              <a:rPr lang="en-US" dirty="0" err="1"/>
+              <a:t>gradijenta</a:t>
+            </a:r>
+            <a:r>
+              <a:rPr lang="en-US" dirty="0"/>
+              <a:t> (momentum </a:t>
+            </a:r>
+            <a:r>
+              <a:rPr lang="en-US" dirty="0" err="1"/>
+              <a:t>i</a:t>
+            </a:r>
+            <a:r>
+              <a:rPr lang="en-US" dirty="0"/>
+              <a:t> </a:t>
+            </a:r>
+            <a:r>
+              <a:rPr lang="en-US" dirty="0" err="1"/>
+              <a:t>RMSProp</a:t>
+            </a:r>
+            <a:r>
+              <a:rPr lang="en-US" dirty="0"/>
+              <a:t> </a:t>
+            </a:r>
+            <a:r>
+              <a:rPr lang="en-US" dirty="0" err="1"/>
+              <a:t>komponente</a:t>
+            </a:r>
+            <a:r>
+              <a:rPr lang="en-US" dirty="0"/>
+              <a:t>).</a:t>
+            </a:r>
+            <a:endParaRPr lang="sr-Latn-RS" dirty="0"/>
+          </a:p>
+          <a:p>
+            <a:pPr lvl="1"/>
+            <a:r>
+              <a:rPr lang="en-US" b="1" dirty="0"/>
+              <a:t>Prva </a:t>
+            </a:r>
+            <a:r>
+              <a:rPr lang="en-US" b="1" dirty="0" err="1"/>
+              <a:t>i</a:t>
+            </a:r>
+            <a:r>
+              <a:rPr lang="en-US" b="1" dirty="0"/>
+              <a:t> Druga </a:t>
+            </a:r>
+            <a:r>
+              <a:rPr lang="en-US" b="1" dirty="0" err="1"/>
+              <a:t>Trenutna</a:t>
+            </a:r>
+            <a:r>
+              <a:rPr lang="en-US" b="1" dirty="0"/>
+              <a:t> </a:t>
+            </a:r>
+            <a:r>
+              <a:rPr lang="en-US" b="1" dirty="0" err="1"/>
+              <a:t>Procena</a:t>
+            </a:r>
+            <a:r>
+              <a:rPr lang="en-US" b="1" dirty="0"/>
+              <a:t>:</a:t>
+            </a:r>
+            <a:r>
+              <a:rPr lang="en-US" dirty="0"/>
+              <a:t> Adam </a:t>
+            </a:r>
+            <a:r>
+              <a:rPr lang="en-US" dirty="0" err="1"/>
+              <a:t>koristi</a:t>
+            </a:r>
+            <a:r>
+              <a:rPr lang="en-US" dirty="0"/>
+              <a:t> </a:t>
+            </a:r>
+            <a:r>
+              <a:rPr lang="en-US" dirty="0" err="1"/>
+              <a:t>eksponencijalno</a:t>
+            </a:r>
+            <a:r>
+              <a:rPr lang="en-US" dirty="0"/>
+              <a:t> </a:t>
+            </a:r>
+            <a:r>
+              <a:rPr lang="en-US" dirty="0" err="1"/>
+              <a:t>ponderisane</a:t>
+            </a:r>
+            <a:r>
+              <a:rPr lang="en-US" dirty="0"/>
+              <a:t> </a:t>
+            </a:r>
+            <a:r>
+              <a:rPr lang="en-US" dirty="0" err="1"/>
+              <a:t>pokretne</a:t>
+            </a:r>
+            <a:r>
+              <a:rPr lang="en-US" dirty="0"/>
+              <a:t> </a:t>
+            </a:r>
+            <a:r>
+              <a:rPr lang="en-US" dirty="0" err="1"/>
+              <a:t>proseke</a:t>
+            </a:r>
+            <a:r>
+              <a:rPr lang="en-US" dirty="0"/>
+              <a:t> </a:t>
+            </a:r>
+            <a:r>
+              <a:rPr lang="en-US" dirty="0" err="1"/>
+              <a:t>prvog</a:t>
+            </a:r>
+            <a:r>
+              <a:rPr lang="en-US" dirty="0"/>
+              <a:t> </a:t>
+            </a:r>
+            <a:r>
+              <a:rPr lang="en-US" dirty="0" err="1"/>
+              <a:t>trenutka</a:t>
+            </a:r>
+            <a:r>
+              <a:rPr lang="en-US" dirty="0"/>
+              <a:t> (</a:t>
+            </a:r>
+            <a:r>
+              <a:rPr lang="en-US" dirty="0" err="1"/>
+              <a:t>srednje</a:t>
+            </a:r>
+            <a:r>
+              <a:rPr lang="en-US" dirty="0"/>
+              <a:t> </a:t>
+            </a:r>
+            <a:r>
+              <a:rPr lang="en-US" dirty="0" err="1"/>
+              <a:t>vrednosti</a:t>
+            </a:r>
+            <a:r>
+              <a:rPr lang="en-US" dirty="0"/>
+              <a:t>) </a:t>
+            </a:r>
+            <a:r>
+              <a:rPr lang="en-US" dirty="0" err="1"/>
+              <a:t>i</a:t>
+            </a:r>
+            <a:r>
+              <a:rPr lang="en-US" dirty="0"/>
+              <a:t> </a:t>
+            </a:r>
+            <a:r>
+              <a:rPr lang="en-US" dirty="0" err="1"/>
+              <a:t>drugog</a:t>
+            </a:r>
+            <a:r>
+              <a:rPr lang="en-US" dirty="0"/>
+              <a:t> </a:t>
+            </a:r>
+            <a:r>
+              <a:rPr lang="en-US" dirty="0" err="1"/>
+              <a:t>trenutka</a:t>
+            </a:r>
+            <a:r>
+              <a:rPr lang="en-US" dirty="0"/>
+              <a:t> (</a:t>
+            </a:r>
+            <a:r>
+              <a:rPr lang="en-US" dirty="0" err="1"/>
+              <a:t>kvadrat</a:t>
+            </a:r>
+            <a:r>
+              <a:rPr lang="en-US" dirty="0"/>
+              <a:t> </a:t>
+            </a:r>
+            <a:r>
+              <a:rPr lang="en-US" dirty="0" err="1"/>
+              <a:t>srednje</a:t>
+            </a:r>
+            <a:r>
+              <a:rPr lang="en-US" dirty="0"/>
+              <a:t> </a:t>
+            </a:r>
+            <a:r>
+              <a:rPr lang="en-US" dirty="0" err="1"/>
+              <a:t>vrednosti</a:t>
+            </a:r>
+            <a:r>
+              <a:rPr lang="en-US" dirty="0"/>
+              <a:t>) </a:t>
+            </a:r>
+            <a:r>
+              <a:rPr lang="en-US" dirty="0" err="1"/>
+              <a:t>gradijenta</a:t>
+            </a:r>
+            <a:r>
+              <a:rPr lang="en-US" dirty="0"/>
+              <a:t>.</a:t>
+            </a:r>
+          </a:p>
+        </p:txBody>
+      </p:sp>
+    </p:spTree>
+    <p:extLst>
+      <p:ext uri="{BB962C8B-B14F-4D97-AF65-F5344CB8AC3E}">
+        <p14:creationId xmlns:p14="http://schemas.microsoft.com/office/powerpoint/2010/main" val="1121531128"/>
+      </p:ext>
+    </p:extLst>
+  </p:cSld>
+  <p:clrMapOvr>
+    <a:masterClrMapping/>
+  </p:clrMapOvr>
+</p:sld>
+</file>
+
+<file path=ppt/slides/slide31.xml><?xml version="1.0" encoding="utf-8"?>
+<p:sld xmlns:a="http://schemas.openxmlformats.org/drawingml/2006/main" xmlns:r="http://schemas.openxmlformats.org/officeDocument/2006/relationships" xmlns:p="http://schemas.openxmlformats.org/presentationml/2006/main">
+  <p:cSld>
+    <p:spTree>
+      <p:nvGrpSpPr>
+        <p:cNvPr id="1" name=""/>
+        <p:cNvGrpSpPr/>
+        <p:nvPr/>
+      </p:nvGrpSpPr>
+      <p:grpSpPr>
+        <a:xfrm>
+          <a:off x="0" y="0"/>
+          <a:ext cx="0" cy="0"/>
+          <a:chOff x="0" y="0"/>
+          <a:chExt cx="0" cy="0"/>
+        </a:xfrm>
+      </p:grpSpPr>
+      <p:sp>
+        <p:nvSpPr>
+          <p:cNvPr id="2" name="Title 1">
+            <a:extLst>
+              <a:ext uri="{FF2B5EF4-FFF2-40B4-BE49-F238E27FC236}">
+                <a16:creationId xmlns:a16="http://schemas.microsoft.com/office/drawing/2014/main" id="{AA2B58BD-B22B-4285-9ED8-A033FE3266B7}"/>
+              </a:ext>
+            </a:extLst>
+          </p:cNvPr>
+          <p:cNvSpPr>
+            <a:spLocks noGrp="1"/>
+          </p:cNvSpPr>
+          <p:nvPr>
+            <p:ph type="title"/>
+          </p:nvPr>
+        </p:nvSpPr>
+        <p:spPr/>
+        <p:txBody>
+          <a:bodyPr/>
+          <a:lstStyle/>
+          <a:p>
+            <a:pPr algn="ctr"/>
+            <a:r>
+              <a:rPr lang="sr-Latn-RS" dirty="0"/>
+              <a:t>Problemi neujednačenosti klasa</a:t>
+            </a:r>
+            <a:br>
+              <a:rPr lang="sr-Latn-RS" dirty="0"/>
+            </a:br>
+            <a:r>
+              <a:rPr lang="sr-Latn-RS" sz="3200" dirty="0"/>
+              <a:t>Rješenja:</a:t>
+            </a:r>
+            <a:endParaRPr lang="en-US" dirty="0"/>
+          </a:p>
+        </p:txBody>
+      </p:sp>
+      <p:sp>
+        <p:nvSpPr>
+          <p:cNvPr id="3" name="Content Placeholder 2">
+            <a:extLst>
+              <a:ext uri="{FF2B5EF4-FFF2-40B4-BE49-F238E27FC236}">
+                <a16:creationId xmlns:a16="http://schemas.microsoft.com/office/drawing/2014/main" id="{83B8F25B-753D-40AA-BD96-7317B5EBD61C}"/>
+              </a:ext>
+            </a:extLst>
+          </p:cNvPr>
+          <p:cNvSpPr>
+            <a:spLocks noGrp="1"/>
+          </p:cNvSpPr>
+          <p:nvPr>
+            <p:ph idx="1"/>
+          </p:nvPr>
+        </p:nvSpPr>
+        <p:spPr/>
+        <p:txBody>
+          <a:bodyPr/>
+          <a:lstStyle/>
+          <a:p>
+            <a:pPr marL="514350" indent="-514350">
+              <a:buFont typeface="+mj-lt"/>
+              <a:buAutoNum type="arabicPeriod"/>
+            </a:pPr>
+            <a:r>
+              <a:rPr lang="sr-Latn-RS" dirty="0"/>
+              <a:t>Smote</a:t>
+            </a:r>
+          </a:p>
+          <a:p>
+            <a:pPr marL="514350" indent="-514350">
+              <a:buFont typeface="+mj-lt"/>
+              <a:buAutoNum type="arabicPeriod"/>
+            </a:pPr>
+            <a:r>
+              <a:rPr lang="sr-Latn-RS" dirty="0"/>
+              <a:t>Adasyn</a:t>
+            </a:r>
+          </a:p>
+          <a:p>
+            <a:pPr marL="514350" indent="-514350">
+              <a:buFont typeface="+mj-lt"/>
+              <a:buAutoNum type="arabicPeriod"/>
+            </a:pPr>
+            <a:r>
+              <a:rPr lang="sr-Latn-RS" dirty="0"/>
+              <a:t>O</a:t>
+            </a:r>
+            <a:r>
+              <a:rPr lang="en-US" dirty="0" err="1"/>
+              <a:t>versampling</a:t>
+            </a:r>
+            <a:endParaRPr lang="en-US" dirty="0"/>
+          </a:p>
+        </p:txBody>
+      </p:sp>
+      <p:pic>
+        <p:nvPicPr>
+          <p:cNvPr id="5" name="Picture 4">
+            <a:extLst>
+              <a:ext uri="{FF2B5EF4-FFF2-40B4-BE49-F238E27FC236}">
+                <a16:creationId xmlns:a16="http://schemas.microsoft.com/office/drawing/2014/main" id="{1CE5C0CC-7B7F-4E15-B701-39F42B61D8C8}"/>
+              </a:ext>
+            </a:extLst>
+          </p:cNvPr>
+          <p:cNvPicPr>
+            <a:picLocks noChangeAspect="1"/>
+          </p:cNvPicPr>
+          <p:nvPr/>
+        </p:nvPicPr>
+        <p:blipFill>
+          <a:blip r:embed="rId2"/>
+          <a:stretch>
+            <a:fillRect/>
+          </a:stretch>
+        </p:blipFill>
+        <p:spPr>
+          <a:xfrm>
+            <a:off x="5194228" y="2115094"/>
+            <a:ext cx="4798184" cy="3772399"/>
+          </a:xfrm>
+          <a:prstGeom prst="rect">
+            <a:avLst/>
+          </a:prstGeom>
+        </p:spPr>
+      </p:pic>
+    </p:spTree>
+    <p:extLst>
+      <p:ext uri="{BB962C8B-B14F-4D97-AF65-F5344CB8AC3E}">
+        <p14:creationId xmlns:p14="http://schemas.microsoft.com/office/powerpoint/2010/main" val="3016854"/>
+      </p:ext>
+    </p:extLst>
+  </p:cSld>
+  <p:clrMapOvr>
+    <a:masterClrMapping/>
+  </p:clrMapOvr>
+</p:sld>
+</file>
+
+<file path=ppt/slides/slide32.xml><?xml version="1.0" encoding="utf-8"?>
+<p:sld xmlns:a="http://schemas.openxmlformats.org/drawingml/2006/main" xmlns:r="http://schemas.openxmlformats.org/officeDocument/2006/relationships" xmlns:p="http://schemas.openxmlformats.org/presentationml/2006/main">
+  <p:cSld>
+    <p:spTree>
+      <p:nvGrpSpPr>
+        <p:cNvPr id="1" name=""/>
+        <p:cNvGrpSpPr/>
+        <p:nvPr/>
+      </p:nvGrpSpPr>
+      <p:grpSpPr>
+        <a:xfrm>
+          <a:off x="0" y="0"/>
+          <a:ext cx="0" cy="0"/>
+          <a:chOff x="0" y="0"/>
+          <a:chExt cx="0" cy="0"/>
+        </a:xfrm>
+      </p:grpSpPr>
+      <p:sp>
+        <p:nvSpPr>
+          <p:cNvPr id="4" name="Title 1">
+            <a:extLst>
+              <a:ext uri="{FF2B5EF4-FFF2-40B4-BE49-F238E27FC236}">
+                <a16:creationId xmlns:a16="http://schemas.microsoft.com/office/drawing/2014/main" id="{1B61A638-2832-41F4-9E2F-39BF0E628929}"/>
+              </a:ext>
+            </a:extLst>
+          </p:cNvPr>
+          <p:cNvSpPr>
+            <a:spLocks noGrp="1"/>
+          </p:cNvSpPr>
+          <p:nvPr>
+            <p:ph idx="1"/>
+          </p:nvPr>
+        </p:nvSpPr>
+        <p:spPr>
+          <a:xfrm>
+            <a:off x="254000" y="217488"/>
+            <a:ext cx="11709400" cy="6437312"/>
+          </a:xfrm>
+        </p:spPr>
+        <p:txBody>
+          <a:bodyPr>
+            <a:normAutofit fontScale="92500" lnSpcReduction="20000"/>
+          </a:bodyPr>
+          <a:lstStyle/>
+          <a:p>
+            <a:r>
+              <a:rPr lang="en-US" sz="2400" b="1" dirty="0"/>
+              <a:t>SMOTE</a:t>
+            </a:r>
+            <a:r>
+              <a:rPr lang="en-US" sz="2400" dirty="0"/>
+              <a:t> (Synthetic Minority Over-sampling Technique) je </a:t>
+            </a:r>
+            <a:r>
+              <a:rPr lang="en-US" sz="2400" dirty="0" err="1"/>
+              <a:t>napredna</a:t>
+            </a:r>
+            <a:r>
+              <a:rPr lang="en-US" sz="2400" dirty="0"/>
+              <a:t> </a:t>
+            </a:r>
+            <a:r>
+              <a:rPr lang="en-US" sz="2400" dirty="0" err="1"/>
+              <a:t>tehnika</a:t>
+            </a:r>
+            <a:r>
+              <a:rPr lang="en-US" sz="2400" dirty="0"/>
+              <a:t> za </a:t>
+            </a:r>
+            <a:r>
+              <a:rPr lang="en-US" sz="2400" dirty="0" err="1"/>
+              <a:t>rešavanje</a:t>
+            </a:r>
+            <a:r>
+              <a:rPr lang="en-US" sz="2400" dirty="0"/>
+              <a:t> </a:t>
+            </a:r>
+            <a:r>
+              <a:rPr lang="en-US" sz="2400" dirty="0" err="1"/>
+              <a:t>problema</a:t>
+            </a:r>
+            <a:r>
+              <a:rPr lang="en-US" sz="2400" dirty="0"/>
+              <a:t> </a:t>
+            </a:r>
+            <a:r>
+              <a:rPr lang="en-US" sz="2400" dirty="0" err="1"/>
+              <a:t>neujednačenosti</a:t>
+            </a:r>
+            <a:r>
+              <a:rPr lang="en-US" sz="2400" dirty="0"/>
+              <a:t> </a:t>
+            </a:r>
+            <a:r>
+              <a:rPr lang="en-US" sz="2400" dirty="0" err="1"/>
+              <a:t>klasa</a:t>
+            </a:r>
+            <a:r>
+              <a:rPr lang="en-US" sz="2400" dirty="0"/>
+              <a:t>, </a:t>
+            </a:r>
+            <a:r>
+              <a:rPr lang="en-US" sz="2400" dirty="0" err="1"/>
+              <a:t>koja</a:t>
+            </a:r>
+            <a:r>
+              <a:rPr lang="en-US" sz="2400" dirty="0"/>
+              <a:t> se </a:t>
+            </a:r>
+            <a:r>
+              <a:rPr lang="en-US" sz="2400" dirty="0" err="1"/>
+              <a:t>koristi</a:t>
+            </a:r>
+            <a:r>
+              <a:rPr lang="en-US" sz="2400" dirty="0"/>
+              <a:t> za </a:t>
+            </a:r>
+            <a:r>
+              <a:rPr lang="en-US" sz="2400" dirty="0" err="1"/>
+              <a:t>povećanje</a:t>
+            </a:r>
+            <a:r>
+              <a:rPr lang="en-US" sz="2400" dirty="0"/>
+              <a:t> </a:t>
+            </a:r>
+            <a:r>
+              <a:rPr lang="en-US" sz="2400" dirty="0" err="1"/>
+              <a:t>broja</a:t>
+            </a:r>
+            <a:r>
+              <a:rPr lang="en-US" sz="2400" dirty="0"/>
+              <a:t> </a:t>
+            </a:r>
+            <a:r>
+              <a:rPr lang="en-US" sz="2400" dirty="0" err="1"/>
+              <a:t>uzoraka</a:t>
+            </a:r>
+            <a:r>
+              <a:rPr lang="en-US" sz="2400" dirty="0"/>
+              <a:t> u </a:t>
+            </a:r>
+            <a:r>
+              <a:rPr lang="en-US" sz="2400" dirty="0" err="1"/>
+              <a:t>manjinskoj</a:t>
+            </a:r>
+            <a:r>
+              <a:rPr lang="en-US" sz="2400" dirty="0"/>
+              <a:t> </a:t>
+            </a:r>
+            <a:r>
+              <a:rPr lang="en-US" sz="2400" dirty="0" err="1"/>
+              <a:t>klasi</a:t>
+            </a:r>
+            <a:r>
+              <a:rPr lang="en-US" sz="2400" dirty="0"/>
+              <a:t> </a:t>
+            </a:r>
+            <a:r>
+              <a:rPr lang="en-US" sz="2400" dirty="0" err="1"/>
+              <a:t>sintetičkim</a:t>
+            </a:r>
+            <a:r>
+              <a:rPr lang="en-US" sz="2400" dirty="0"/>
+              <a:t> </a:t>
+            </a:r>
+            <a:r>
+              <a:rPr lang="en-US" sz="2400" dirty="0" err="1"/>
+              <a:t>generisanjem</a:t>
+            </a:r>
+            <a:r>
+              <a:rPr lang="en-US" sz="2400" dirty="0"/>
+              <a:t> </a:t>
+            </a:r>
+            <a:r>
+              <a:rPr lang="en-US" sz="2400" dirty="0" err="1"/>
+              <a:t>novih</a:t>
+            </a:r>
+            <a:r>
+              <a:rPr lang="en-US" sz="2400" dirty="0"/>
+              <a:t> </a:t>
+            </a:r>
+            <a:r>
+              <a:rPr lang="en-US" sz="2400" dirty="0" err="1"/>
+              <a:t>uzoraka</a:t>
+            </a:r>
+            <a:r>
+              <a:rPr lang="en-US" sz="2400" dirty="0"/>
+              <a:t> </a:t>
+            </a:r>
+            <a:r>
+              <a:rPr lang="en-US" sz="2400" dirty="0" err="1"/>
+              <a:t>umesto</a:t>
+            </a:r>
+            <a:r>
+              <a:rPr lang="en-US" sz="2400" dirty="0"/>
+              <a:t> </a:t>
+            </a:r>
+            <a:r>
+              <a:rPr lang="en-US" sz="2400" dirty="0" err="1"/>
+              <a:t>jednostavnog</a:t>
+            </a:r>
+            <a:r>
+              <a:rPr lang="en-US" sz="2400" dirty="0"/>
+              <a:t> </a:t>
+            </a:r>
+            <a:r>
+              <a:rPr lang="en-US" sz="2400" dirty="0" err="1"/>
+              <a:t>ponavljanja</a:t>
+            </a:r>
+            <a:r>
+              <a:rPr lang="en-US" sz="2400" dirty="0"/>
+              <a:t> </a:t>
+            </a:r>
+            <a:r>
+              <a:rPr lang="en-US" sz="2400" dirty="0" err="1"/>
+              <a:t>postojećih</a:t>
+            </a:r>
+            <a:r>
+              <a:rPr lang="en-US" sz="2400" dirty="0"/>
+              <a:t>.</a:t>
+            </a:r>
+          </a:p>
+          <a:p>
+            <a:pPr lvl="1">
+              <a:buFont typeface="Wingdings" panose="05000000000000000000" pitchFamily="2" charset="2"/>
+              <a:buChar char="§"/>
+            </a:pPr>
+            <a:r>
+              <a:rPr lang="en-US" dirty="0" err="1"/>
+              <a:t>Nasumično</a:t>
+            </a:r>
+            <a:r>
+              <a:rPr lang="en-US" dirty="0"/>
+              <a:t> se </a:t>
+            </a:r>
+            <a:r>
+              <a:rPr lang="en-US" dirty="0" err="1"/>
+              <a:t>bira</a:t>
+            </a:r>
+            <a:r>
+              <a:rPr lang="en-US" dirty="0"/>
+              <a:t> </a:t>
+            </a:r>
+            <a:r>
+              <a:rPr lang="en-US" dirty="0" err="1"/>
+              <a:t>uzorak</a:t>
+            </a:r>
+            <a:r>
+              <a:rPr lang="en-US" dirty="0"/>
+              <a:t> </a:t>
+            </a:r>
+            <a:r>
+              <a:rPr lang="en-US" dirty="0" err="1"/>
+              <a:t>iz</a:t>
+            </a:r>
+            <a:r>
+              <a:rPr lang="en-US" dirty="0"/>
+              <a:t> </a:t>
+            </a:r>
+            <a:r>
+              <a:rPr lang="en-US" dirty="0" err="1"/>
+              <a:t>manjinske</a:t>
+            </a:r>
+            <a:r>
+              <a:rPr lang="en-US" dirty="0"/>
+              <a:t> </a:t>
+            </a:r>
+            <a:r>
+              <a:rPr lang="en-US" dirty="0" err="1"/>
+              <a:t>klase</a:t>
+            </a:r>
+            <a:r>
+              <a:rPr lang="en-US" dirty="0"/>
+              <a:t>.</a:t>
+            </a:r>
+            <a:endParaRPr lang="sr-Latn-RS" dirty="0"/>
+          </a:p>
+          <a:p>
+            <a:pPr lvl="1">
+              <a:buFont typeface="Wingdings" panose="05000000000000000000" pitchFamily="2" charset="2"/>
+              <a:buChar char="§"/>
+            </a:pPr>
+            <a:r>
+              <a:rPr lang="en-US" dirty="0" err="1"/>
+              <a:t>Pronalazi</a:t>
+            </a:r>
+            <a:r>
+              <a:rPr lang="en-US" dirty="0"/>
+              <a:t> se k </a:t>
+            </a:r>
+            <a:r>
+              <a:rPr lang="en-US" dirty="0" err="1"/>
+              <a:t>najbližih</a:t>
+            </a:r>
+            <a:r>
+              <a:rPr lang="en-US" dirty="0"/>
+              <a:t> sus</a:t>
+            </a:r>
+            <a:r>
+              <a:rPr lang="sr-Latn-RS" dirty="0"/>
+              <a:t>j</a:t>
+            </a:r>
+            <a:r>
+              <a:rPr lang="en-US" dirty="0" err="1"/>
+              <a:t>eda</a:t>
+            </a:r>
+            <a:r>
+              <a:rPr lang="en-US" dirty="0"/>
+              <a:t> za taj </a:t>
+            </a:r>
+            <a:r>
+              <a:rPr lang="en-US" dirty="0" err="1"/>
+              <a:t>uzorak</a:t>
+            </a:r>
+            <a:r>
+              <a:rPr lang="en-US" dirty="0"/>
+              <a:t> </a:t>
+            </a:r>
+            <a:r>
+              <a:rPr lang="en-US" dirty="0" err="1"/>
+              <a:t>koristeći</a:t>
+            </a:r>
+            <a:r>
+              <a:rPr lang="en-US" dirty="0"/>
+              <a:t>, </a:t>
+            </a:r>
+            <a:r>
+              <a:rPr lang="en-US" dirty="0" err="1"/>
+              <a:t>na</a:t>
+            </a:r>
+            <a:r>
+              <a:rPr lang="en-US" dirty="0"/>
+              <a:t> primer, </a:t>
+            </a:r>
+            <a:r>
+              <a:rPr lang="en-US" dirty="0" err="1"/>
+              <a:t>Euklidsku</a:t>
+            </a:r>
+            <a:r>
+              <a:rPr lang="en-US" dirty="0"/>
+              <a:t> </a:t>
+            </a:r>
+            <a:r>
+              <a:rPr lang="en-US" dirty="0" err="1"/>
+              <a:t>udaljenost</a:t>
+            </a:r>
+            <a:r>
+              <a:rPr lang="en-US" dirty="0"/>
+              <a:t>.</a:t>
+            </a:r>
+            <a:endParaRPr lang="sr-Latn-RS" dirty="0"/>
+          </a:p>
+          <a:p>
+            <a:pPr marL="457200" lvl="1" indent="0">
+              <a:buNone/>
+            </a:pPr>
+            <a:r>
+              <a:rPr lang="en-US" dirty="0"/>
+              <a:t>Za </a:t>
+            </a:r>
+            <a:r>
+              <a:rPr lang="en-US" dirty="0" err="1"/>
+              <a:t>svaki</a:t>
+            </a:r>
+            <a:r>
+              <a:rPr lang="en-US" dirty="0"/>
+              <a:t> </a:t>
+            </a:r>
+            <a:r>
+              <a:rPr lang="en-US" dirty="0" err="1"/>
+              <a:t>odabrani</a:t>
+            </a:r>
+            <a:r>
+              <a:rPr lang="en-US" dirty="0"/>
+              <a:t> </a:t>
+            </a:r>
+            <a:r>
+              <a:rPr lang="en-US" dirty="0" err="1"/>
+              <a:t>uzorak</a:t>
+            </a:r>
+            <a:r>
+              <a:rPr lang="en-US" dirty="0"/>
+              <a:t> </a:t>
+            </a:r>
+            <a:r>
+              <a:rPr lang="en-US" dirty="0" err="1"/>
+              <a:t>generišu</a:t>
+            </a:r>
+            <a:r>
+              <a:rPr lang="en-US" dirty="0"/>
+              <a:t> se </a:t>
+            </a:r>
+            <a:r>
+              <a:rPr lang="en-US" dirty="0" err="1"/>
+              <a:t>novi</a:t>
+            </a:r>
+            <a:r>
+              <a:rPr lang="en-US" dirty="0"/>
+              <a:t> </a:t>
+            </a:r>
+            <a:r>
+              <a:rPr lang="en-US" dirty="0" err="1"/>
+              <a:t>sintetički</a:t>
+            </a:r>
+            <a:r>
+              <a:rPr lang="en-US" dirty="0"/>
+              <a:t> </a:t>
+            </a:r>
+            <a:r>
+              <a:rPr lang="en-US" dirty="0" err="1"/>
+              <a:t>uzorci</a:t>
+            </a:r>
+            <a:r>
+              <a:rPr lang="en-US" dirty="0"/>
+              <a:t> </a:t>
+            </a:r>
+            <a:r>
+              <a:rPr lang="en-US" dirty="0" err="1"/>
+              <a:t>interpolacijom</a:t>
+            </a:r>
+            <a:r>
+              <a:rPr lang="en-US" dirty="0"/>
+              <a:t> </a:t>
+            </a:r>
+            <a:r>
+              <a:rPr lang="en-US" dirty="0" err="1"/>
+              <a:t>između</a:t>
+            </a:r>
+            <a:r>
+              <a:rPr lang="en-US" dirty="0"/>
+              <a:t> </a:t>
+            </a:r>
+            <a:r>
+              <a:rPr lang="en-US" dirty="0" err="1"/>
+              <a:t>izabranog</a:t>
+            </a:r>
+            <a:r>
+              <a:rPr lang="en-US" dirty="0"/>
+              <a:t> </a:t>
+            </a:r>
+            <a:r>
+              <a:rPr lang="en-US" dirty="0" err="1"/>
+              <a:t>uzorka</a:t>
+            </a:r>
+            <a:r>
+              <a:rPr lang="en-US" dirty="0"/>
+              <a:t> </a:t>
+            </a:r>
+            <a:r>
+              <a:rPr lang="en-US" dirty="0" err="1"/>
+              <a:t>i</a:t>
+            </a:r>
+            <a:r>
+              <a:rPr lang="en-US" dirty="0"/>
+              <a:t> </a:t>
+            </a:r>
+            <a:r>
+              <a:rPr lang="en-US" dirty="0" err="1"/>
+              <a:t>jednog</a:t>
+            </a:r>
+            <a:r>
+              <a:rPr lang="en-US" dirty="0"/>
+              <a:t> od </a:t>
+            </a:r>
+            <a:r>
+              <a:rPr lang="en-US" dirty="0" err="1"/>
+              <a:t>njegovih</a:t>
+            </a:r>
+            <a:r>
+              <a:rPr lang="en-US" dirty="0"/>
+              <a:t> k </a:t>
+            </a:r>
+            <a:r>
+              <a:rPr lang="en-US" dirty="0" err="1"/>
+              <a:t>najbližih</a:t>
+            </a:r>
+            <a:r>
+              <a:rPr lang="en-US" dirty="0"/>
+              <a:t> </a:t>
+            </a:r>
+            <a:r>
+              <a:rPr lang="en-US" dirty="0" err="1"/>
+              <a:t>suseda</a:t>
+            </a:r>
+            <a:r>
+              <a:rPr lang="en-US" dirty="0"/>
+              <a:t>.</a:t>
+            </a:r>
+            <a:br>
+              <a:rPr lang="sr-Latn-RS" dirty="0"/>
+            </a:br>
+            <a:br>
+              <a:rPr lang="sr-Latn-RS" dirty="0"/>
+            </a:br>
+            <a:r>
+              <a:rPr lang="sr-Latn-RS" sz="1100" dirty="0"/>
+              <a:t>Epoch 1/40, Loss: 0.9910, Val Loss: 0.7802, Train Acc: 0.5056, Val Acc: 0.6055</a:t>
+            </a:r>
+          </a:p>
+          <a:p>
+            <a:pPr marL="457200" lvl="1" indent="0">
+              <a:buNone/>
+            </a:pPr>
+            <a:r>
+              <a:rPr lang="sr-Latn-RS" sz="1100" dirty="0"/>
+              <a:t>Epoch 2/40, Loss: 0.7379, Val Loss: 0.6454, Train Acc: 0.6541, Val Acc: 0.7136</a:t>
+            </a:r>
+          </a:p>
+          <a:p>
+            <a:pPr marL="457200" lvl="1" indent="0">
+              <a:buNone/>
+            </a:pPr>
+            <a:r>
+              <a:rPr lang="sr-Latn-RS" sz="1100" dirty="0"/>
+              <a:t>Epoch 3/40, Loss: 0.5952, Val Loss: 0.5167, Train Acc: 0.7478, Val Acc: 0.7959</a:t>
+            </a:r>
+          </a:p>
+          <a:p>
+            <a:pPr marL="457200" lvl="1" indent="0">
+              <a:buNone/>
+            </a:pPr>
+            <a:r>
+              <a:rPr lang="sr-Latn-RS" sz="1100" dirty="0"/>
+              <a:t>Epoch 4/40, Loss: 0.5048, Val Loss: 0.4356, Train Acc: 0.7951, Val Acc: 0.8439</a:t>
+            </a:r>
+          </a:p>
+          <a:p>
+            <a:pPr marL="457200" lvl="1" indent="0">
+              <a:buNone/>
+            </a:pPr>
+            <a:r>
+              <a:rPr lang="sr-Latn-RS" sz="1100" dirty="0"/>
+              <a:t>Epoch 5/40, Loss: 0.4266, Val Loss: 0.4007, Train Acc: 0.8409, Val Acc: 0.8456</a:t>
+            </a:r>
+          </a:p>
+          <a:p>
+            <a:pPr marL="457200" lvl="1" indent="0">
+              <a:buNone/>
+            </a:pPr>
+            <a:r>
+              <a:rPr lang="sr-Latn-RS" sz="1100" dirty="0"/>
+              <a:t>Epoch 6/40, Loss: 0.3802, Val Loss: 0.3858, Train Acc: 0.8603, Val Acc: 0.8525</a:t>
+            </a:r>
+          </a:p>
+          <a:p>
+            <a:pPr marL="457200" lvl="1" indent="0">
+              <a:buNone/>
+            </a:pPr>
+            <a:r>
+              <a:rPr lang="sr-Latn-RS" sz="1100" dirty="0"/>
+              <a:t>Epoch 7/40, Loss: 0.3647, Val Loss: 0.3736, Train Acc: 0.8694, Val Acc: 0.8645</a:t>
+            </a:r>
+          </a:p>
+          <a:p>
+            <a:pPr marL="457200" lvl="1" indent="0">
+              <a:buNone/>
+            </a:pPr>
+            <a:r>
+              <a:rPr lang="sr-Latn-RS" sz="1100" dirty="0"/>
+              <a:t>Epoch 8/40, Loss: 0.3272, Val Loss: 0.3480, Train Acc: 0.8781, Val Acc: 0.8731</a:t>
+            </a:r>
+          </a:p>
+          <a:p>
+            <a:pPr marL="457200" lvl="1" indent="0">
+              <a:buNone/>
+            </a:pPr>
+            <a:r>
+              <a:rPr lang="sr-Latn-RS" sz="1100" dirty="0"/>
+              <a:t>Epoch 9/40, Loss: 0.3116, Val Loss: 0.3683, Train Acc: 0.8903, Val Acc: 0.8559</a:t>
+            </a:r>
+          </a:p>
+          <a:p>
+            <a:pPr marL="457200" lvl="1" indent="0">
+              <a:buNone/>
+            </a:pPr>
+            <a:r>
+              <a:rPr lang="sr-Latn-RS" sz="1100" dirty="0"/>
+              <a:t>Epoch 10/40, Loss: 0.2984, Val Loss: 0.3330, Train Acc: 0.9042, Val Acc: 0.8714</a:t>
+            </a:r>
+          </a:p>
+          <a:p>
+            <a:pPr marL="457200" lvl="1" indent="0">
+              <a:buNone/>
+            </a:pPr>
+            <a:r>
+              <a:rPr lang="sr-Latn-RS" sz="1100" dirty="0"/>
+              <a:t>Epoch 11/40, Loss: 0.2820, Val Loss: 0.3402, Train Acc: 0.9091, Val Acc: 0.8748</a:t>
+            </a:r>
+          </a:p>
+          <a:p>
+            <a:pPr marL="457200" lvl="1" indent="0">
+              <a:buNone/>
+            </a:pPr>
+            <a:r>
+              <a:rPr lang="sr-Latn-RS" sz="1100" dirty="0"/>
+              <a:t>Epoch 12/40, Loss: 0.2783, Val Loss: 0.3174, Train Acc: 0.9048, Val Acc: 0.8834</a:t>
+            </a:r>
+          </a:p>
+          <a:p>
+            <a:pPr marL="457200" lvl="1" indent="0">
+              <a:buNone/>
+            </a:pPr>
+            <a:r>
+              <a:rPr lang="sr-Latn-RS" sz="1100" dirty="0"/>
+              <a:t>Epoch 13/40, Loss: 0.2566, Val Loss: 0.3229, Train Acc: 0.9115, Val Acc: 0.8816</a:t>
+            </a:r>
+          </a:p>
+          <a:p>
+            <a:pPr marL="457200" lvl="1" indent="0">
+              <a:buNone/>
+            </a:pPr>
+            <a:r>
+              <a:rPr lang="sr-Latn-RS" sz="1100" dirty="0"/>
+              <a:t>Epoch 14/40, Loss: 0.2637, Val Loss: 0.3518, Train Acc: 0.9069, Val Acc: 0.8731</a:t>
+            </a:r>
+          </a:p>
+          <a:p>
+            <a:pPr marL="457200" lvl="1" indent="0">
+              <a:buNone/>
+            </a:pPr>
+            <a:r>
+              <a:rPr lang="sr-Latn-RS" sz="1100" dirty="0"/>
+              <a:t>Epoch 15/40, Loss: 0.2499, Val Loss: 0.3231, Train Acc: 0.9127, Val Acc: 0.8834</a:t>
+            </a:r>
+          </a:p>
+          <a:p>
+            <a:pPr marL="457200" lvl="1" indent="0">
+              <a:buNone/>
+            </a:pPr>
+            <a:r>
+              <a:rPr lang="sr-Latn-RS" sz="1100" dirty="0"/>
+              <a:t>Epoch 16/40, Loss: 0.2406, Val Loss: 0.3256, Train Acc: 0.9169, Val Acc: 0.8885</a:t>
+            </a:r>
+          </a:p>
+          <a:p>
+            <a:pPr marL="457200" lvl="1" indent="0">
+              <a:buNone/>
+            </a:pPr>
+            <a:r>
+              <a:rPr lang="sr-Latn-RS" sz="1100" dirty="0"/>
+              <a:t>Epoch 17/40, Loss: 0.2269, Val Loss: 0.3147, Train Acc: 0.9230, Val Acc: 0.8937</a:t>
+            </a:r>
+          </a:p>
+          <a:p>
+            <a:pPr marL="457200" lvl="1" indent="0">
+              <a:buNone/>
+            </a:pPr>
+            <a:r>
+              <a:rPr lang="sr-Latn-RS" sz="1100" dirty="0"/>
+              <a:t>Epoch 18/40, Loss: 0.2332, Val Loss: 0.3131, Train Acc: 0.9263, Val Acc: 0.8937</a:t>
+            </a:r>
+          </a:p>
+          <a:p>
+            <a:pPr marL="457200" lvl="1" indent="0">
+              <a:buNone/>
+            </a:pPr>
+            <a:r>
+              <a:rPr lang="sr-Latn-RS" sz="1100" dirty="0"/>
+              <a:t>Epoch 19/40, Loss: 0.2319, Val Loss: 0.3185, Train Acc: 0.9239, Val Acc: 0.8851</a:t>
+            </a:r>
+          </a:p>
+          <a:p>
+            <a:pPr marL="457200" lvl="1" indent="0">
+              <a:buNone/>
+            </a:pPr>
+            <a:r>
+              <a:rPr lang="sr-Latn-RS" sz="1100" dirty="0"/>
+              <a:t>Epoch 20/40, Loss: 0.2109, Val Loss: 0.3133, Train Acc: 0.9373, Val Acc: 0.8834</a:t>
+            </a:r>
+          </a:p>
+          <a:p>
+            <a:pPr marL="457200" lvl="1" indent="0">
+              <a:buNone/>
+            </a:pPr>
+            <a:r>
+              <a:rPr lang="sr-Latn-RS" sz="1100" dirty="0"/>
+              <a:t>Epoch 21/40, Loss: 0.2073, Val Loss: 0.3258, Train Acc: 0.9339, Val Acc: 0.8816</a:t>
+            </a:r>
+          </a:p>
+          <a:p>
+            <a:pPr marL="457200" lvl="1" indent="0">
+              <a:buNone/>
+            </a:pPr>
+            <a:r>
+              <a:rPr lang="sr-Latn-RS" sz="1100" dirty="0"/>
+              <a:t>Epoch 22/40, Loss: 0.2249, Val Loss: 0.3272, Train Acc: 0.9294, Val Acc: 0.8816</a:t>
+            </a:r>
+          </a:p>
+          <a:p>
+            <a:pPr marL="457200" lvl="1" indent="0">
+              <a:buNone/>
+            </a:pPr>
+            <a:r>
+              <a:rPr lang="sr-Latn-RS" sz="1100" dirty="0"/>
+              <a:t>Epoch 23/40, Loss: 0.2264, Val Loss: 0.3455, Train Acc: 0.9279, Val Acc: 0.8714</a:t>
+            </a:r>
+            <a:endParaRPr lang="en-US" sz="1100" dirty="0"/>
+          </a:p>
+        </p:txBody>
+      </p:sp>
+      <p:pic>
+        <p:nvPicPr>
+          <p:cNvPr id="6" name="Picture 5">
+            <a:extLst>
+              <a:ext uri="{FF2B5EF4-FFF2-40B4-BE49-F238E27FC236}">
+                <a16:creationId xmlns:a16="http://schemas.microsoft.com/office/drawing/2014/main" id="{4C075A6F-EDD6-40E8-B90C-63CFE654EBDA}"/>
+              </a:ext>
+            </a:extLst>
+          </p:cNvPr>
+          <p:cNvPicPr>
+            <a:picLocks noChangeAspect="1"/>
+          </p:cNvPicPr>
+          <p:nvPr/>
+        </p:nvPicPr>
+        <p:blipFill>
+          <a:blip r:embed="rId2"/>
+          <a:stretch>
+            <a:fillRect/>
+          </a:stretch>
+        </p:blipFill>
+        <p:spPr>
+          <a:xfrm>
+            <a:off x="6096000" y="1998483"/>
+            <a:ext cx="4323321" cy="2630078"/>
+          </a:xfrm>
+          <a:prstGeom prst="rect">
+            <a:avLst/>
+          </a:prstGeom>
+        </p:spPr>
+      </p:pic>
+      <p:pic>
+        <p:nvPicPr>
+          <p:cNvPr id="8" name="Picture 7">
+            <a:extLst>
+              <a:ext uri="{FF2B5EF4-FFF2-40B4-BE49-F238E27FC236}">
+                <a16:creationId xmlns:a16="http://schemas.microsoft.com/office/drawing/2014/main" id="{B96D9473-6F3C-4AF9-9A18-35101F99464F}"/>
+              </a:ext>
+            </a:extLst>
+          </p:cNvPr>
+          <p:cNvPicPr>
+            <a:picLocks noChangeAspect="1"/>
+          </p:cNvPicPr>
+          <p:nvPr/>
+        </p:nvPicPr>
+        <p:blipFill>
+          <a:blip r:embed="rId3"/>
+          <a:stretch>
+            <a:fillRect/>
+          </a:stretch>
+        </p:blipFill>
+        <p:spPr>
+          <a:xfrm>
+            <a:off x="6221943" y="4575484"/>
+            <a:ext cx="4071434" cy="2061624"/>
+          </a:xfrm>
+          <a:prstGeom prst="rect">
+            <a:avLst/>
+          </a:prstGeom>
+        </p:spPr>
+      </p:pic>
+    </p:spTree>
+    <p:extLst>
+      <p:ext uri="{BB962C8B-B14F-4D97-AF65-F5344CB8AC3E}">
+        <p14:creationId xmlns:p14="http://schemas.microsoft.com/office/powerpoint/2010/main" val="2875936048"/>
+      </p:ext>
+    </p:extLst>
+  </p:cSld>
+  <p:clrMapOvr>
+    <a:masterClrMapping/>
+  </p:clrMapOvr>
+</p:sld>
+</file>
+
+<file path=ppt/slides/slide33.xml><?xml version="1.0" encoding="utf-8"?>
+<p:sld xmlns:a="http://schemas.openxmlformats.org/drawingml/2006/main" xmlns:r="http://schemas.openxmlformats.org/officeDocument/2006/relationships" xmlns:p="http://schemas.openxmlformats.org/presentationml/2006/main">
+  <p:cSld>
+    <p:spTree>
+      <p:nvGrpSpPr>
+        <p:cNvPr id="1" name=""/>
+        <p:cNvGrpSpPr/>
+        <p:nvPr/>
+      </p:nvGrpSpPr>
+      <p:grpSpPr>
+        <a:xfrm>
+          <a:off x="0" y="0"/>
+          <a:ext cx="0" cy="0"/>
+          <a:chOff x="0" y="0"/>
+          <a:chExt cx="0" cy="0"/>
+        </a:xfrm>
+      </p:grpSpPr>
+      <p:sp>
+        <p:nvSpPr>
+          <p:cNvPr id="3" name="Content Placeholder 2">
+            <a:extLst>
+              <a:ext uri="{FF2B5EF4-FFF2-40B4-BE49-F238E27FC236}">
+                <a16:creationId xmlns:a16="http://schemas.microsoft.com/office/drawing/2014/main" id="{7B197F63-843B-4BCE-AD0B-87C899362654}"/>
+              </a:ext>
+            </a:extLst>
+          </p:cNvPr>
+          <p:cNvSpPr>
+            <a:spLocks noGrp="1"/>
+          </p:cNvSpPr>
+          <p:nvPr>
+            <p:ph idx="1"/>
+          </p:nvPr>
+        </p:nvSpPr>
+        <p:spPr>
+          <a:xfrm>
+            <a:off x="254524" y="282804"/>
+            <a:ext cx="11726944" cy="6334812"/>
+          </a:xfrm>
+        </p:spPr>
+        <p:txBody>
+          <a:bodyPr>
+            <a:normAutofit/>
+          </a:bodyPr>
+          <a:lstStyle/>
+          <a:p>
+            <a:r>
+              <a:rPr lang="en-US" dirty="0"/>
+              <a:t>ADASYN (Adaptive Synthetic Sampling Approach for Imbalanced Learning) je </a:t>
+            </a:r>
+            <a:r>
+              <a:rPr lang="en-US" dirty="0" err="1"/>
+              <a:t>napredna</a:t>
+            </a:r>
+            <a:r>
+              <a:rPr lang="en-US" dirty="0"/>
+              <a:t> </a:t>
+            </a:r>
+            <a:r>
+              <a:rPr lang="en-US" dirty="0" err="1"/>
+              <a:t>tehnika</a:t>
+            </a:r>
+            <a:r>
+              <a:rPr lang="en-US" dirty="0"/>
+              <a:t> za </a:t>
+            </a:r>
+            <a:r>
+              <a:rPr lang="en-US" dirty="0" err="1"/>
+              <a:t>rešavanje</a:t>
+            </a:r>
+            <a:r>
+              <a:rPr lang="en-US" dirty="0"/>
+              <a:t> </a:t>
+            </a:r>
+            <a:r>
+              <a:rPr lang="en-US" dirty="0" err="1"/>
+              <a:t>problema</a:t>
+            </a:r>
+            <a:r>
+              <a:rPr lang="en-US" dirty="0"/>
+              <a:t> </a:t>
+            </a:r>
+            <a:r>
+              <a:rPr lang="en-US" dirty="0" err="1"/>
+              <a:t>neujednačenosti</a:t>
+            </a:r>
+            <a:r>
+              <a:rPr lang="en-US" dirty="0"/>
+              <a:t> </a:t>
+            </a:r>
+            <a:r>
+              <a:rPr lang="en-US" dirty="0" err="1"/>
+              <a:t>klasa</a:t>
+            </a:r>
+            <a:r>
+              <a:rPr lang="en-US" dirty="0"/>
+              <a:t>, </a:t>
+            </a:r>
+            <a:r>
+              <a:rPr lang="en-US" dirty="0" err="1"/>
+              <a:t>koja</a:t>
+            </a:r>
+            <a:r>
+              <a:rPr lang="en-US" dirty="0"/>
+              <a:t> se </a:t>
+            </a:r>
+            <a:r>
+              <a:rPr lang="en-US" dirty="0" err="1"/>
+              <a:t>zasniva</a:t>
+            </a:r>
+            <a:r>
+              <a:rPr lang="en-US" dirty="0"/>
+              <a:t> </a:t>
+            </a:r>
+            <a:r>
+              <a:rPr lang="en-US" dirty="0" err="1"/>
+              <a:t>na</a:t>
+            </a:r>
+            <a:r>
+              <a:rPr lang="en-US" dirty="0"/>
+              <a:t> SMOTE </a:t>
+            </a:r>
+            <a:r>
+              <a:rPr lang="en-US" dirty="0" err="1"/>
+              <a:t>metodi</a:t>
+            </a:r>
+            <a:r>
+              <a:rPr lang="en-US" dirty="0"/>
+              <a:t>, </a:t>
+            </a:r>
+            <a:r>
+              <a:rPr lang="en-US" dirty="0" err="1"/>
+              <a:t>ali</a:t>
+            </a:r>
+            <a:r>
+              <a:rPr lang="en-US" dirty="0"/>
+              <a:t> </a:t>
+            </a:r>
+            <a:r>
+              <a:rPr lang="en-US" dirty="0" err="1"/>
+              <a:t>sa</a:t>
+            </a:r>
+            <a:r>
+              <a:rPr lang="en-US" dirty="0"/>
+              <a:t> </a:t>
+            </a:r>
+            <a:r>
+              <a:rPr lang="en-US" dirty="0" err="1"/>
+              <a:t>dodatnim</a:t>
+            </a:r>
+            <a:r>
+              <a:rPr lang="en-US" dirty="0"/>
+              <a:t> </a:t>
+            </a:r>
+            <a:r>
+              <a:rPr lang="en-US" dirty="0" err="1"/>
+              <a:t>fokusom</a:t>
+            </a:r>
+            <a:r>
+              <a:rPr lang="en-US" dirty="0"/>
+              <a:t> </a:t>
+            </a:r>
+            <a:r>
+              <a:rPr lang="en-US" dirty="0" err="1"/>
+              <a:t>na</a:t>
+            </a:r>
+            <a:r>
+              <a:rPr lang="en-US" dirty="0"/>
+              <a:t> </a:t>
+            </a:r>
+            <a:r>
+              <a:rPr lang="en-US" dirty="0" err="1"/>
+              <a:t>generisanje</a:t>
+            </a:r>
+            <a:r>
+              <a:rPr lang="en-US" dirty="0"/>
+              <a:t> </a:t>
+            </a:r>
+            <a:r>
+              <a:rPr lang="en-US" dirty="0" err="1"/>
+              <a:t>sintetičkih</a:t>
+            </a:r>
+            <a:r>
+              <a:rPr lang="en-US" dirty="0"/>
+              <a:t> </a:t>
+            </a:r>
+            <a:r>
+              <a:rPr lang="en-US" dirty="0" err="1"/>
+              <a:t>uzoraka</a:t>
+            </a:r>
+            <a:r>
+              <a:rPr lang="en-US" dirty="0"/>
+              <a:t> za one </a:t>
+            </a:r>
+            <a:r>
+              <a:rPr lang="en-US" dirty="0" err="1"/>
+              <a:t>uzorke</a:t>
+            </a:r>
+            <a:r>
+              <a:rPr lang="en-US" dirty="0"/>
+              <a:t> </a:t>
+            </a:r>
+            <a:r>
+              <a:rPr lang="en-US" dirty="0" err="1"/>
+              <a:t>manjinske</a:t>
+            </a:r>
+            <a:r>
+              <a:rPr lang="en-US" dirty="0"/>
+              <a:t> </a:t>
+            </a:r>
+            <a:r>
+              <a:rPr lang="en-US" dirty="0" err="1"/>
+              <a:t>klase</a:t>
+            </a:r>
+            <a:r>
+              <a:rPr lang="en-US" dirty="0"/>
+              <a:t> koji </a:t>
+            </a:r>
+            <a:r>
+              <a:rPr lang="en-US" dirty="0" err="1"/>
+              <a:t>su</a:t>
+            </a:r>
+            <a:r>
+              <a:rPr lang="en-US" dirty="0"/>
+              <a:t> </a:t>
+            </a:r>
+            <a:r>
+              <a:rPr lang="en-US" dirty="0" err="1"/>
+              <a:t>teže</a:t>
+            </a:r>
+            <a:r>
+              <a:rPr lang="en-US" dirty="0"/>
+              <a:t> za </a:t>
+            </a:r>
+            <a:r>
+              <a:rPr lang="en-US" dirty="0" err="1"/>
+              <a:t>klasifikaciju</a:t>
+            </a:r>
+            <a:r>
+              <a:rPr lang="en-US" dirty="0"/>
+              <a:t>.</a:t>
+            </a:r>
+            <a:endParaRPr lang="sr-Latn-RS" dirty="0"/>
+          </a:p>
+          <a:p>
+            <a:pPr marL="0" indent="0">
+              <a:buNone/>
+            </a:pPr>
+            <a:r>
+              <a:rPr lang="en-US" sz="1400" dirty="0"/>
+              <a:t>Epoch 30/40, Loss: 0.1820, Val Loss: 0.2965, Train Acc: 0.9448, Val Acc: 0.8985</a:t>
+            </a:r>
+          </a:p>
+          <a:p>
+            <a:pPr marL="0" indent="0">
+              <a:buNone/>
+            </a:pPr>
+            <a:r>
+              <a:rPr lang="en-US" sz="1400" dirty="0"/>
+              <a:t>Epoch 31/40, Loss: 0.1753, Val Loss: 0.3130, Train Acc: 0.9454, Val Acc: 0.8902</a:t>
+            </a:r>
+          </a:p>
+          <a:p>
+            <a:pPr marL="0" indent="0">
+              <a:buNone/>
+            </a:pPr>
+            <a:r>
+              <a:rPr lang="en-US" sz="1400" dirty="0"/>
+              <a:t>Epoch 32/40, Loss: 0.1945, Val Loss: 0.2853, Train Acc: 0.9427, Val Acc: 0.9018</a:t>
+            </a:r>
+          </a:p>
+          <a:p>
+            <a:pPr marL="0" indent="0">
+              <a:buNone/>
+            </a:pPr>
+            <a:r>
+              <a:rPr lang="en-US" sz="1400" dirty="0"/>
+              <a:t>Epoch 33/40, Loss: 0.1806, Val Loss: 0.3044, Train Acc: 0.9498, Val Acc: 0.8968</a:t>
+            </a:r>
+          </a:p>
+          <a:p>
+            <a:pPr marL="0" indent="0">
+              <a:buNone/>
+            </a:pPr>
+            <a:r>
+              <a:rPr lang="en-US" sz="1400" dirty="0"/>
+              <a:t>Epoch 34/40, Loss: 0.1769, Val Loss: 0.2946, Train Acc: 0.9489, Val Acc: 0.9052</a:t>
+            </a:r>
+          </a:p>
+          <a:p>
+            <a:pPr marL="0" indent="0">
+              <a:buNone/>
+            </a:pPr>
+            <a:r>
+              <a:rPr lang="en-US" sz="1400" dirty="0"/>
+              <a:t>Epoch 35/40, Loss: 0.1835, Val Loss: 0.3095, Train Acc: 0.9415, Val Acc: 0.9018</a:t>
+            </a:r>
+          </a:p>
+          <a:p>
+            <a:pPr marL="0" indent="0">
+              <a:buNone/>
+            </a:pPr>
+            <a:r>
+              <a:rPr lang="en-US" sz="1400" dirty="0"/>
+              <a:t>Epoch 36/40, Loss: 0.1798, Val Loss: 0.3096, Train Acc: 0.9430, Val Acc: 0.8985</a:t>
+            </a:r>
+          </a:p>
+          <a:p>
+            <a:pPr marL="0" indent="0">
+              <a:buNone/>
+            </a:pPr>
+            <a:r>
+              <a:rPr lang="en-US" sz="1400" dirty="0"/>
+              <a:t>Epoch 37/40, Loss: 0.1764, Val Loss: 0.2836, Train Acc: 0.9486, Val Acc: 0.9052</a:t>
+            </a:r>
+          </a:p>
+          <a:p>
+            <a:pPr marL="0" indent="0">
+              <a:buNone/>
+            </a:pPr>
+            <a:r>
+              <a:rPr lang="en-US" sz="1400" dirty="0"/>
+              <a:t>Epoch 38/40, Loss: 0.1698, Val Loss: 0.3069, Train Acc: 0.9495, Val Acc: 0.8968</a:t>
+            </a:r>
+          </a:p>
+          <a:p>
+            <a:pPr marL="0" indent="0">
+              <a:buNone/>
+            </a:pPr>
+            <a:r>
+              <a:rPr lang="en-US" sz="1400" dirty="0"/>
+              <a:t>Epoch 39/40, Loss: 0.1901, Val Loss: 0.3002, Train Acc: 0.9389, Val Acc: 0.8985</a:t>
+            </a:r>
+          </a:p>
+          <a:p>
+            <a:pPr marL="0" indent="0">
+              <a:buNone/>
+            </a:pPr>
+            <a:r>
+              <a:rPr lang="en-US" sz="1400" dirty="0"/>
+              <a:t>Epoch 40/40, Loss: 0.1685, Val Loss: 0.3433, Train Acc: 0.9492, Val Acc: 0.8918</a:t>
+            </a:r>
+          </a:p>
+        </p:txBody>
+      </p:sp>
+      <p:pic>
+        <p:nvPicPr>
+          <p:cNvPr id="5" name="Picture 4">
+            <a:extLst>
+              <a:ext uri="{FF2B5EF4-FFF2-40B4-BE49-F238E27FC236}">
+                <a16:creationId xmlns:a16="http://schemas.microsoft.com/office/drawing/2014/main" id="{C925D181-46D3-46D1-8207-56DF277F77A2}"/>
+              </a:ext>
+            </a:extLst>
+          </p:cNvPr>
+          <p:cNvPicPr>
+            <a:picLocks noChangeAspect="1"/>
+          </p:cNvPicPr>
+          <p:nvPr/>
+        </p:nvPicPr>
+        <p:blipFill>
+          <a:blip r:embed="rId2"/>
+          <a:stretch>
+            <a:fillRect/>
+          </a:stretch>
+        </p:blipFill>
+        <p:spPr>
+          <a:xfrm>
+            <a:off x="6982120" y="1923068"/>
+            <a:ext cx="4047241" cy="2451601"/>
+          </a:xfrm>
+          <a:prstGeom prst="rect">
+            <a:avLst/>
+          </a:prstGeom>
+        </p:spPr>
+      </p:pic>
+      <p:pic>
+        <p:nvPicPr>
+          <p:cNvPr id="7" name="Picture 6">
+            <a:extLst>
+              <a:ext uri="{FF2B5EF4-FFF2-40B4-BE49-F238E27FC236}">
+                <a16:creationId xmlns:a16="http://schemas.microsoft.com/office/drawing/2014/main" id="{3E43A889-F7F1-45F7-BBD7-97192E0DB0B3}"/>
+              </a:ext>
+            </a:extLst>
+          </p:cNvPr>
+          <p:cNvPicPr>
+            <a:picLocks noChangeAspect="1"/>
+          </p:cNvPicPr>
+          <p:nvPr/>
+        </p:nvPicPr>
+        <p:blipFill>
+          <a:blip r:embed="rId3"/>
+          <a:stretch>
+            <a:fillRect/>
+          </a:stretch>
+        </p:blipFill>
+        <p:spPr>
+          <a:xfrm>
+            <a:off x="6982120" y="4545238"/>
+            <a:ext cx="4235777" cy="1901808"/>
+          </a:xfrm>
+          <a:prstGeom prst="rect">
+            <a:avLst/>
+          </a:prstGeom>
+        </p:spPr>
+      </p:pic>
+    </p:spTree>
+    <p:extLst>
+      <p:ext uri="{BB962C8B-B14F-4D97-AF65-F5344CB8AC3E}">
+        <p14:creationId xmlns:p14="http://schemas.microsoft.com/office/powerpoint/2010/main" val="3373453748"/>
+      </p:ext>
+    </p:extLst>
+  </p:cSld>
+  <p:clrMapOvr>
+    <a:masterClrMapping/>
+  </p:clrMapOvr>
+</p:sld>
+</file>
+
+<file path=ppt/slides/slide34.xml><?xml version="1.0" encoding="utf-8"?>
+<p:sld xmlns:a="http://schemas.openxmlformats.org/drawingml/2006/main" xmlns:r="http://schemas.openxmlformats.org/officeDocument/2006/relationships" xmlns:p="http://schemas.openxmlformats.org/presentationml/2006/main">
+  <p:cSld>
+    <p:spTree>
+      <p:nvGrpSpPr>
+        <p:cNvPr id="1" name=""/>
+        <p:cNvGrpSpPr/>
+        <p:nvPr/>
+      </p:nvGrpSpPr>
+      <p:grpSpPr>
+        <a:xfrm>
+          <a:off x="0" y="0"/>
+          <a:ext cx="0" cy="0"/>
+          <a:chOff x="0" y="0"/>
+          <a:chExt cx="0" cy="0"/>
+        </a:xfrm>
+      </p:grpSpPr>
+      <p:sp>
+        <p:nvSpPr>
+          <p:cNvPr id="4" name="Title 1">
+            <a:extLst>
+              <a:ext uri="{FF2B5EF4-FFF2-40B4-BE49-F238E27FC236}">
+                <a16:creationId xmlns:a16="http://schemas.microsoft.com/office/drawing/2014/main" id="{5003F4B8-87DB-4461-85C3-ED59E8585FEB}"/>
+              </a:ext>
+            </a:extLst>
+          </p:cNvPr>
+          <p:cNvSpPr>
+            <a:spLocks noGrp="1"/>
+          </p:cNvSpPr>
+          <p:nvPr>
+            <p:ph idx="1"/>
+          </p:nvPr>
+        </p:nvSpPr>
+        <p:spPr>
+          <a:xfrm>
+            <a:off x="282575" y="254000"/>
+            <a:ext cx="11623675" cy="6345238"/>
+          </a:xfrm>
+        </p:spPr>
+        <p:txBody>
+          <a:bodyPr>
+            <a:normAutofit/>
+          </a:bodyPr>
+          <a:lstStyle/>
+          <a:p>
+            <a:pPr marL="0" indent="0">
+              <a:buNone/>
+            </a:pPr>
+            <a:r>
+              <a:rPr lang="en-US" b="1" dirty="0"/>
+              <a:t>Oversampling</a:t>
+            </a:r>
+            <a:r>
+              <a:rPr lang="en-US" dirty="0"/>
+              <a:t> (</a:t>
+            </a:r>
+            <a:r>
+              <a:rPr lang="en-US" dirty="0" err="1"/>
+              <a:t>prekomerno</a:t>
+            </a:r>
+            <a:r>
+              <a:rPr lang="en-US" dirty="0"/>
+              <a:t> </a:t>
+            </a:r>
+            <a:r>
+              <a:rPr lang="en-US" dirty="0" err="1"/>
+              <a:t>uzorkovanje</a:t>
+            </a:r>
+            <a:r>
+              <a:rPr lang="en-US" dirty="0"/>
+              <a:t>) je </a:t>
+            </a:r>
+            <a:r>
+              <a:rPr lang="en-US" dirty="0" err="1"/>
+              <a:t>tehnika</a:t>
+            </a:r>
+            <a:r>
+              <a:rPr lang="en-US" dirty="0"/>
+              <a:t> za </a:t>
+            </a:r>
+            <a:r>
+              <a:rPr lang="en-US" dirty="0" err="1"/>
+              <a:t>rešavanje</a:t>
+            </a:r>
+            <a:r>
+              <a:rPr lang="en-US" dirty="0"/>
+              <a:t> </a:t>
+            </a:r>
+            <a:r>
+              <a:rPr lang="en-US" dirty="0" err="1"/>
+              <a:t>problema</a:t>
+            </a:r>
+            <a:r>
+              <a:rPr lang="en-US" dirty="0"/>
+              <a:t> </a:t>
+            </a:r>
+            <a:r>
+              <a:rPr lang="en-US" dirty="0" err="1"/>
+              <a:t>neujednačenosti</a:t>
+            </a:r>
+            <a:r>
+              <a:rPr lang="en-US" dirty="0"/>
+              <a:t> </a:t>
+            </a:r>
+            <a:r>
+              <a:rPr lang="en-US" dirty="0" err="1"/>
+              <a:t>klasa</a:t>
+            </a:r>
+            <a:r>
+              <a:rPr lang="en-US" dirty="0"/>
+              <a:t> u </a:t>
+            </a:r>
+            <a:r>
+              <a:rPr lang="en-US" dirty="0" err="1"/>
+              <a:t>skupu</a:t>
+            </a:r>
+            <a:r>
+              <a:rPr lang="en-US" dirty="0"/>
+              <a:t> </a:t>
+            </a:r>
+            <a:r>
+              <a:rPr lang="en-US" dirty="0" err="1"/>
+              <a:t>podataka</a:t>
+            </a:r>
+            <a:r>
+              <a:rPr lang="en-US" dirty="0"/>
+              <a:t>. Ova </a:t>
+            </a:r>
+            <a:r>
+              <a:rPr lang="en-US" dirty="0" err="1"/>
+              <a:t>tehnika</a:t>
+            </a:r>
+            <a:r>
+              <a:rPr lang="en-US" dirty="0"/>
+              <a:t> </a:t>
+            </a:r>
+            <a:r>
+              <a:rPr lang="en-US" dirty="0" err="1"/>
+              <a:t>podrazumeva</a:t>
+            </a:r>
+            <a:r>
+              <a:rPr lang="en-US" dirty="0"/>
+              <a:t> </a:t>
+            </a:r>
+            <a:r>
+              <a:rPr lang="en-US" dirty="0" err="1"/>
+              <a:t>povećanje</a:t>
+            </a:r>
+            <a:r>
+              <a:rPr lang="en-US" dirty="0"/>
+              <a:t> </a:t>
+            </a:r>
+            <a:r>
+              <a:rPr lang="en-US" dirty="0" err="1"/>
+              <a:t>broja</a:t>
+            </a:r>
+            <a:r>
+              <a:rPr lang="en-US" dirty="0"/>
+              <a:t> </a:t>
+            </a:r>
+            <a:r>
+              <a:rPr lang="en-US" dirty="0" err="1"/>
+              <a:t>uzoraka</a:t>
+            </a:r>
+            <a:r>
+              <a:rPr lang="en-US" dirty="0"/>
+              <a:t> </a:t>
+            </a:r>
+            <a:r>
+              <a:rPr lang="en-US" dirty="0" err="1"/>
+              <a:t>manjinskih</a:t>
+            </a:r>
+            <a:r>
+              <a:rPr lang="en-US" dirty="0"/>
+              <a:t> </a:t>
+            </a:r>
+            <a:r>
+              <a:rPr lang="en-US" dirty="0" err="1"/>
+              <a:t>klasa</a:t>
+            </a:r>
+            <a:r>
+              <a:rPr lang="en-US" dirty="0"/>
+              <a:t> </a:t>
+            </a:r>
+            <a:r>
+              <a:rPr lang="en-US" dirty="0" err="1"/>
+              <a:t>kako</a:t>
+            </a:r>
+            <a:r>
+              <a:rPr lang="en-US" dirty="0"/>
+              <a:t> bi se </a:t>
+            </a:r>
+            <a:r>
+              <a:rPr lang="en-US" dirty="0" err="1"/>
+              <a:t>postigla</a:t>
+            </a:r>
+            <a:r>
+              <a:rPr lang="en-US" dirty="0"/>
+              <a:t> </a:t>
+            </a:r>
+            <a:r>
+              <a:rPr lang="en-US" dirty="0" err="1"/>
+              <a:t>ravnoteža</a:t>
+            </a:r>
+            <a:r>
+              <a:rPr lang="en-US" dirty="0"/>
+              <a:t> </a:t>
+            </a:r>
+            <a:r>
+              <a:rPr lang="en-US" dirty="0" err="1"/>
+              <a:t>između</a:t>
+            </a:r>
+            <a:r>
+              <a:rPr lang="en-US" dirty="0"/>
+              <a:t> </a:t>
+            </a:r>
+            <a:r>
+              <a:rPr lang="en-US" dirty="0" err="1"/>
+              <a:t>broja</a:t>
+            </a:r>
+            <a:r>
+              <a:rPr lang="en-US" dirty="0"/>
+              <a:t> </a:t>
+            </a:r>
+            <a:r>
+              <a:rPr lang="en-US" dirty="0" err="1"/>
+              <a:t>uzoraka</a:t>
+            </a:r>
+            <a:r>
+              <a:rPr lang="en-US" dirty="0"/>
+              <a:t> </a:t>
+            </a:r>
+            <a:r>
+              <a:rPr lang="en-US" dirty="0" err="1"/>
+              <a:t>različitih</a:t>
+            </a:r>
+            <a:r>
+              <a:rPr lang="en-US" dirty="0"/>
+              <a:t> </a:t>
+            </a:r>
+            <a:r>
+              <a:rPr lang="en-US" dirty="0" err="1"/>
+              <a:t>klasa</a:t>
+            </a:r>
+            <a:r>
+              <a:rPr lang="en-US" dirty="0"/>
+              <a:t>.</a:t>
+            </a:r>
+            <a:br>
+              <a:rPr lang="sr-Latn-RS" dirty="0"/>
+            </a:br>
+            <a:br>
+              <a:rPr lang="sr-Latn-RS" dirty="0"/>
+            </a:br>
+            <a:r>
+              <a:rPr lang="sr-Latn-RS" sz="1100" dirty="0"/>
+              <a:t>Epoch 1/40, Loss: 1.0917, Val Loss: 1.0718, Train Acc: 0.4179, Val Acc: 0.6486</a:t>
+            </a:r>
+          </a:p>
+          <a:p>
+            <a:pPr marL="0" indent="0">
+              <a:buNone/>
+            </a:pPr>
+            <a:r>
+              <a:rPr lang="sr-Latn-RS" sz="1100" dirty="0"/>
+              <a:t>Epoch 2/40, Loss: 1.0137, Val Loss: 0.8476, Train Acc: 0.5726, Val Acc: 0.6126</a:t>
+            </a:r>
+          </a:p>
+          <a:p>
+            <a:pPr marL="0" indent="0">
+              <a:buNone/>
+            </a:pPr>
+            <a:r>
+              <a:rPr lang="sr-Latn-RS" sz="1100" dirty="0"/>
+              <a:t>Epoch 3/40, Loss: 0.8210, Val Loss: 0.7305, Train Acc: 0.6332, Val Acc: 0.6847</a:t>
+            </a:r>
+          </a:p>
+          <a:p>
+            <a:pPr marL="0" indent="0">
+              <a:buNone/>
+            </a:pPr>
+            <a:r>
+              <a:rPr lang="sr-Latn-RS" sz="1100" dirty="0"/>
+              <a:t>Epoch 4/40, Loss: 0.6923, Val Loss: 0.6008, Train Acc: 0.7265, Val Acc: 0.7928</a:t>
+            </a:r>
+          </a:p>
+          <a:p>
+            <a:pPr marL="0" indent="0">
+              <a:buNone/>
+            </a:pPr>
+            <a:r>
+              <a:rPr lang="sr-Latn-RS" sz="1100" dirty="0"/>
+              <a:t>Epoch 5/40, Loss: 0.5373, Val Loss: 0.4968, Train Acc: 0.8062, Val Acc: 0.8108</a:t>
+            </a:r>
+          </a:p>
+          <a:p>
+            <a:pPr marL="0" indent="0">
+              <a:buNone/>
+            </a:pPr>
+            <a:r>
+              <a:rPr lang="sr-Latn-RS" sz="1100" dirty="0"/>
+              <a:t>Epoch 6/40, Loss: 0.4234, Val Loss: 0.3608, Train Acc: 0.8541, Val Acc: 0.8829</a:t>
+            </a:r>
+          </a:p>
+          <a:p>
+            <a:pPr marL="0" indent="0">
+              <a:buNone/>
+            </a:pPr>
+            <a:r>
+              <a:rPr lang="sr-Latn-RS" sz="1100" dirty="0"/>
+              <a:t>Epoch 7/40, Loss: 0.3220, Val Loss: 0.3506, Train Acc: 0.9043, Val Acc: 0.8964</a:t>
+            </a:r>
+          </a:p>
+          <a:p>
+            <a:pPr marL="0" indent="0">
+              <a:buNone/>
+            </a:pPr>
+            <a:r>
+              <a:rPr lang="sr-Latn-RS" sz="1100" dirty="0"/>
+              <a:t>Epoch 8/40, Loss: 0.2703, Val Loss: 0.3603, Train Acc: 0.9147, Val Acc: 0.8784</a:t>
+            </a:r>
+          </a:p>
+          <a:p>
+            <a:pPr marL="0" indent="0">
+              <a:buNone/>
+            </a:pPr>
+            <a:r>
+              <a:rPr lang="sr-Latn-RS" sz="1100" dirty="0"/>
+              <a:t>Epoch 9/40, Loss: 0.2168, Val Loss: 0.3443, Train Acc: 0.9394, Val Acc: 0.9009</a:t>
+            </a:r>
+          </a:p>
+          <a:p>
+            <a:pPr marL="0" indent="0">
+              <a:buNone/>
+            </a:pPr>
+            <a:r>
+              <a:rPr lang="sr-Latn-RS" sz="1100" dirty="0"/>
+              <a:t>Epoch 10/40, Loss: 0.1961, Val Loss: 0.3129, Train Acc: 0.9442, Val Acc: 0.9009</a:t>
+            </a:r>
+          </a:p>
+          <a:p>
+            <a:pPr marL="0" indent="0">
+              <a:buNone/>
+            </a:pPr>
+            <a:r>
+              <a:rPr lang="sr-Latn-RS" sz="1100" dirty="0"/>
+              <a:t>Epoch 11/40, Loss: 0.2014, Val Loss: 0.3757, Train Acc: 0.9418, Val Acc: 0.9009</a:t>
+            </a:r>
+          </a:p>
+          <a:p>
+            <a:pPr marL="0" indent="0">
+              <a:buNone/>
+            </a:pPr>
+            <a:r>
+              <a:rPr lang="sr-Latn-RS" sz="1100" dirty="0"/>
+              <a:t>Epoch 12/40, Loss: 0.1834, Val Loss: 0.3443, Train Acc: 0.9530, Val Acc: 0.9009</a:t>
+            </a:r>
+          </a:p>
+          <a:p>
+            <a:pPr marL="0" indent="0">
+              <a:buNone/>
+            </a:pPr>
+            <a:r>
+              <a:rPr lang="sr-Latn-RS" sz="1100" dirty="0"/>
+              <a:t>Epoch 13/40, Loss: 0.1593, Val Loss: 0.3357, Train Acc: 0.9569, Val Acc: 0.9099</a:t>
+            </a:r>
+          </a:p>
+          <a:p>
+            <a:pPr marL="0" indent="0">
+              <a:buNone/>
+            </a:pPr>
+            <a:r>
+              <a:rPr lang="sr-Latn-RS" sz="1100" dirty="0"/>
+              <a:t>Epoch 14/40, Loss: 0.1454, Val Loss: 0.3819, Train Acc: 0.9665, Val Acc: 0.8784</a:t>
+            </a:r>
+          </a:p>
+          <a:p>
+            <a:pPr marL="0" indent="0">
+              <a:buNone/>
+            </a:pPr>
+            <a:r>
+              <a:rPr lang="sr-Latn-RS" sz="1100" dirty="0"/>
+              <a:t>Epoch 15/40, Loss: 0.1505, Val Loss: 0.3277, Train Acc: 0.9545, Val Acc: 0.9099</a:t>
+            </a:r>
+            <a:endParaRPr lang="en-US" sz="1100" dirty="0"/>
+          </a:p>
+        </p:txBody>
+      </p:sp>
+      <p:pic>
+        <p:nvPicPr>
+          <p:cNvPr id="6" name="Picture 5">
+            <a:extLst>
+              <a:ext uri="{FF2B5EF4-FFF2-40B4-BE49-F238E27FC236}">
+                <a16:creationId xmlns:a16="http://schemas.microsoft.com/office/drawing/2014/main" id="{71F52201-7B12-48E5-90CE-EBAB15092BFE}"/>
+              </a:ext>
+            </a:extLst>
+          </p:cNvPr>
+          <p:cNvPicPr>
+            <a:picLocks noChangeAspect="1"/>
+          </p:cNvPicPr>
+          <p:nvPr/>
+        </p:nvPicPr>
+        <p:blipFill>
+          <a:blip r:embed="rId2"/>
+          <a:stretch>
+            <a:fillRect/>
+          </a:stretch>
+        </p:blipFill>
+        <p:spPr>
+          <a:xfrm>
+            <a:off x="6096000" y="1508289"/>
+            <a:ext cx="4440498" cy="2679917"/>
+          </a:xfrm>
+          <a:prstGeom prst="rect">
+            <a:avLst/>
+          </a:prstGeom>
+        </p:spPr>
+      </p:pic>
+      <p:pic>
+        <p:nvPicPr>
+          <p:cNvPr id="8" name="Picture 7">
+            <a:extLst>
+              <a:ext uri="{FF2B5EF4-FFF2-40B4-BE49-F238E27FC236}">
+                <a16:creationId xmlns:a16="http://schemas.microsoft.com/office/drawing/2014/main" id="{475E3DBB-0830-42FB-96B3-66766B10CF02}"/>
+              </a:ext>
+            </a:extLst>
+          </p:cNvPr>
+          <p:cNvPicPr>
+            <a:picLocks noChangeAspect="1"/>
+          </p:cNvPicPr>
+          <p:nvPr/>
+        </p:nvPicPr>
+        <p:blipFill>
+          <a:blip r:embed="rId3"/>
+          <a:stretch>
+            <a:fillRect/>
+          </a:stretch>
+        </p:blipFill>
+        <p:spPr>
+          <a:xfrm>
+            <a:off x="6094412" y="4374576"/>
+            <a:ext cx="4044099" cy="2038291"/>
+          </a:xfrm>
+          <a:prstGeom prst="rect">
+            <a:avLst/>
+          </a:prstGeom>
+        </p:spPr>
+      </p:pic>
+    </p:spTree>
+    <p:extLst>
+      <p:ext uri="{BB962C8B-B14F-4D97-AF65-F5344CB8AC3E}">
+        <p14:creationId xmlns:p14="http://schemas.microsoft.com/office/powerpoint/2010/main" val="3934237396"/>
+      </p:ext>
+    </p:extLst>
+  </p:cSld>
+  <p:clrMapOvr>
+    <a:masterClrMapping/>
+  </p:clrMapOvr>
+</p:sld>
+</file>
+
+<file path=ppt/slides/slide35.xml><?xml version="1.0" encoding="utf-8"?>
+<p:sld xmlns:a="http://schemas.openxmlformats.org/drawingml/2006/main" xmlns:r="http://schemas.openxmlformats.org/officeDocument/2006/relationships" xmlns:p="http://schemas.openxmlformats.org/presentationml/2006/main">
+  <p:cSld>
+    <p:spTree>
+      <p:nvGrpSpPr>
+        <p:cNvPr id="1" name=""/>
+        <p:cNvGrpSpPr/>
+        <p:nvPr/>
+      </p:nvGrpSpPr>
+      <p:grpSpPr>
+        <a:xfrm>
+          <a:off x="0" y="0"/>
+          <a:ext cx="0" cy="0"/>
+          <a:chOff x="0" y="0"/>
+          <a:chExt cx="0" cy="0"/>
+        </a:xfrm>
+      </p:grpSpPr>
+      <p:sp>
+        <p:nvSpPr>
+          <p:cNvPr id="2" name="Title 1">
+            <a:extLst>
+              <a:ext uri="{FF2B5EF4-FFF2-40B4-BE49-F238E27FC236}">
+                <a16:creationId xmlns:a16="http://schemas.microsoft.com/office/drawing/2014/main" id="{D4AC0079-A746-4F03-9E41-5D9DE36F3806}"/>
+              </a:ext>
+            </a:extLst>
+          </p:cNvPr>
+          <p:cNvSpPr>
+            <a:spLocks noGrp="1"/>
+          </p:cNvSpPr>
+          <p:nvPr>
+            <p:ph type="title"/>
+          </p:nvPr>
+        </p:nvSpPr>
+        <p:spPr/>
+        <p:txBody>
+          <a:bodyPr/>
+          <a:lstStyle/>
+          <a:p>
+            <a:r>
+              <a:rPr lang="sr-Latn-RS" dirty="0"/>
+              <a:t>Relu u kombinaciji sa SoftMax funkcijom</a:t>
+            </a:r>
+            <a:endParaRPr lang="en-US" dirty="0"/>
+          </a:p>
+        </p:txBody>
+      </p:sp>
+      <p:sp>
+        <p:nvSpPr>
+          <p:cNvPr id="3" name="Content Placeholder 2">
+            <a:extLst>
+              <a:ext uri="{FF2B5EF4-FFF2-40B4-BE49-F238E27FC236}">
+                <a16:creationId xmlns:a16="http://schemas.microsoft.com/office/drawing/2014/main" id="{7D5FD501-C33F-469C-A6A9-A05FCA9B7A66}"/>
+              </a:ext>
+            </a:extLst>
+          </p:cNvPr>
+          <p:cNvSpPr>
+            <a:spLocks noGrp="1"/>
+          </p:cNvSpPr>
+          <p:nvPr>
+            <p:ph idx="1"/>
+          </p:nvPr>
+        </p:nvSpPr>
+        <p:spPr>
+          <a:xfrm>
+            <a:off x="329152" y="1512618"/>
+            <a:ext cx="10515600" cy="4351338"/>
+          </a:xfrm>
+        </p:spPr>
+        <p:txBody>
+          <a:bodyPr>
+            <a:normAutofit/>
+          </a:bodyPr>
+          <a:lstStyle/>
+          <a:p>
+            <a:pPr marL="0" indent="0">
+              <a:buNone/>
+            </a:pPr>
+            <a:r>
+              <a:rPr lang="en-US" sz="1400" dirty="0"/>
+              <a:t>Epoch 15/40, Loss: 0.7643, Val Loss: 0.8027, Train Acc: 0.8270, Val Acc: 0.7613</a:t>
+            </a:r>
+          </a:p>
+          <a:p>
+            <a:pPr marL="0" indent="0">
+              <a:buNone/>
+            </a:pPr>
+            <a:r>
+              <a:rPr lang="en-US" sz="1400" dirty="0"/>
+              <a:t>Epoch 16/40, Loss: 0.7679, Val Loss: 0.7836, Train Acc: 0.8126, Val Acc: 0.7883</a:t>
+            </a:r>
+          </a:p>
+          <a:p>
+            <a:pPr marL="0" indent="0">
+              <a:buNone/>
+            </a:pPr>
+            <a:r>
+              <a:rPr lang="en-US" sz="1400" dirty="0"/>
+              <a:t>Epoch 17/40, Loss: 0.7525, Val Loss: 0.7771, Train Acc: 0.8429, Val Acc: 0.7973</a:t>
+            </a:r>
+          </a:p>
+          <a:p>
+            <a:pPr marL="0" indent="0">
+              <a:buNone/>
+            </a:pPr>
+            <a:r>
+              <a:rPr lang="en-US" sz="1400" dirty="0"/>
+              <a:t>Epoch 18/40, Loss: 0.7414, Val Loss: 0.7619, Train Acc: 0.8573, Val Acc: 0.8153</a:t>
+            </a:r>
+          </a:p>
+          <a:p>
+            <a:pPr marL="0" indent="0">
+              <a:buNone/>
+            </a:pPr>
+            <a:r>
+              <a:rPr lang="en-US" sz="1400" dirty="0"/>
+              <a:t>Epoch 19/40, Loss: 0.7435, Val Loss: 0.7704, Train Acc: 0.8469, Val Acc: 0.7883</a:t>
+            </a:r>
+          </a:p>
+          <a:p>
+            <a:pPr marL="0" indent="0">
+              <a:buNone/>
+            </a:pPr>
+            <a:r>
+              <a:rPr lang="en-US" sz="1400" dirty="0"/>
+              <a:t>Epoch 20/40, Loss: 0.7402, Val Loss: 0.7736, Train Acc: 0.8517, Val Acc: 0.7973</a:t>
+            </a:r>
+          </a:p>
+          <a:p>
+            <a:pPr marL="0" indent="0">
+              <a:buNone/>
+            </a:pPr>
+            <a:r>
+              <a:rPr lang="en-US" sz="1400" dirty="0"/>
+              <a:t>Epoch 21/40, Loss: 0.7359, Val Loss: 0.7789, Train Acc: 0.8525, Val Acc: 0.8018</a:t>
+            </a:r>
+          </a:p>
+          <a:p>
+            <a:pPr marL="0" indent="0">
+              <a:buNone/>
+            </a:pPr>
+            <a:r>
+              <a:rPr lang="en-US" sz="1400" dirty="0"/>
+              <a:t>Epoch 22/40, Loss: 0.7293, Val Loss: 0.7757, Train Acc: 0.8636, Val Acc: 0.8018</a:t>
+            </a:r>
+          </a:p>
+          <a:p>
+            <a:pPr marL="0" indent="0">
+              <a:buNone/>
+            </a:pPr>
+            <a:r>
+              <a:rPr lang="en-US" sz="1400" dirty="0"/>
+              <a:t>Epoch 23/40, Loss: 0.7256, Val Loss: 0.7757, Train Acc: 0.8636, Val Acc: 0.7793</a:t>
+            </a:r>
+          </a:p>
+        </p:txBody>
+      </p:sp>
+      <p:pic>
+        <p:nvPicPr>
+          <p:cNvPr id="5" name="Picture 4">
+            <a:extLst>
+              <a:ext uri="{FF2B5EF4-FFF2-40B4-BE49-F238E27FC236}">
+                <a16:creationId xmlns:a16="http://schemas.microsoft.com/office/drawing/2014/main" id="{D213CDC5-D7EC-42BC-ABBE-6769E72ACAFE}"/>
+              </a:ext>
+            </a:extLst>
+          </p:cNvPr>
+          <p:cNvPicPr>
+            <a:picLocks noChangeAspect="1"/>
+          </p:cNvPicPr>
+          <p:nvPr/>
+        </p:nvPicPr>
+        <p:blipFill>
+          <a:blip r:embed="rId2"/>
+          <a:stretch>
+            <a:fillRect/>
+          </a:stretch>
+        </p:blipFill>
+        <p:spPr>
+          <a:xfrm>
+            <a:off x="6524767" y="1512618"/>
+            <a:ext cx="4129090" cy="2488676"/>
+          </a:xfrm>
+          <a:prstGeom prst="rect">
+            <a:avLst/>
+          </a:prstGeom>
+        </p:spPr>
+      </p:pic>
+      <p:pic>
+        <p:nvPicPr>
+          <p:cNvPr id="7" name="Picture 6">
+            <a:extLst>
+              <a:ext uri="{FF2B5EF4-FFF2-40B4-BE49-F238E27FC236}">
+                <a16:creationId xmlns:a16="http://schemas.microsoft.com/office/drawing/2014/main" id="{8F26B9FE-22F1-4B19-BFC5-2E10BE70EDDC}"/>
+              </a:ext>
+            </a:extLst>
+          </p:cNvPr>
+          <p:cNvPicPr>
+            <a:picLocks noChangeAspect="1"/>
+          </p:cNvPicPr>
+          <p:nvPr/>
+        </p:nvPicPr>
+        <p:blipFill>
+          <a:blip r:embed="rId3"/>
+          <a:stretch>
+            <a:fillRect/>
+          </a:stretch>
+        </p:blipFill>
+        <p:spPr>
+          <a:xfrm>
+            <a:off x="6410227" y="4186169"/>
+            <a:ext cx="4766344" cy="2306706"/>
+          </a:xfrm>
+          <a:prstGeom prst="rect">
+            <a:avLst/>
+          </a:prstGeom>
+        </p:spPr>
+      </p:pic>
+    </p:spTree>
+    <p:extLst>
+      <p:ext uri="{BB962C8B-B14F-4D97-AF65-F5344CB8AC3E}">
+        <p14:creationId xmlns:p14="http://schemas.microsoft.com/office/powerpoint/2010/main" val="2141562628"/>
       </p:ext>
     </p:extLst>
   </p:cSld>
@@ -9978,7 +19015,7 @@
               <a:t> </a:t>
             </a:r>
             <a:r>
-              <a:rPr kumimoji="0" lang="en-US" altLang="en-US" sz="1800" b="0" i="0" u="none" strike="noStrike" cap="none" normalizeH="0" baseline="0">
+              <a:rPr kumimoji="0" lang="en-US" altLang="en-US" sz="1800" b="0" i="0" u="none" strike="noStrike" cap="none" normalizeH="0" baseline="0" dirty="0" err="1">
                 <a:ln>
                   <a:noFill/>
                 </a:ln>
@@ -10436,6 +19473,251 @@
     <p:extLst>
       <p:ext uri="{BB962C8B-B14F-4D97-AF65-F5344CB8AC3E}">
         <p14:creationId xmlns:p14="http://schemas.microsoft.com/office/powerpoint/2010/main" val="1102705846"/>
+      </p:ext>
+    </p:extLst>
+  </p:cSld>
+  <p:clrMapOvr>
+    <a:masterClrMapping/>
+  </p:clrMapOvr>
+</p:sld>
+</file>
+
+<file path=ppt/slides/slide8.xml><?xml version="1.0" encoding="utf-8"?>
+<p:sld xmlns:a="http://schemas.openxmlformats.org/drawingml/2006/main" xmlns:r="http://schemas.openxmlformats.org/officeDocument/2006/relationships" xmlns:p="http://schemas.openxmlformats.org/presentationml/2006/main">
+  <p:cSld>
+    <p:spTree>
+      <p:nvGrpSpPr>
+        <p:cNvPr id="1" name=""/>
+        <p:cNvGrpSpPr/>
+        <p:nvPr/>
+      </p:nvGrpSpPr>
+      <p:grpSpPr>
+        <a:xfrm>
+          <a:off x="0" y="0"/>
+          <a:ext cx="0" cy="0"/>
+          <a:chOff x="0" y="0"/>
+          <a:chExt cx="0" cy="0"/>
+        </a:xfrm>
+      </p:grpSpPr>
+      <p:sp>
+        <p:nvSpPr>
+          <p:cNvPr id="5" name="Title 1">
+            <a:extLst>
+              <a:ext uri="{FF2B5EF4-FFF2-40B4-BE49-F238E27FC236}">
+                <a16:creationId xmlns:a16="http://schemas.microsoft.com/office/drawing/2014/main" id="{68BEBF0D-BD85-436B-9439-8AB3B129A72E}"/>
+              </a:ext>
+            </a:extLst>
+          </p:cNvPr>
+          <p:cNvSpPr>
+            <a:spLocks noGrp="1"/>
+          </p:cNvSpPr>
+          <p:nvPr>
+            <p:ph idx="1"/>
+          </p:nvPr>
+        </p:nvSpPr>
+        <p:spPr>
+          <a:xfrm>
+            <a:off x="838200" y="1401419"/>
+            <a:ext cx="10515600" cy="4351338"/>
+          </a:xfrm>
+        </p:spPr>
+        <p:txBody>
+          <a:bodyPr anchor="ctr"/>
+          <a:lstStyle/>
+          <a:p>
+            <a:pPr marL="0" indent="0">
+              <a:buNone/>
+            </a:pPr>
+            <a:r>
+              <a:rPr lang="en-US" dirty="0" err="1"/>
+              <a:t>Ciljna</a:t>
+            </a:r>
+            <a:r>
+              <a:rPr lang="en-US" dirty="0"/>
+              <a:t> </a:t>
+            </a:r>
+            <a:r>
+              <a:rPr lang="en-US" dirty="0" err="1"/>
+              <a:t>promjenljiva</a:t>
+            </a:r>
+            <a:r>
+              <a:rPr lang="en-US" dirty="0"/>
+              <a:t> je </a:t>
+            </a:r>
+            <a:r>
+              <a:rPr lang="en-US" b="1" dirty="0" err="1"/>
+              <a:t>Credit_Score</a:t>
+            </a:r>
+            <a:r>
+              <a:rPr lang="en-US" b="1" dirty="0"/>
+              <a:t> (</a:t>
+            </a:r>
+            <a:r>
+              <a:rPr lang="en-US" b="1" dirty="0" err="1"/>
+              <a:t>Kreditni</a:t>
+            </a:r>
+            <a:r>
+              <a:rPr lang="en-US" b="1" dirty="0"/>
+              <a:t> </a:t>
+            </a:r>
+            <a:r>
+              <a:rPr lang="en-US" b="1" dirty="0" err="1"/>
+              <a:t>skor</a:t>
+            </a:r>
+            <a:r>
+              <a:rPr lang="en-US" b="1" dirty="0"/>
+              <a:t>)</a:t>
+            </a:r>
+            <a:r>
+              <a:rPr lang="en-US" dirty="0"/>
+              <a:t>, koji </a:t>
+            </a:r>
+            <a:r>
+              <a:rPr lang="en-US" dirty="0" err="1"/>
+              <a:t>može</a:t>
+            </a:r>
+            <a:r>
+              <a:rPr lang="en-US" dirty="0"/>
+              <a:t> </a:t>
+            </a:r>
+            <a:r>
+              <a:rPr lang="en-US" dirty="0" err="1"/>
+              <a:t>imati</a:t>
+            </a:r>
+            <a:r>
+              <a:rPr lang="en-US" dirty="0"/>
+              <a:t> tri </a:t>
+            </a:r>
+            <a:r>
+              <a:rPr lang="en-US" dirty="0" err="1"/>
+              <a:t>vrijednosti</a:t>
+            </a:r>
+            <a:r>
+              <a:rPr lang="en-US" dirty="0"/>
+              <a:t>:</a:t>
+            </a:r>
+          </a:p>
+          <a:p>
+            <a:pPr lvl="1"/>
+            <a:r>
+              <a:rPr lang="en-US" dirty="0"/>
+              <a:t>0: </a:t>
+            </a:r>
+            <a:r>
+              <a:rPr lang="en-US" dirty="0" err="1"/>
+              <a:t>Loš</a:t>
+            </a:r>
+            <a:r>
+              <a:rPr lang="en-US" dirty="0"/>
+              <a:t> (Poor)</a:t>
+            </a:r>
+          </a:p>
+          <a:p>
+            <a:pPr lvl="1"/>
+            <a:r>
+              <a:rPr lang="en-US" dirty="0"/>
+              <a:t>1: </a:t>
+            </a:r>
+            <a:r>
+              <a:rPr lang="en-US" dirty="0" err="1"/>
+              <a:t>Standardan</a:t>
+            </a:r>
+            <a:r>
+              <a:rPr lang="en-US" dirty="0"/>
+              <a:t> (Standard)</a:t>
+            </a:r>
+          </a:p>
+          <a:p>
+            <a:pPr lvl="1"/>
+            <a:r>
+              <a:rPr lang="en-US" dirty="0"/>
+              <a:t>2: </a:t>
+            </a:r>
+            <a:r>
+              <a:rPr lang="en-US" dirty="0" err="1"/>
+              <a:t>Dobar</a:t>
+            </a:r>
+            <a:r>
+              <a:rPr lang="en-US" dirty="0"/>
+              <a:t> (Good)</a:t>
+            </a:r>
+          </a:p>
+          <a:p>
+            <a:endParaRPr lang="en-US" dirty="0"/>
+          </a:p>
+        </p:txBody>
+      </p:sp>
+    </p:spTree>
+    <p:extLst>
+      <p:ext uri="{BB962C8B-B14F-4D97-AF65-F5344CB8AC3E}">
+        <p14:creationId xmlns:p14="http://schemas.microsoft.com/office/powerpoint/2010/main" val="1764370257"/>
+      </p:ext>
+    </p:extLst>
+  </p:cSld>
+  <p:clrMapOvr>
+    <a:masterClrMapping/>
+  </p:clrMapOvr>
+</p:sld>
+</file>
+
+<file path=ppt/slides/slide9.xml><?xml version="1.0" encoding="utf-8"?>
+<p:sld xmlns:a="http://schemas.openxmlformats.org/drawingml/2006/main" xmlns:r="http://schemas.openxmlformats.org/officeDocument/2006/relationships" xmlns:p="http://schemas.openxmlformats.org/presentationml/2006/main">
+  <p:cSld>
+    <p:spTree>
+      <p:nvGrpSpPr>
+        <p:cNvPr id="1" name=""/>
+        <p:cNvGrpSpPr/>
+        <p:nvPr/>
+      </p:nvGrpSpPr>
+      <p:grpSpPr>
+        <a:xfrm>
+          <a:off x="0" y="0"/>
+          <a:ext cx="0" cy="0"/>
+          <a:chOff x="0" y="0"/>
+          <a:chExt cx="0" cy="0"/>
+        </a:xfrm>
+      </p:grpSpPr>
+      <p:sp>
+        <p:nvSpPr>
+          <p:cNvPr id="3" name="Content Placeholder 2">
+            <a:extLst>
+              <a:ext uri="{FF2B5EF4-FFF2-40B4-BE49-F238E27FC236}">
+                <a16:creationId xmlns:a16="http://schemas.microsoft.com/office/drawing/2014/main" id="{D69CE62A-33E2-4D5D-8611-F6AFC3831F6D}"/>
+              </a:ext>
+            </a:extLst>
+          </p:cNvPr>
+          <p:cNvSpPr>
+            <a:spLocks noGrp="1"/>
+          </p:cNvSpPr>
+          <p:nvPr>
+            <p:ph idx="1"/>
+          </p:nvPr>
+        </p:nvSpPr>
+        <p:spPr>
+          <a:xfrm>
+            <a:off x="113123" y="94268"/>
+            <a:ext cx="11924906" cy="6683604"/>
+          </a:xfrm>
+        </p:spPr>
+        <p:txBody>
+          <a:bodyPr anchor="ctr"/>
+          <a:lstStyle/>
+          <a:p>
+            <a:pPr marL="0" indent="0" algn="ctr">
+              <a:buNone/>
+            </a:pPr>
+            <a:r>
+              <a:rPr lang="en-US" dirty="0" err="1"/>
+              <a:t>Razvoj</a:t>
+            </a:r>
+            <a:endParaRPr lang="en-US" dirty="0"/>
+          </a:p>
+        </p:txBody>
+      </p:sp>
+    </p:spTree>
+    <p:extLst>
+      <p:ext uri="{BB962C8B-B14F-4D97-AF65-F5344CB8AC3E}">
+        <p14:creationId xmlns:p14="http://schemas.microsoft.com/office/powerpoint/2010/main" val="2607597575"/>
       </p:ext>
     </p:extLst>
   </p:cSld>

--- a/Prezentacija.pptx
+++ b/Prezentacija.pptx
@@ -40,6 +40,8 @@
     <p:sldId id="288" r:id="rId34"/>
     <p:sldId id="289" r:id="rId35"/>
     <p:sldId id="290" r:id="rId36"/>
+    <p:sldId id="292" r:id="rId37"/>
+    <p:sldId id="291" r:id="rId38"/>
   </p:sldIdLst>
   <p:sldSz cx="12192000" cy="6858000"/>
   <p:notesSz cx="6858000" cy="9144000"/>
@@ -138,6 +140,11 @@
       </a:defRPr>
     </a:lvl9pPr>
   </p:defaultTextStyle>
+  <p:extLst>
+    <p:ext uri="{EFAFB233-063F-42B5-8137-9DF3F51BA10A}">
+      <p15:sldGuideLst xmlns:p15="http://schemas.microsoft.com/office/powerpoint/2012/main"/>
+    </p:ext>
+  </p:extLst>
 </p:presentation>
 </file>
 
@@ -13489,8 +13496,8 @@
         </p:blipFill>
         <p:spPr>
           <a:xfrm>
-            <a:off x="6410227" y="4186169"/>
-            <a:ext cx="4766344" cy="2306706"/>
+            <a:off x="6524767" y="4241602"/>
+            <a:ext cx="4651803" cy="2251273"/>
           </a:xfrm>
           <a:prstGeom prst="rect">
             <a:avLst/>
@@ -13501,6 +13508,664 @@
     <p:extLst>
       <p:ext uri="{BB962C8B-B14F-4D97-AF65-F5344CB8AC3E}">
         <p14:creationId xmlns:p14="http://schemas.microsoft.com/office/powerpoint/2010/main" val="2141562628"/>
+      </p:ext>
+    </p:extLst>
+  </p:cSld>
+  <p:clrMapOvr>
+    <a:masterClrMapping/>
+  </p:clrMapOvr>
+</p:sld>
+</file>
+
+<file path=ppt/slides/slide36.xml><?xml version="1.0" encoding="utf-8"?>
+<p:sld xmlns:a="http://schemas.openxmlformats.org/drawingml/2006/main" xmlns:r="http://schemas.openxmlformats.org/officeDocument/2006/relationships" xmlns:p="http://schemas.openxmlformats.org/presentationml/2006/main">
+  <p:cSld>
+    <p:spTree>
+      <p:nvGrpSpPr>
+        <p:cNvPr id="1" name=""/>
+        <p:cNvGrpSpPr/>
+        <p:nvPr/>
+      </p:nvGrpSpPr>
+      <p:grpSpPr>
+        <a:xfrm>
+          <a:off x="0" y="0"/>
+          <a:ext cx="0" cy="0"/>
+          <a:chOff x="0" y="0"/>
+          <a:chExt cx="0" cy="0"/>
+        </a:xfrm>
+      </p:grpSpPr>
+      <p:sp>
+        <p:nvSpPr>
+          <p:cNvPr id="2" name="Title 1">
+            <a:extLst>
+              <a:ext uri="{FF2B5EF4-FFF2-40B4-BE49-F238E27FC236}">
+                <a16:creationId xmlns:a16="http://schemas.microsoft.com/office/drawing/2014/main" id="{11533A58-721C-4BE7-93F5-C63DEF66905D}"/>
+              </a:ext>
+            </a:extLst>
+          </p:cNvPr>
+          <p:cNvSpPr>
+            <a:spLocks noGrp="1"/>
+          </p:cNvSpPr>
+          <p:nvPr>
+            <p:ph type="title"/>
+          </p:nvPr>
+        </p:nvSpPr>
+        <p:spPr/>
+        <p:txBody>
+          <a:bodyPr/>
+          <a:lstStyle/>
+          <a:p>
+            <a:endParaRPr lang="en-US"/>
+          </a:p>
+        </p:txBody>
+      </p:sp>
+      <p:sp>
+        <p:nvSpPr>
+          <p:cNvPr id="3" name="Content Placeholder 2">
+            <a:extLst>
+              <a:ext uri="{FF2B5EF4-FFF2-40B4-BE49-F238E27FC236}">
+                <a16:creationId xmlns:a16="http://schemas.microsoft.com/office/drawing/2014/main" id="{1FA65A14-EA54-4F70-8DAC-165B2217B802}"/>
+              </a:ext>
+            </a:extLst>
+          </p:cNvPr>
+          <p:cNvSpPr>
+            <a:spLocks noGrp="1"/>
+          </p:cNvSpPr>
+          <p:nvPr>
+            <p:ph idx="1"/>
+          </p:nvPr>
+        </p:nvSpPr>
+        <p:spPr/>
+        <p:txBody>
+          <a:bodyPr/>
+          <a:lstStyle/>
+          <a:p>
+            <a:r>
+              <a:rPr lang="en-US" dirty="0" err="1"/>
+              <a:t>Kroz</a:t>
+            </a:r>
+            <a:r>
+              <a:rPr lang="en-US" dirty="0"/>
+              <a:t> </a:t>
+            </a:r>
+            <a:r>
+              <a:rPr lang="sr-Latn-RS" dirty="0"/>
+              <a:t>ovaj </a:t>
+            </a:r>
+            <a:r>
+              <a:rPr lang="en-US" dirty="0" err="1"/>
+              <a:t>projekat</a:t>
+            </a:r>
+            <a:r>
+              <a:rPr lang="en-US" dirty="0"/>
+              <a:t>, </a:t>
+            </a:r>
+            <a:r>
+              <a:rPr lang="en-US" dirty="0" err="1"/>
+              <a:t>razvio</a:t>
+            </a:r>
+            <a:r>
+              <a:rPr lang="en-US" dirty="0"/>
+              <a:t> </a:t>
+            </a:r>
+            <a:r>
+              <a:rPr lang="en-US" dirty="0" err="1"/>
+              <a:t>sam</a:t>
+            </a:r>
+            <a:r>
+              <a:rPr lang="en-US" dirty="0"/>
+              <a:t> </a:t>
+            </a:r>
+            <a:r>
+              <a:rPr lang="en-US" dirty="0" err="1"/>
+              <a:t>duboku</a:t>
+            </a:r>
+            <a:r>
+              <a:rPr lang="en-US" dirty="0"/>
+              <a:t> </a:t>
+            </a:r>
+            <a:r>
+              <a:rPr lang="en-US" dirty="0" err="1"/>
+              <a:t>zahvalnost</a:t>
+            </a:r>
+            <a:r>
+              <a:rPr lang="en-US" dirty="0"/>
+              <a:t> za oblast </a:t>
+            </a:r>
+            <a:r>
+              <a:rPr lang="en-US" dirty="0" err="1"/>
+              <a:t>mašinskog</a:t>
+            </a:r>
+            <a:r>
+              <a:rPr lang="en-US" dirty="0"/>
+              <a:t> </a:t>
+            </a:r>
+            <a:r>
+              <a:rPr lang="en-US" dirty="0" err="1"/>
+              <a:t>učenja</a:t>
+            </a:r>
+            <a:r>
+              <a:rPr lang="en-US" dirty="0"/>
+              <a:t> </a:t>
+            </a:r>
+            <a:r>
+              <a:rPr lang="en-US" dirty="0" err="1"/>
+              <a:t>i</a:t>
+            </a:r>
+            <a:r>
+              <a:rPr lang="en-US" dirty="0"/>
+              <a:t> </a:t>
+            </a:r>
+            <a:r>
+              <a:rPr lang="en-US" dirty="0" err="1"/>
+              <a:t>rada</a:t>
+            </a:r>
+            <a:r>
+              <a:rPr lang="en-US" dirty="0"/>
+              <a:t> </a:t>
+            </a:r>
+            <a:r>
+              <a:rPr lang="en-US" dirty="0" err="1"/>
+              <a:t>sa</a:t>
+            </a:r>
+            <a:r>
+              <a:rPr lang="en-US" dirty="0"/>
+              <a:t> </a:t>
+            </a:r>
+            <a:r>
+              <a:rPr lang="en-US" dirty="0" err="1"/>
+              <a:t>podacima</a:t>
+            </a:r>
+            <a:r>
+              <a:rPr lang="en-US" dirty="0"/>
+              <a:t>. </a:t>
+            </a:r>
+            <a:r>
+              <a:rPr lang="en-US" dirty="0" err="1"/>
+              <a:t>Proces</a:t>
+            </a:r>
+            <a:r>
+              <a:rPr lang="en-US" dirty="0"/>
+              <a:t> </a:t>
+            </a:r>
+            <a:r>
+              <a:rPr lang="en-US" dirty="0" err="1"/>
+              <a:t>istraživanja</a:t>
+            </a:r>
+            <a:r>
+              <a:rPr lang="en-US" dirty="0"/>
+              <a:t> </a:t>
+            </a:r>
+            <a:r>
+              <a:rPr lang="en-US" dirty="0" err="1"/>
+              <a:t>i</a:t>
+            </a:r>
+            <a:r>
+              <a:rPr lang="en-US" dirty="0"/>
+              <a:t> </a:t>
+            </a:r>
+            <a:r>
+              <a:rPr lang="en-US" dirty="0" err="1"/>
+              <a:t>analize</a:t>
+            </a:r>
+            <a:r>
+              <a:rPr lang="en-US" dirty="0"/>
+              <a:t> </a:t>
+            </a:r>
+            <a:r>
+              <a:rPr lang="en-US" dirty="0" err="1"/>
+              <a:t>podataka</a:t>
+            </a:r>
+            <a:r>
+              <a:rPr lang="en-US" dirty="0"/>
+              <a:t> bio je </a:t>
+            </a:r>
+            <a:r>
+              <a:rPr lang="sr-Latn-RS" dirty="0"/>
+              <a:t>zanimljiv</a:t>
+            </a:r>
+            <a:r>
+              <a:rPr lang="en-US" dirty="0"/>
+              <a:t>, </a:t>
+            </a:r>
+            <a:r>
+              <a:rPr lang="en-US" dirty="0" err="1"/>
+              <a:t>uprkos</a:t>
+            </a:r>
+            <a:r>
+              <a:rPr lang="en-US" dirty="0"/>
+              <a:t> </a:t>
+            </a:r>
+            <a:r>
+              <a:rPr lang="en-US" dirty="0" err="1"/>
+              <a:t>izazovima</a:t>
+            </a:r>
+            <a:r>
+              <a:rPr lang="en-US" dirty="0"/>
+              <a:t> </a:t>
+            </a:r>
+            <a:r>
+              <a:rPr lang="en-US" dirty="0" err="1"/>
+              <a:t>vezanim</a:t>
+            </a:r>
+            <a:r>
+              <a:rPr lang="en-US" dirty="0"/>
+              <a:t> za </a:t>
+            </a:r>
+            <a:r>
+              <a:rPr lang="en-US" dirty="0" err="1"/>
+              <a:t>pribavljanje</a:t>
+            </a:r>
+            <a:r>
+              <a:rPr lang="en-US" dirty="0"/>
+              <a:t> </a:t>
+            </a:r>
+            <a:r>
+              <a:rPr lang="en-US" dirty="0" err="1"/>
+              <a:t>kvalitetnih</a:t>
+            </a:r>
+            <a:r>
+              <a:rPr lang="en-US" dirty="0"/>
+              <a:t> </a:t>
+            </a:r>
+            <a:r>
+              <a:rPr lang="en-US" dirty="0" err="1"/>
+              <a:t>skupova</a:t>
+            </a:r>
+            <a:r>
+              <a:rPr lang="en-US" dirty="0"/>
+              <a:t> </a:t>
+            </a:r>
+            <a:r>
+              <a:rPr lang="en-US" dirty="0" err="1"/>
+              <a:t>podataka</a:t>
+            </a:r>
+            <a:r>
+              <a:rPr lang="en-US" dirty="0"/>
+              <a:t>.</a:t>
+            </a:r>
+          </a:p>
+          <a:p>
+            <a:r>
+              <a:rPr lang="en-US" dirty="0"/>
+              <a:t>Ovo </a:t>
+            </a:r>
+            <a:r>
+              <a:rPr lang="en-US" dirty="0" err="1"/>
+              <a:t>iskustvo</a:t>
+            </a:r>
+            <a:r>
+              <a:rPr lang="en-US" dirty="0"/>
+              <a:t> ne </a:t>
+            </a:r>
+            <a:r>
+              <a:rPr lang="en-US" dirty="0" err="1"/>
+              <a:t>samo</a:t>
+            </a:r>
+            <a:r>
+              <a:rPr lang="en-US" dirty="0"/>
+              <a:t> da je </a:t>
+            </a:r>
+            <a:r>
+              <a:rPr lang="en-US" dirty="0" err="1"/>
+              <a:t>unapredilo</a:t>
+            </a:r>
+            <a:r>
+              <a:rPr lang="en-US" dirty="0"/>
+              <a:t> </a:t>
+            </a:r>
+            <a:r>
+              <a:rPr lang="en-US" dirty="0" err="1"/>
+              <a:t>moje</a:t>
+            </a:r>
+            <a:r>
+              <a:rPr lang="en-US" dirty="0"/>
+              <a:t> </a:t>
+            </a:r>
+            <a:r>
+              <a:rPr lang="en-US" dirty="0" err="1"/>
+              <a:t>tehničke</a:t>
+            </a:r>
+            <a:r>
+              <a:rPr lang="en-US" dirty="0"/>
+              <a:t> v</a:t>
+            </a:r>
+            <a:r>
+              <a:rPr lang="sr-Latn-RS" dirty="0"/>
+              <a:t>j</a:t>
+            </a:r>
+            <a:r>
+              <a:rPr lang="en-US" dirty="0" err="1"/>
+              <a:t>eštine</a:t>
+            </a:r>
+            <a:r>
+              <a:rPr lang="en-US" dirty="0"/>
+              <a:t>, </a:t>
+            </a:r>
+            <a:r>
+              <a:rPr lang="en-US" dirty="0" err="1"/>
+              <a:t>već</a:t>
+            </a:r>
+            <a:r>
+              <a:rPr lang="en-US" dirty="0"/>
+              <a:t> je </a:t>
+            </a:r>
+            <a:r>
+              <a:rPr lang="en-US" dirty="0" err="1"/>
+              <a:t>i</a:t>
+            </a:r>
+            <a:r>
+              <a:rPr lang="en-US" dirty="0"/>
+              <a:t> </a:t>
+            </a:r>
+            <a:r>
+              <a:rPr lang="en-US" dirty="0" err="1"/>
+              <a:t>zapalilo</a:t>
+            </a:r>
+            <a:r>
+              <a:rPr lang="en-US" dirty="0"/>
+              <a:t> </a:t>
+            </a:r>
+            <a:r>
+              <a:rPr lang="en-US" dirty="0" err="1"/>
+              <a:t>strast</a:t>
+            </a:r>
+            <a:r>
+              <a:rPr lang="en-US" dirty="0"/>
+              <a:t> </a:t>
+            </a:r>
+            <a:r>
+              <a:rPr lang="en-US" dirty="0" err="1"/>
+              <a:t>prema</a:t>
+            </a:r>
+            <a:r>
+              <a:rPr lang="en-US" dirty="0"/>
+              <a:t> </a:t>
+            </a:r>
+            <a:r>
+              <a:rPr lang="en-US" dirty="0" err="1"/>
+              <a:t>nauci</a:t>
+            </a:r>
+            <a:r>
+              <a:rPr lang="en-US" dirty="0"/>
+              <a:t> o </a:t>
+            </a:r>
+            <a:r>
+              <a:rPr lang="en-US" dirty="0" err="1"/>
+              <a:t>podacima</a:t>
+            </a:r>
+            <a:r>
+              <a:rPr lang="en-US" dirty="0"/>
+              <a:t>. </a:t>
+            </a:r>
+            <a:r>
+              <a:rPr lang="en-US" dirty="0" err="1"/>
+              <a:t>Istraživanje</a:t>
+            </a:r>
+            <a:r>
+              <a:rPr lang="en-US" dirty="0"/>
+              <a:t> </a:t>
+            </a:r>
+            <a:r>
+              <a:rPr lang="en-US" dirty="0" err="1"/>
+              <a:t>podataka</a:t>
+            </a:r>
+            <a:r>
+              <a:rPr lang="en-US" dirty="0"/>
+              <a:t> </a:t>
+            </a:r>
+            <a:r>
+              <a:rPr lang="en-US" dirty="0" err="1"/>
+              <a:t>i</a:t>
+            </a:r>
+            <a:r>
+              <a:rPr lang="en-US" dirty="0"/>
+              <a:t> </a:t>
+            </a:r>
+            <a:r>
+              <a:rPr lang="en-US" dirty="0" err="1"/>
+              <a:t>pronalaženje</a:t>
+            </a:r>
+            <a:r>
+              <a:rPr lang="en-US" dirty="0"/>
+              <a:t> </a:t>
+            </a:r>
+            <a:r>
+              <a:rPr lang="en-US" dirty="0" err="1"/>
+              <a:t>uvida</a:t>
+            </a:r>
+            <a:r>
+              <a:rPr lang="en-US" dirty="0"/>
+              <a:t> </a:t>
+            </a:r>
+            <a:r>
+              <a:rPr lang="en-US" dirty="0" err="1"/>
+              <a:t>kroz</a:t>
+            </a:r>
+            <a:r>
+              <a:rPr lang="en-US" dirty="0"/>
+              <a:t> </a:t>
+            </a:r>
+            <a:r>
+              <a:rPr lang="en-US" dirty="0" err="1"/>
+              <a:t>analizu</a:t>
+            </a:r>
+            <a:r>
+              <a:rPr lang="en-US" dirty="0"/>
+              <a:t> </a:t>
+            </a:r>
+            <a:r>
+              <a:rPr lang="en-US" dirty="0" err="1"/>
+              <a:t>pružaju</a:t>
+            </a:r>
+            <a:r>
+              <a:rPr lang="en-US" dirty="0"/>
+              <a:t> mi </a:t>
+            </a:r>
+            <a:r>
+              <a:rPr lang="en-US" dirty="0" err="1"/>
+              <a:t>veliko</a:t>
+            </a:r>
+            <a:r>
+              <a:rPr lang="en-US" dirty="0"/>
+              <a:t> </a:t>
+            </a:r>
+            <a:r>
+              <a:rPr lang="en-US" dirty="0" err="1"/>
+              <a:t>zadovoljstvo</a:t>
+            </a:r>
+            <a:r>
+              <a:rPr lang="en-US" dirty="0"/>
+              <a:t> </a:t>
+            </a:r>
+            <a:r>
+              <a:rPr lang="en-US" dirty="0" err="1"/>
+              <a:t>i</a:t>
+            </a:r>
+            <a:r>
+              <a:rPr lang="en-US" dirty="0"/>
+              <a:t> </a:t>
+            </a:r>
+            <a:r>
+              <a:rPr lang="en-US" dirty="0" err="1"/>
+              <a:t>motivišu</a:t>
+            </a:r>
+            <a:r>
+              <a:rPr lang="en-US" dirty="0"/>
+              <a:t> me da se </a:t>
+            </a:r>
+            <a:r>
+              <a:rPr lang="en-US" dirty="0" err="1"/>
+              <a:t>dalje</a:t>
+            </a:r>
+            <a:r>
+              <a:rPr lang="en-US" dirty="0"/>
+              <a:t> </a:t>
+            </a:r>
+            <a:r>
+              <a:rPr lang="en-US" dirty="0" err="1"/>
+              <a:t>razvijam</a:t>
+            </a:r>
+            <a:r>
+              <a:rPr lang="en-US" dirty="0"/>
+              <a:t> u </a:t>
+            </a:r>
+            <a:r>
+              <a:rPr lang="en-US" dirty="0" err="1"/>
+              <a:t>ovoj</a:t>
+            </a:r>
+            <a:r>
+              <a:rPr lang="en-US" dirty="0"/>
+              <a:t> </a:t>
+            </a:r>
+            <a:r>
+              <a:rPr lang="en-US" dirty="0" err="1"/>
+              <a:t>oblasti</a:t>
+            </a:r>
+            <a:r>
+              <a:rPr lang="en-US" dirty="0"/>
+              <a:t>.</a:t>
+            </a:r>
+          </a:p>
+          <a:p>
+            <a:endParaRPr lang="en-US" dirty="0"/>
+          </a:p>
+        </p:txBody>
+      </p:sp>
+    </p:spTree>
+    <p:extLst>
+      <p:ext uri="{BB962C8B-B14F-4D97-AF65-F5344CB8AC3E}">
+        <p14:creationId xmlns:p14="http://schemas.microsoft.com/office/powerpoint/2010/main" val="174027485"/>
+      </p:ext>
+    </p:extLst>
+  </p:cSld>
+  <p:clrMapOvr>
+    <a:masterClrMapping/>
+  </p:clrMapOvr>
+</p:sld>
+</file>
+
+<file path=ppt/slides/slide37.xml><?xml version="1.0" encoding="utf-8"?>
+<p:sld xmlns:a="http://schemas.openxmlformats.org/drawingml/2006/main" xmlns:r="http://schemas.openxmlformats.org/officeDocument/2006/relationships" xmlns:p="http://schemas.openxmlformats.org/presentationml/2006/main">
+  <p:cSld>
+    <p:spTree>
+      <p:nvGrpSpPr>
+        <p:cNvPr id="1" name=""/>
+        <p:cNvGrpSpPr/>
+        <p:nvPr/>
+      </p:nvGrpSpPr>
+      <p:grpSpPr>
+        <a:xfrm>
+          <a:off x="0" y="0"/>
+          <a:ext cx="0" cy="0"/>
+          <a:chOff x="0" y="0"/>
+          <a:chExt cx="0" cy="0"/>
+        </a:xfrm>
+      </p:grpSpPr>
+      <p:sp>
+        <p:nvSpPr>
+          <p:cNvPr id="2" name="Title 1">
+            <a:extLst>
+              <a:ext uri="{FF2B5EF4-FFF2-40B4-BE49-F238E27FC236}">
+                <a16:creationId xmlns:a16="http://schemas.microsoft.com/office/drawing/2014/main" id="{6D178BB7-8F81-461D-B56B-45CE283670A5}"/>
+              </a:ext>
+            </a:extLst>
+          </p:cNvPr>
+          <p:cNvSpPr>
+            <a:spLocks noGrp="1"/>
+          </p:cNvSpPr>
+          <p:nvPr>
+            <p:ph type="title"/>
+          </p:nvPr>
+        </p:nvSpPr>
+        <p:spPr/>
+        <p:txBody>
+          <a:bodyPr/>
+          <a:lstStyle/>
+          <a:p>
+            <a:pPr algn="ctr"/>
+            <a:r>
+              <a:rPr lang="sr-Latn-RS" dirty="0"/>
+              <a:t>Literatura</a:t>
+            </a:r>
+            <a:endParaRPr lang="en-US" dirty="0"/>
+          </a:p>
+        </p:txBody>
+      </p:sp>
+      <p:sp>
+        <p:nvSpPr>
+          <p:cNvPr id="3" name="Content Placeholder 2">
+            <a:extLst>
+              <a:ext uri="{FF2B5EF4-FFF2-40B4-BE49-F238E27FC236}">
+                <a16:creationId xmlns:a16="http://schemas.microsoft.com/office/drawing/2014/main" id="{45B15BFC-3A1D-4031-9C5D-55A85179B22F}"/>
+              </a:ext>
+            </a:extLst>
+          </p:cNvPr>
+          <p:cNvSpPr>
+            <a:spLocks noGrp="1"/>
+          </p:cNvSpPr>
+          <p:nvPr>
+            <p:ph idx="1"/>
+          </p:nvPr>
+        </p:nvSpPr>
+        <p:spPr/>
+        <p:txBody>
+          <a:bodyPr/>
+          <a:lstStyle/>
+          <a:p>
+            <a:r>
+              <a:rPr lang="en-US" dirty="0">
+                <a:hlinkClick r:id="rId2"/>
+              </a:rPr>
+              <a:t>https://web.mit.edu/6.034/wwwbob/svm-notes-long-08.pdf</a:t>
+            </a:r>
+            <a:endParaRPr lang="sr-Latn-RS" dirty="0"/>
+          </a:p>
+          <a:p>
+            <a:r>
+              <a:rPr lang="en-US" dirty="0">
+                <a:hlinkClick r:id="rId3"/>
+              </a:rPr>
+              <a:t>https://borisburkov.net/2023-12-31-1/</a:t>
+            </a:r>
+            <a:endParaRPr lang="sr-Latn-RS" dirty="0"/>
+          </a:p>
+          <a:p>
+            <a:r>
+              <a:rPr lang="en-US" dirty="0">
+                <a:hlinkClick r:id="rId4"/>
+              </a:rPr>
+              <a:t>https://www.youtube.com/watch?v=VMj-3S1tku0</a:t>
+            </a:r>
+            <a:endParaRPr lang="sr-Latn-RS" dirty="0"/>
+          </a:p>
+          <a:p>
+            <a:r>
+              <a:rPr lang="en-US" dirty="0">
+                <a:hlinkClick r:id="rId5"/>
+              </a:rPr>
+              <a:t>https://www.learnpytorch.io/02_pytorch_classification/</a:t>
+            </a:r>
+            <a:endParaRPr lang="sr-Latn-RS" dirty="0"/>
+          </a:p>
+          <a:p>
+            <a:r>
+              <a:rPr lang="en-US" dirty="0">
+                <a:hlinkClick r:id="rId6"/>
+              </a:rPr>
+              <a:t>https://www.youtube.com/watch?v=Z_ikDlimN6A</a:t>
+            </a:r>
+            <a:br>
+              <a:rPr lang="sr-Latn-RS" dirty="0"/>
+            </a:br>
+            <a:endParaRPr lang="en-US" dirty="0"/>
+          </a:p>
+        </p:txBody>
+      </p:sp>
+    </p:spTree>
+    <p:extLst>
+      <p:ext uri="{BB962C8B-B14F-4D97-AF65-F5344CB8AC3E}">
+        <p14:creationId xmlns:p14="http://schemas.microsoft.com/office/powerpoint/2010/main" val="1571000409"/>
       </p:ext>
     </p:extLst>
   </p:cSld>

--- a/Prezentacija.pptx
+++ b/Prezentacija.pptx
@@ -14155,6 +14155,13 @@
               </a:rPr>
               <a:t>https://www.youtube.com/watch?v=Z_ikDlimN6A</a:t>
             </a:r>
+            <a:endParaRPr lang="sr-Latn-RS" dirty="0"/>
+          </a:p>
+          <a:p>
+            <a:r>
+              <a:rPr lang="sr-Latn-RS"/>
+              <a:t>https://pytorch.org/docs/stable/index.html</a:t>
+            </a:r>
             <a:br>
               <a:rPr lang="sr-Latn-RS" dirty="0"/>
             </a:br>
